--- a/2 семестр/курсач/2025/Миронов_Д_С_ИКМО_05_23.pptx
+++ b/2 семестр/курсач/2025/Миронов_Д_С_ИКМО_05_23.pptx
@@ -2,7 +2,7 @@
 <file path=ppt/presentation.xml><?xml version="1.0" encoding="utf-8"?>
 <p:presentation xmlns:a="http://schemas.openxmlformats.org/drawingml/2006/main" xmlns:r="http://schemas.openxmlformats.org/officeDocument/2006/relationships" xmlns:p="http://schemas.openxmlformats.org/presentationml/2006/main" saveSubsetFonts="1">
   <p:sldMasterIdLst>
-    <p:sldMasterId id="2147483648" r:id="rId1"/>
+    <p:sldMasterId id="2147483848" r:id="rId1"/>
   </p:sldMasterIdLst>
   <p:notesMasterIdLst>
     <p:notesMasterId r:id="rId9"/>
@@ -14,7 +14,7 @@
     <p:sldId id="258" r:id="rId5"/>
     <p:sldId id="259" r:id="rId6"/>
     <p:sldId id="260" r:id="rId7"/>
-    <p:sldId id="261" r:id="rId8"/>
+    <p:sldId id="263" r:id="rId8"/>
   </p:sldIdLst>
   <p:sldSz cx="12192000" cy="6858000"/>
   <p:notesSz cx="6858000" cy="9144000"/>
@@ -113,6 +113,11 @@
       </a:defRPr>
     </a:lvl9pPr>
   </p:defaultTextStyle>
+  <p:extLst>
+    <p:ext uri="{EFAFB233-063F-42B5-8137-9DF3F51BA10A}">
+      <p15:sldGuideLst xmlns:p15="http://schemas.microsoft.com/office/powerpoint/2012/main"/>
+    </p:ext>
+  </p:extLst>
 </p:presentation>
 </file>
 
@@ -757,7 +762,7 @@
     </p:spTree>
     <p:extLst>
       <p:ext uri="{BB962C8B-B14F-4D97-AF65-F5344CB8AC3E}">
-        <p14:creationId xmlns:p14="http://schemas.microsoft.com/office/powerpoint/2010/main" val="2650574993"/>
+        <p14:creationId xmlns:p14="http://schemas.microsoft.com/office/powerpoint/2010/main" val="4187382623"/>
       </p:ext>
     </p:extLst>
   </p:cSld>
@@ -927,7 +932,7 @@
     </p:spTree>
     <p:extLst>
       <p:ext uri="{BB962C8B-B14F-4D97-AF65-F5344CB8AC3E}">
-        <p14:creationId xmlns:p14="http://schemas.microsoft.com/office/powerpoint/2010/main" val="527255896"/>
+        <p14:creationId xmlns:p14="http://schemas.microsoft.com/office/powerpoint/2010/main" val="313416325"/>
       </p:ext>
     </p:extLst>
   </p:cSld>
@@ -1107,7 +1112,7 @@
     </p:spTree>
     <p:extLst>
       <p:ext uri="{BB962C8B-B14F-4D97-AF65-F5344CB8AC3E}">
-        <p14:creationId xmlns:p14="http://schemas.microsoft.com/office/powerpoint/2010/main" val="2748433853"/>
+        <p14:creationId xmlns:p14="http://schemas.microsoft.com/office/powerpoint/2010/main" val="2180017132"/>
       </p:ext>
     </p:extLst>
   </p:cSld>
@@ -1277,7 +1282,7 @@
     </p:spTree>
     <p:extLst>
       <p:ext uri="{BB962C8B-B14F-4D97-AF65-F5344CB8AC3E}">
-        <p14:creationId xmlns:p14="http://schemas.microsoft.com/office/powerpoint/2010/main" val="904761291"/>
+        <p14:creationId xmlns:p14="http://schemas.microsoft.com/office/powerpoint/2010/main" val="2970237431"/>
       </p:ext>
     </p:extLst>
   </p:cSld>
@@ -1523,7 +1528,7 @@
     </p:spTree>
     <p:extLst>
       <p:ext uri="{BB962C8B-B14F-4D97-AF65-F5344CB8AC3E}">
-        <p14:creationId xmlns:p14="http://schemas.microsoft.com/office/powerpoint/2010/main" val="2543969038"/>
+        <p14:creationId xmlns:p14="http://schemas.microsoft.com/office/powerpoint/2010/main" val="948903308"/>
       </p:ext>
     </p:extLst>
   </p:cSld>
@@ -1755,7 +1760,7 @@
     </p:spTree>
     <p:extLst>
       <p:ext uri="{BB962C8B-B14F-4D97-AF65-F5344CB8AC3E}">
-        <p14:creationId xmlns:p14="http://schemas.microsoft.com/office/powerpoint/2010/main" val="3535018869"/>
+        <p14:creationId xmlns:p14="http://schemas.microsoft.com/office/powerpoint/2010/main" val="2107687786"/>
       </p:ext>
     </p:extLst>
   </p:cSld>
@@ -2122,7 +2127,7 @@
     </p:spTree>
     <p:extLst>
       <p:ext uri="{BB962C8B-B14F-4D97-AF65-F5344CB8AC3E}">
-        <p14:creationId xmlns:p14="http://schemas.microsoft.com/office/powerpoint/2010/main" val="1970174610"/>
+        <p14:creationId xmlns:p14="http://schemas.microsoft.com/office/powerpoint/2010/main" val="2366702300"/>
       </p:ext>
     </p:extLst>
   </p:cSld>
@@ -2240,7 +2245,7 @@
     </p:spTree>
     <p:extLst>
       <p:ext uri="{BB962C8B-B14F-4D97-AF65-F5344CB8AC3E}">
-        <p14:creationId xmlns:p14="http://schemas.microsoft.com/office/powerpoint/2010/main" val="3294513071"/>
+        <p14:creationId xmlns:p14="http://schemas.microsoft.com/office/powerpoint/2010/main" val="915159359"/>
       </p:ext>
     </p:extLst>
   </p:cSld>
@@ -2335,7 +2340,7 @@
     </p:spTree>
     <p:extLst>
       <p:ext uri="{BB962C8B-B14F-4D97-AF65-F5344CB8AC3E}">
-        <p14:creationId xmlns:p14="http://schemas.microsoft.com/office/powerpoint/2010/main" val="1136225739"/>
+        <p14:creationId xmlns:p14="http://schemas.microsoft.com/office/powerpoint/2010/main" val="537449657"/>
       </p:ext>
     </p:extLst>
   </p:cSld>
@@ -2612,7 +2617,7 @@
     </p:spTree>
     <p:extLst>
       <p:ext uri="{BB962C8B-B14F-4D97-AF65-F5344CB8AC3E}">
-        <p14:creationId xmlns:p14="http://schemas.microsoft.com/office/powerpoint/2010/main" val="1822351316"/>
+        <p14:creationId xmlns:p14="http://schemas.microsoft.com/office/powerpoint/2010/main" val="928496353"/>
       </p:ext>
     </p:extLst>
   </p:cSld>
@@ -2865,7 +2870,7 @@
     </p:spTree>
     <p:extLst>
       <p:ext uri="{BB962C8B-B14F-4D97-AF65-F5344CB8AC3E}">
-        <p14:creationId xmlns:p14="http://schemas.microsoft.com/office/powerpoint/2010/main" val="2214765797"/>
+        <p14:creationId xmlns:p14="http://schemas.microsoft.com/office/powerpoint/2010/main" val="1561924305"/>
       </p:ext>
     </p:extLst>
   </p:cSld>
@@ -2880,7 +2885,7 @@
   <p:cSld>
     <p:bg>
       <p:bgRef idx="1001">
-        <a:schemeClr val="bg1"/>
+        <a:schemeClr val="bg2"/>
       </p:bgRef>
     </p:bg>
     <p:spTree>
@@ -3114,23 +3119,23 @@
     </p:spTree>
     <p:extLst>
       <p:ext uri="{BB962C8B-B14F-4D97-AF65-F5344CB8AC3E}">
-        <p14:creationId xmlns:p14="http://schemas.microsoft.com/office/powerpoint/2010/main" val="2377582154"/>
+        <p14:creationId xmlns:p14="http://schemas.microsoft.com/office/powerpoint/2010/main" val="2980946539"/>
       </p:ext>
     </p:extLst>
   </p:cSld>
-  <p:clrMap bg1="lt1" tx1="dk1" bg2="lt2" tx2="dk2" accent1="accent1" accent2="accent2" accent3="accent3" accent4="accent4" accent5="accent5" accent6="accent6" hlink="hlink" folHlink="folHlink"/>
+  <p:clrMap bg1="dk1" tx1="lt1" bg2="dk2" tx2="lt2" accent1="accent1" accent2="accent2" accent3="accent3" accent4="accent4" accent5="accent5" accent6="accent6" hlink="hlink" folHlink="folHlink"/>
   <p:sldLayoutIdLst>
-    <p:sldLayoutId id="2147483649" r:id="rId1"/>
-    <p:sldLayoutId id="2147483650" r:id="rId2"/>
-    <p:sldLayoutId id="2147483651" r:id="rId3"/>
-    <p:sldLayoutId id="2147483652" r:id="rId4"/>
-    <p:sldLayoutId id="2147483653" r:id="rId5"/>
-    <p:sldLayoutId id="2147483654" r:id="rId6"/>
-    <p:sldLayoutId id="2147483655" r:id="rId7"/>
-    <p:sldLayoutId id="2147483656" r:id="rId8"/>
-    <p:sldLayoutId id="2147483657" r:id="rId9"/>
-    <p:sldLayoutId id="2147483658" r:id="rId10"/>
-    <p:sldLayoutId id="2147483659" r:id="rId11"/>
+    <p:sldLayoutId id="2147483849" r:id="rId1"/>
+    <p:sldLayoutId id="2147483850" r:id="rId2"/>
+    <p:sldLayoutId id="2147483851" r:id="rId3"/>
+    <p:sldLayoutId id="2147483852" r:id="rId4"/>
+    <p:sldLayoutId id="2147483853" r:id="rId5"/>
+    <p:sldLayoutId id="2147483854" r:id="rId6"/>
+    <p:sldLayoutId id="2147483855" r:id="rId7"/>
+    <p:sldLayoutId id="2147483856" r:id="rId8"/>
+    <p:sldLayoutId id="2147483857" r:id="rId9"/>
+    <p:sldLayoutId id="2147483858" r:id="rId10"/>
+    <p:sldLayoutId id="2147483859" r:id="rId11"/>
   </p:sldLayoutIdLst>
   <p:txStyles>
     <p:titleStyle>
@@ -3707,9 +3712,6 @@
             </a:r>
             <a:r>
               <a:rPr lang="ru-RU" sz="1867" dirty="0" smtClean="0">
-                <a:solidFill>
-                  <a:srgbClr val="000000"/>
-                </a:solidFill>
                 <a:latin typeface="Times New Roman" panose="02020603050405020304" pitchFamily="18" charset="0"/>
               </a:rPr>
               <a:t>«Система автоматизации умного загородного дома на базе</a:t>
@@ -3719,63 +3721,42 @@
             <a:pPr algn="ctr"/>
             <a:r>
               <a:rPr lang="ru-RU" sz="1867" dirty="0" smtClean="0">
-                <a:solidFill>
-                  <a:srgbClr val="000000"/>
-                </a:solidFill>
                 <a:latin typeface="Times New Roman" panose="02020603050405020304" pitchFamily="18" charset="0"/>
               </a:rPr>
               <a:t>компонентов </a:t>
             </a:r>
             <a:r>
               <a:rPr lang="ru-RU" sz="1867" dirty="0" err="1" smtClean="0">
-                <a:solidFill>
-                  <a:srgbClr val="000000"/>
-                </a:solidFill>
                 <a:latin typeface="Times New Roman" panose="02020603050405020304" pitchFamily="18" charset="0"/>
               </a:rPr>
               <a:t>Arduino</a:t>
             </a:r>
             <a:r>
               <a:rPr lang="ru-RU" sz="1867" dirty="0" smtClean="0">
-                <a:solidFill>
-                  <a:srgbClr val="000000"/>
-                </a:solidFill>
                 <a:latin typeface="Times New Roman" panose="02020603050405020304" pitchFamily="18" charset="0"/>
               </a:rPr>
               <a:t> и </a:t>
             </a:r>
             <a:r>
               <a:rPr lang="ru-RU" sz="1867" dirty="0" err="1" smtClean="0">
-                <a:solidFill>
-                  <a:srgbClr val="000000"/>
-                </a:solidFill>
                 <a:latin typeface="Times New Roman" panose="02020603050405020304" pitchFamily="18" charset="0"/>
               </a:rPr>
               <a:t>Raspbery</a:t>
             </a:r>
             <a:r>
               <a:rPr lang="ru-RU" sz="1867" dirty="0" smtClean="0">
-                <a:solidFill>
-                  <a:srgbClr val="000000"/>
-                </a:solidFill>
                 <a:latin typeface="Times New Roman" panose="02020603050405020304" pitchFamily="18" charset="0"/>
               </a:rPr>
               <a:t> P</a:t>
             </a:r>
             <a:r>
               <a:rPr lang="en-US" sz="1867" dirty="0">
-                <a:solidFill>
-                  <a:srgbClr val="000000"/>
-                </a:solidFill>
                 <a:latin typeface="Times New Roman" panose="02020603050405020304" pitchFamily="18" charset="0"/>
               </a:rPr>
               <a:t>I</a:t>
             </a:r>
             <a:r>
               <a:rPr lang="ru-RU" sz="1867" dirty="0" smtClean="0">
-                <a:solidFill>
-                  <a:srgbClr val="000000"/>
-                </a:solidFill>
                 <a:latin typeface="Times New Roman" panose="02020603050405020304" pitchFamily="18" charset="0"/>
               </a:rPr>
               <a:t>».  </a:t>
@@ -3841,12 +3822,51 @@
             <p:ph type="ctrTitle"/>
           </p:nvPr>
         </p:nvSpPr>
-        <p:spPr/>
+        <p:spPr>
+          <a:xfrm>
+            <a:off x="711200" y="1"/>
+            <a:ext cx="10947400" cy="1692812"/>
+          </a:xfrm>
+        </p:spPr>
         <p:txBody>
-          <a:bodyPr/>
+          <a:bodyPr>
+            <a:noAutofit/>
+          </a:bodyPr>
           <a:lstStyle/>
           <a:p>
-            <a:endParaRPr lang="ru-RU"/>
+            <a:r>
+              <a:rPr lang="ru-RU" sz="4000" b="1" dirty="0"/>
+              <a:t>П</a:t>
+            </a:r>
+            <a:r>
+              <a:rPr lang="ru-RU" sz="4000" b="1" dirty="0" smtClean="0"/>
+              <a:t>роект </a:t>
+            </a:r>
+            <a:r>
+              <a:rPr lang="ru-RU" sz="4000" b="1" dirty="0"/>
+              <a:t>системы автоматизации умного загородного дома на базе компонентов </a:t>
+            </a:r>
+            <a:r>
+              <a:rPr lang="ru-RU" sz="4000" b="1" dirty="0" err="1"/>
+              <a:t>Arduino</a:t>
+            </a:r>
+            <a:r>
+              <a:rPr lang="ru-RU" sz="4000" b="1" dirty="0"/>
+              <a:t> и </a:t>
+            </a:r>
+            <a:r>
+              <a:rPr lang="ru-RU" sz="4000" b="1" dirty="0" err="1"/>
+              <a:t>Raspbery</a:t>
+            </a:r>
+            <a:r>
+              <a:rPr lang="ru-RU" sz="4000" b="1" dirty="0"/>
+              <a:t> PI</a:t>
+            </a:r>
+            <a:r>
+              <a:rPr lang="ru-RU" sz="4000" b="1" dirty="0" smtClean="0"/>
+              <a:t>.</a:t>
+            </a:r>
+            <a:endParaRPr lang="ru-RU" sz="4000" b="1" dirty="0"/>
           </a:p>
         </p:txBody>
       </p:sp>
@@ -3860,15 +3880,179 @@
             <p:ph type="subTitle" idx="1"/>
           </p:nvPr>
         </p:nvSpPr>
-        <p:spPr/>
+        <p:spPr>
+          <a:xfrm>
+            <a:off x="0" y="1833489"/>
+            <a:ext cx="5905500" cy="5024511"/>
+          </a:xfrm>
+        </p:spPr>
         <p:txBody>
-          <a:bodyPr/>
+          <a:bodyPr>
+            <a:normAutofit fontScale="85000" lnSpcReduction="10000"/>
+          </a:bodyPr>
           <a:lstStyle/>
           <a:p>
-            <a:endParaRPr lang="ru-RU"/>
+            <a:pPr algn="just"/>
+            <a:r>
+              <a:rPr lang="ru-RU" dirty="0" smtClean="0"/>
+              <a:t>Система </a:t>
+            </a:r>
+            <a:r>
+              <a:rPr lang="ru-RU" dirty="0"/>
+              <a:t>состоит из блока управления (проектируется в рамках работы), газового котла с коммутационным модулем </a:t>
+            </a:r>
+            <a:r>
+              <a:rPr lang="ru-RU" dirty="0" err="1"/>
+              <a:t>Vaillant</a:t>
+            </a:r>
+            <a:r>
+              <a:rPr lang="ru-RU" dirty="0"/>
+              <a:t> VR34. Система должна обеспечивать автоматический сбор данных со следующих источников:</a:t>
+            </a:r>
+          </a:p>
+          <a:p>
+            <a:pPr algn="just"/>
+            <a:r>
+              <a:rPr lang="ru-RU" dirty="0" smtClean="0"/>
+              <a:t>•1 </a:t>
+            </a:r>
+            <a:r>
+              <a:rPr lang="ru-RU" dirty="0"/>
+              <a:t>счетчик воды;</a:t>
+            </a:r>
+          </a:p>
+          <a:p>
+            <a:pPr algn="just"/>
+            <a:r>
+              <a:rPr lang="ru-RU" dirty="0" smtClean="0"/>
+              <a:t>•1 </a:t>
+            </a:r>
+            <a:r>
+              <a:rPr lang="ru-RU" dirty="0"/>
+              <a:t>счетчик электроэнергии;</a:t>
+            </a:r>
+          </a:p>
+          <a:p>
+            <a:pPr algn="just"/>
+            <a:r>
+              <a:rPr lang="ru-RU" dirty="0" smtClean="0"/>
+              <a:t>•1 </a:t>
+            </a:r>
+            <a:r>
+              <a:rPr lang="ru-RU" dirty="0"/>
+              <a:t>счетчик газа</a:t>
+            </a:r>
+          </a:p>
+          <a:p>
+            <a:pPr algn="just"/>
+            <a:r>
+              <a:rPr lang="ru-RU" dirty="0" smtClean="0"/>
+              <a:t>•Уличная </a:t>
+            </a:r>
+            <a:r>
+              <a:rPr lang="ru-RU" dirty="0"/>
+              <a:t>температура;</a:t>
+            </a:r>
+          </a:p>
+          <a:p>
+            <a:pPr algn="just"/>
+            <a:r>
+              <a:rPr lang="ru-RU" dirty="0" smtClean="0"/>
+              <a:t>•Температура </a:t>
+            </a:r>
+            <a:r>
+              <a:rPr lang="ru-RU" dirty="0"/>
+              <a:t>в помещениях (не менее 4-х точек);</a:t>
+            </a:r>
+          </a:p>
+          <a:p>
+            <a:pPr algn="just"/>
+            <a:r>
+              <a:rPr lang="ru-RU" dirty="0" smtClean="0"/>
+              <a:t>•Температура </a:t>
+            </a:r>
+            <a:r>
+              <a:rPr lang="ru-RU" dirty="0"/>
+              <a:t>контура отопления (подача, </a:t>
+            </a:r>
+            <a:r>
+              <a:rPr lang="ru-RU" dirty="0" err="1"/>
+              <a:t>обратка</a:t>
+            </a:r>
+            <a:r>
+              <a:rPr lang="ru-RU" dirty="0"/>
+              <a:t>);</a:t>
+            </a:r>
+          </a:p>
+          <a:p>
+            <a:pPr algn="just"/>
+            <a:r>
+              <a:rPr lang="ru-RU" dirty="0" smtClean="0"/>
+              <a:t>•Датчик </a:t>
+            </a:r>
+            <a:r>
+              <a:rPr lang="ru-RU" dirty="0"/>
+              <a:t>превышения допустимой концентрации газа;</a:t>
+            </a:r>
+          </a:p>
+          <a:p>
+            <a:pPr algn="just"/>
+            <a:r>
+              <a:rPr lang="ru-RU" dirty="0" smtClean="0"/>
+              <a:t>•Ошибка </a:t>
+            </a:r>
+            <a:r>
+              <a:rPr lang="ru-RU" dirty="0"/>
+              <a:t>газового котла от устройства VR34.</a:t>
+            </a:r>
+          </a:p>
+          <a:p>
+            <a:pPr algn="just"/>
+            <a:endParaRPr lang="ru-RU" dirty="0"/>
           </a:p>
         </p:txBody>
       </p:sp>
+      <p:pic>
+        <p:nvPicPr>
+          <p:cNvPr id="1030" name="Picture 6" descr="Системы умный дом. Основные компоненты и функции систем – Телеметрика"/>
+          <p:cNvPicPr>
+            <a:picLocks noChangeAspect="1" noChangeArrowheads="1"/>
+          </p:cNvPicPr>
+          <p:nvPr/>
+        </p:nvPicPr>
+        <p:blipFill>
+          <a:blip r:embed="rId2">
+            <a:extLst>
+              <a:ext uri="{28A0092B-C50C-407E-A947-70E740481C1C}">
+                <a14:useLocalDpi xmlns:a14="http://schemas.microsoft.com/office/drawing/2010/main" val="0"/>
+              </a:ext>
+            </a:extLst>
+          </a:blip>
+          <a:srcRect/>
+          <a:stretch>
+            <a:fillRect/>
+          </a:stretch>
+        </p:blipFill>
+        <p:spPr bwMode="auto">
+          <a:xfrm>
+            <a:off x="6229350" y="2571750"/>
+            <a:ext cx="5962650" cy="4286250"/>
+          </a:xfrm>
+          <a:prstGeom prst="rect">
+            <a:avLst/>
+          </a:prstGeom>
+          <a:noFill/>
+          <a:extLst>
+            <a:ext uri="{909E8E84-426E-40DD-AFC4-6F175D3DCCD1}">
+              <a14:hiddenFill xmlns:a14="http://schemas.microsoft.com/office/drawing/2010/main">
+                <a:solidFill>
+                  <a:srgbClr val="FFFFFF"/>
+                </a:solidFill>
+              </a14:hiddenFill>
+            </a:ext>
+          </a:extLst>
+        </p:spPr>
+      </p:pic>
     </p:spTree>
     <p:extLst>
       <p:ext uri="{BB962C8B-B14F-4D97-AF65-F5344CB8AC3E}">
@@ -3879,6 +4063,13 @@
   <p:clrMapOvr>
     <a:masterClrMapping/>
   </p:clrMapOvr>
+  <p:timing>
+    <p:tnLst>
+      <p:par>
+        <p:cTn id="1" dur="indefinite" restart="never" nodeType="tmRoot"/>
+      </p:par>
+    </p:tnLst>
+  </p:timing>
 </p:sld>
 </file>
 
@@ -3909,31 +4100,2069 @@
             <p:ph type="title"/>
           </p:nvPr>
         </p:nvSpPr>
-        <p:spPr/>
+        <p:spPr>
+          <a:xfrm>
+            <a:off x="6452706" y="76200"/>
+            <a:ext cx="5455325" cy="815975"/>
+          </a:xfrm>
+        </p:spPr>
         <p:txBody>
-          <a:bodyPr/>
+          <a:bodyPr>
+            <a:normAutofit/>
+          </a:bodyPr>
           <a:lstStyle/>
           <a:p>
-            <a:endParaRPr lang="ru-RU"/>
+            <a:r>
+              <a:rPr lang="ru-RU" b="1" dirty="0" smtClean="0"/>
+              <a:t>Выбор спецификации</a:t>
+            </a:r>
+            <a:endParaRPr lang="ru-RU" b="1" dirty="0"/>
+          </a:p>
+        </p:txBody>
+      </p:sp>
+      <p:pic>
+        <p:nvPicPr>
+          <p:cNvPr id="4" name="Рисунок 3" descr="Портативная зарядная станция EcoFlow DELTA Pro 3600 Втч купить с доставкой.  Эксклюзивный представитель EcoFlow в России."/>
+          <p:cNvPicPr/>
+          <p:nvPr/>
+        </p:nvPicPr>
+        <p:blipFill>
+          <a:blip r:embed="rId2" cstate="print">
+            <a:extLst>
+              <a:ext uri="{28A0092B-C50C-407E-A947-70E740481C1C}">
+                <a14:useLocalDpi xmlns:a14="http://schemas.microsoft.com/office/drawing/2010/main" val="0"/>
+              </a:ext>
+            </a:extLst>
+          </a:blip>
+          <a:srcRect/>
+          <a:stretch>
+            <a:fillRect/>
+          </a:stretch>
+        </p:blipFill>
+        <p:spPr bwMode="auto">
+          <a:xfrm>
+            <a:off x="9496136" y="1165990"/>
+            <a:ext cx="2482848" cy="2199032"/>
+          </a:xfrm>
+          <a:prstGeom prst="rect">
+            <a:avLst/>
+          </a:prstGeom>
+          <a:noFill/>
+          <a:ln>
+            <a:solidFill>
+              <a:schemeClr val="tx1"/>
+            </a:solidFill>
+          </a:ln>
+        </p:spPr>
+      </p:pic>
+      <p:pic>
+        <p:nvPicPr>
+          <p:cNvPr id="5" name="Рисунок 4" descr="YF-S201 Water Flow Meter Sensor WITH Good Quality 100%"/>
+          <p:cNvPicPr/>
+          <p:nvPr/>
+        </p:nvPicPr>
+        <p:blipFill>
+          <a:blip r:embed="rId3" cstate="print">
+            <a:extLst>
+              <a:ext uri="{28A0092B-C50C-407E-A947-70E740481C1C}">
+                <a14:useLocalDpi xmlns:a14="http://schemas.microsoft.com/office/drawing/2010/main" val="0"/>
+              </a:ext>
+            </a:extLst>
+          </a:blip>
+          <a:srcRect/>
+          <a:stretch>
+            <a:fillRect/>
+          </a:stretch>
+        </p:blipFill>
+        <p:spPr bwMode="auto">
+          <a:xfrm>
+            <a:off x="6697521" y="4268107"/>
+            <a:ext cx="2482848" cy="2199032"/>
+          </a:xfrm>
+          <a:prstGeom prst="rect">
+            <a:avLst/>
+          </a:prstGeom>
+          <a:noFill/>
+          <a:ln>
+            <a:solidFill>
+              <a:schemeClr val="tx1"/>
+            </a:solidFill>
+          </a:ln>
+        </p:spPr>
+      </p:pic>
+      <p:graphicFrame>
+        <p:nvGraphicFramePr>
+          <p:cNvPr id="7" name="Таблица 6"/>
+          <p:cNvGraphicFramePr>
+            <a:graphicFrameLocks noGrp="1"/>
+          </p:cNvGraphicFramePr>
+          <p:nvPr>
+            <p:extLst>
+              <p:ext uri="{D42A27DB-BD31-4B8C-83A1-F6EECF244321}">
+                <p14:modId xmlns:p14="http://schemas.microsoft.com/office/powerpoint/2010/main" val="3716704763"/>
+              </p:ext>
+            </p:extLst>
+          </p:nvPr>
+        </p:nvGraphicFramePr>
+        <p:xfrm>
+          <a:off x="0" y="0"/>
+          <a:ext cx="6381754" cy="6899158"/>
+        </p:xfrm>
+        <a:graphic>
+          <a:graphicData uri="http://schemas.openxmlformats.org/drawingml/2006/table">
+            <a:tbl>
+              <a:tblPr firstRow="1" firstCol="1" bandRow="1">
+                <a:tableStyleId>{5C22544A-7EE6-4342-B048-85BDC9FD1C3A}</a:tableStyleId>
+              </a:tblPr>
+              <a:tblGrid>
+                <a:gridCol w="1776413">
+                  <a:extLst>
+                    <a:ext uri="{9D8B030D-6E8A-4147-A177-3AD203B41FA5}">
+                      <a16:colId xmlns:a16="http://schemas.microsoft.com/office/drawing/2014/main" val="2253801984"/>
+                    </a:ext>
+                  </a:extLst>
+                </a:gridCol>
+                <a:gridCol w="1414122">
+                  <a:extLst>
+                    <a:ext uri="{9D8B030D-6E8A-4147-A177-3AD203B41FA5}">
+                      <a16:colId xmlns:a16="http://schemas.microsoft.com/office/drawing/2014/main" val="2220582276"/>
+                    </a:ext>
+                  </a:extLst>
+                </a:gridCol>
+                <a:gridCol w="1243353">
+                  <a:extLst>
+                    <a:ext uri="{9D8B030D-6E8A-4147-A177-3AD203B41FA5}">
+                      <a16:colId xmlns:a16="http://schemas.microsoft.com/office/drawing/2014/main" val="2990835560"/>
+                    </a:ext>
+                  </a:extLst>
+                </a:gridCol>
+                <a:gridCol w="1947866">
+                  <a:extLst>
+                    <a:ext uri="{9D8B030D-6E8A-4147-A177-3AD203B41FA5}">
+                      <a16:colId xmlns:a16="http://schemas.microsoft.com/office/drawing/2014/main" val="3087706160"/>
+                    </a:ext>
+                  </a:extLst>
+                </a:gridCol>
+              </a:tblGrid>
+              <a:tr h="500307">
+                <a:tc>
+                  <a:txBody>
+                    <a:bodyPr/>
+                    <a:lstStyle/>
+                    <a:p>
+                      <a:pPr marR="90170" indent="450215" algn="l">
+                        <a:lnSpc>
+                          <a:spcPct val="150000"/>
+                        </a:lnSpc>
+                        <a:spcAft>
+                          <a:spcPts val="0"/>
+                        </a:spcAft>
+                      </a:pPr>
+                      <a:r>
+                        <a:rPr lang="ru-RU" sz="1200" dirty="0">
+                          <a:effectLst/>
+                          <a:latin typeface="Times New Roman" panose="02020603050405020304" pitchFamily="18" charset="0"/>
+                          <a:cs typeface="Times New Roman" panose="02020603050405020304" pitchFamily="18" charset="0"/>
+                        </a:rPr>
+                        <a:t>Компонент</a:t>
+                      </a:r>
+                      <a:endParaRPr lang="ru-RU" sz="1200" dirty="0">
+                        <a:effectLst/>
+                        <a:latin typeface="Times New Roman" panose="02020603050405020304" pitchFamily="18" charset="0"/>
+                        <a:ea typeface="Times New Roman" panose="02020603050405020304" pitchFamily="18" charset="0"/>
+                        <a:cs typeface="Times New Roman" panose="02020603050405020304" pitchFamily="18" charset="0"/>
+                      </a:endParaRPr>
+                    </a:p>
+                  </a:txBody>
+                  <a:tcPr marL="27424" marR="27424" marT="0" marB="0"/>
+                </a:tc>
+                <a:tc>
+                  <a:txBody>
+                    <a:bodyPr/>
+                    <a:lstStyle/>
+                    <a:p>
+                      <a:pPr marR="90170" indent="450215" algn="l">
+                        <a:lnSpc>
+                          <a:spcPct val="150000"/>
+                        </a:lnSpc>
+                        <a:spcAft>
+                          <a:spcPts val="0"/>
+                        </a:spcAft>
+                      </a:pPr>
+                      <a:r>
+                        <a:rPr lang="ru-RU" sz="1200" dirty="0">
+                          <a:effectLst/>
+                          <a:latin typeface="Times New Roman" panose="02020603050405020304" pitchFamily="18" charset="0"/>
+                          <a:cs typeface="Times New Roman" panose="02020603050405020304" pitchFamily="18" charset="0"/>
+                        </a:rPr>
+                        <a:t>Цена (в руб.)</a:t>
+                      </a:r>
+                      <a:endParaRPr lang="ru-RU" sz="1200" dirty="0">
+                        <a:effectLst/>
+                        <a:latin typeface="Times New Roman" panose="02020603050405020304" pitchFamily="18" charset="0"/>
+                        <a:ea typeface="Times New Roman" panose="02020603050405020304" pitchFamily="18" charset="0"/>
+                        <a:cs typeface="Times New Roman" panose="02020603050405020304" pitchFamily="18" charset="0"/>
+                      </a:endParaRPr>
+                    </a:p>
+                  </a:txBody>
+                  <a:tcPr marL="27424" marR="27424" marT="0" marB="0"/>
+                </a:tc>
+                <a:tc>
+                  <a:txBody>
+                    <a:bodyPr/>
+                    <a:lstStyle/>
+                    <a:p>
+                      <a:pPr marR="90170" indent="450215" algn="l">
+                        <a:lnSpc>
+                          <a:spcPct val="150000"/>
+                        </a:lnSpc>
+                        <a:spcAft>
+                          <a:spcPts val="0"/>
+                        </a:spcAft>
+                      </a:pPr>
+                      <a:r>
+                        <a:rPr lang="ru-RU" sz="1200" dirty="0" smtClean="0">
+                          <a:effectLst/>
+                          <a:latin typeface="Times New Roman" panose="02020603050405020304" pitchFamily="18" charset="0"/>
+                          <a:cs typeface="Times New Roman" panose="02020603050405020304" pitchFamily="18" charset="0"/>
+                        </a:rPr>
+                        <a:t>Кол-во</a:t>
+                      </a:r>
+                      <a:endParaRPr lang="ru-RU" sz="1200" dirty="0">
+                        <a:effectLst/>
+                        <a:latin typeface="Times New Roman" panose="02020603050405020304" pitchFamily="18" charset="0"/>
+                        <a:ea typeface="Times New Roman" panose="02020603050405020304" pitchFamily="18" charset="0"/>
+                        <a:cs typeface="Times New Roman" panose="02020603050405020304" pitchFamily="18" charset="0"/>
+                      </a:endParaRPr>
+                    </a:p>
+                  </a:txBody>
+                  <a:tcPr marL="27424" marR="27424" marT="0" marB="0"/>
+                </a:tc>
+                <a:tc>
+                  <a:txBody>
+                    <a:bodyPr/>
+                    <a:lstStyle/>
+                    <a:p>
+                      <a:pPr marR="90170" indent="450215" algn="l">
+                        <a:lnSpc>
+                          <a:spcPct val="150000"/>
+                        </a:lnSpc>
+                        <a:spcAft>
+                          <a:spcPts val="0"/>
+                        </a:spcAft>
+                      </a:pPr>
+                      <a:r>
+                        <a:rPr lang="ru-RU" sz="1200" dirty="0">
+                          <a:effectLst/>
+                          <a:latin typeface="Times New Roman" panose="02020603050405020304" pitchFamily="18" charset="0"/>
+                          <a:cs typeface="Times New Roman" panose="02020603050405020304" pitchFamily="18" charset="0"/>
+                        </a:rPr>
+                        <a:t>Сумма (в руб.)</a:t>
+                      </a:r>
+                      <a:endParaRPr lang="ru-RU" sz="1200" dirty="0">
+                        <a:effectLst/>
+                        <a:latin typeface="Times New Roman" panose="02020603050405020304" pitchFamily="18" charset="0"/>
+                        <a:ea typeface="Times New Roman" panose="02020603050405020304" pitchFamily="18" charset="0"/>
+                        <a:cs typeface="Times New Roman" panose="02020603050405020304" pitchFamily="18" charset="0"/>
+                      </a:endParaRPr>
+                    </a:p>
+                  </a:txBody>
+                  <a:tcPr marL="27424" marR="27424" marT="0" marB="0"/>
+                </a:tc>
+                <a:extLst>
+                  <a:ext uri="{0D108BD9-81ED-4DB2-BD59-A6C34878D82A}">
+                    <a16:rowId xmlns:a16="http://schemas.microsoft.com/office/drawing/2014/main" val="3415672101"/>
+                  </a:ext>
+                </a:extLst>
+              </a:tr>
+              <a:tr h="416972">
+                <a:tc>
+                  <a:txBody>
+                    <a:bodyPr/>
+                    <a:lstStyle/>
+                    <a:p>
+                      <a:pPr marR="90170" indent="450215" algn="l">
+                        <a:lnSpc>
+                          <a:spcPct val="150000"/>
+                        </a:lnSpc>
+                        <a:spcAft>
+                          <a:spcPts val="0"/>
+                        </a:spcAft>
+                      </a:pPr>
+                      <a:r>
+                        <a:rPr lang="ru-RU" sz="1000" dirty="0" err="1">
+                          <a:effectLst/>
+                          <a:latin typeface="Times New Roman" panose="02020603050405020304" pitchFamily="18" charset="0"/>
+                          <a:cs typeface="Times New Roman" panose="02020603050405020304" pitchFamily="18" charset="0"/>
+                        </a:rPr>
+                        <a:t>Arduino</a:t>
+                      </a:r>
+                      <a:r>
+                        <a:rPr lang="ru-RU" sz="1000" dirty="0">
+                          <a:effectLst/>
+                          <a:latin typeface="Times New Roman" panose="02020603050405020304" pitchFamily="18" charset="0"/>
+                          <a:cs typeface="Times New Roman" panose="02020603050405020304" pitchFamily="18" charset="0"/>
+                        </a:rPr>
+                        <a:t> </a:t>
+                      </a:r>
+                      <a:r>
+                        <a:rPr lang="ru-RU" sz="1000" dirty="0" err="1">
+                          <a:effectLst/>
+                          <a:latin typeface="Times New Roman" panose="02020603050405020304" pitchFamily="18" charset="0"/>
+                          <a:cs typeface="Times New Roman" panose="02020603050405020304" pitchFamily="18" charset="0"/>
+                        </a:rPr>
+                        <a:t>Uno</a:t>
+                      </a:r>
+                      <a:endParaRPr lang="ru-RU" sz="1000" dirty="0">
+                        <a:effectLst/>
+                        <a:latin typeface="Times New Roman" panose="02020603050405020304" pitchFamily="18" charset="0"/>
+                        <a:ea typeface="Times New Roman" panose="02020603050405020304" pitchFamily="18" charset="0"/>
+                        <a:cs typeface="Times New Roman" panose="02020603050405020304" pitchFamily="18" charset="0"/>
+                      </a:endParaRPr>
+                    </a:p>
+                  </a:txBody>
+                  <a:tcPr marL="27424" marR="27424" marT="0" marB="0"/>
+                </a:tc>
+                <a:tc>
+                  <a:txBody>
+                    <a:bodyPr/>
+                    <a:lstStyle/>
+                    <a:p>
+                      <a:pPr marR="90170" indent="450215" algn="l">
+                        <a:lnSpc>
+                          <a:spcPct val="150000"/>
+                        </a:lnSpc>
+                        <a:spcAft>
+                          <a:spcPts val="0"/>
+                        </a:spcAft>
+                      </a:pPr>
+                      <a:r>
+                        <a:rPr lang="ru-RU" sz="1800" dirty="0">
+                          <a:effectLst/>
+                          <a:latin typeface="Times New Roman" panose="02020603050405020304" pitchFamily="18" charset="0"/>
+                          <a:cs typeface="Times New Roman" panose="02020603050405020304" pitchFamily="18" charset="0"/>
+                        </a:rPr>
+                        <a:t>1200</a:t>
+                      </a:r>
+                      <a:endParaRPr lang="ru-RU" sz="1800" dirty="0">
+                        <a:effectLst/>
+                        <a:latin typeface="Times New Roman" panose="02020603050405020304" pitchFamily="18" charset="0"/>
+                        <a:ea typeface="Times New Roman" panose="02020603050405020304" pitchFamily="18" charset="0"/>
+                        <a:cs typeface="Times New Roman" panose="02020603050405020304" pitchFamily="18" charset="0"/>
+                      </a:endParaRPr>
+                    </a:p>
+                  </a:txBody>
+                  <a:tcPr marL="27424" marR="27424" marT="0" marB="0"/>
+                </a:tc>
+                <a:tc>
+                  <a:txBody>
+                    <a:bodyPr/>
+                    <a:lstStyle/>
+                    <a:p>
+                      <a:pPr marR="90170" indent="450215" algn="l">
+                        <a:lnSpc>
+                          <a:spcPct val="150000"/>
+                        </a:lnSpc>
+                        <a:spcAft>
+                          <a:spcPts val="0"/>
+                        </a:spcAft>
+                      </a:pPr>
+                      <a:r>
+                        <a:rPr lang="ru-RU" sz="1800">
+                          <a:effectLst/>
+                          <a:latin typeface="Times New Roman" panose="02020603050405020304" pitchFamily="18" charset="0"/>
+                          <a:cs typeface="Times New Roman" panose="02020603050405020304" pitchFamily="18" charset="0"/>
+                        </a:rPr>
+                        <a:t>1</a:t>
+                      </a:r>
+                      <a:endParaRPr lang="ru-RU" sz="1800">
+                        <a:effectLst/>
+                        <a:latin typeface="Times New Roman" panose="02020603050405020304" pitchFamily="18" charset="0"/>
+                        <a:ea typeface="Times New Roman" panose="02020603050405020304" pitchFamily="18" charset="0"/>
+                        <a:cs typeface="Times New Roman" panose="02020603050405020304" pitchFamily="18" charset="0"/>
+                      </a:endParaRPr>
+                    </a:p>
+                  </a:txBody>
+                  <a:tcPr marL="27424" marR="27424" marT="0" marB="0"/>
+                </a:tc>
+                <a:tc>
+                  <a:txBody>
+                    <a:bodyPr/>
+                    <a:lstStyle/>
+                    <a:p>
+                      <a:pPr marR="90170" indent="450215" algn="l">
+                        <a:lnSpc>
+                          <a:spcPct val="150000"/>
+                        </a:lnSpc>
+                        <a:spcAft>
+                          <a:spcPts val="0"/>
+                        </a:spcAft>
+                      </a:pPr>
+                      <a:r>
+                        <a:rPr lang="ru-RU" sz="1800">
+                          <a:effectLst/>
+                          <a:latin typeface="Times New Roman" panose="02020603050405020304" pitchFamily="18" charset="0"/>
+                          <a:cs typeface="Times New Roman" panose="02020603050405020304" pitchFamily="18" charset="0"/>
+                        </a:rPr>
+                        <a:t>1200</a:t>
+                      </a:r>
+                      <a:endParaRPr lang="ru-RU" sz="1800">
+                        <a:effectLst/>
+                        <a:latin typeface="Times New Roman" panose="02020603050405020304" pitchFamily="18" charset="0"/>
+                        <a:ea typeface="Times New Roman" panose="02020603050405020304" pitchFamily="18" charset="0"/>
+                        <a:cs typeface="Times New Roman" panose="02020603050405020304" pitchFamily="18" charset="0"/>
+                      </a:endParaRPr>
+                    </a:p>
+                  </a:txBody>
+                  <a:tcPr marL="27424" marR="27424" marT="0" marB="0"/>
+                </a:tc>
+                <a:extLst>
+                  <a:ext uri="{0D108BD9-81ED-4DB2-BD59-A6C34878D82A}">
+                    <a16:rowId xmlns:a16="http://schemas.microsoft.com/office/drawing/2014/main" val="1580702651"/>
+                  </a:ext>
+                </a:extLst>
+              </a:tr>
+              <a:tr h="416972">
+                <a:tc>
+                  <a:txBody>
+                    <a:bodyPr/>
+                    <a:lstStyle/>
+                    <a:p>
+                      <a:pPr marR="90170" indent="450215" algn="l">
+                        <a:lnSpc>
+                          <a:spcPct val="150000"/>
+                        </a:lnSpc>
+                        <a:spcAft>
+                          <a:spcPts val="0"/>
+                        </a:spcAft>
+                      </a:pPr>
+                      <a:r>
+                        <a:rPr lang="ru-RU" sz="1000" dirty="0" err="1">
+                          <a:effectLst/>
+                          <a:latin typeface="Times New Roman" panose="02020603050405020304" pitchFamily="18" charset="0"/>
+                          <a:cs typeface="Times New Roman" panose="02020603050405020304" pitchFamily="18" charset="0"/>
+                        </a:rPr>
+                        <a:t>Raspberry</a:t>
+                      </a:r>
+                      <a:r>
+                        <a:rPr lang="ru-RU" sz="1000" dirty="0">
+                          <a:effectLst/>
+                          <a:latin typeface="Times New Roman" panose="02020603050405020304" pitchFamily="18" charset="0"/>
+                          <a:cs typeface="Times New Roman" panose="02020603050405020304" pitchFamily="18" charset="0"/>
+                        </a:rPr>
+                        <a:t> </a:t>
+                      </a:r>
+                      <a:r>
+                        <a:rPr lang="ru-RU" sz="1000" dirty="0" err="1">
+                          <a:effectLst/>
+                          <a:latin typeface="Times New Roman" panose="02020603050405020304" pitchFamily="18" charset="0"/>
+                          <a:cs typeface="Times New Roman" panose="02020603050405020304" pitchFamily="18" charset="0"/>
+                        </a:rPr>
+                        <a:t>Pi</a:t>
+                      </a:r>
+                      <a:r>
+                        <a:rPr lang="ru-RU" sz="1000" dirty="0">
+                          <a:effectLst/>
+                          <a:latin typeface="Times New Roman" panose="02020603050405020304" pitchFamily="18" charset="0"/>
+                          <a:cs typeface="Times New Roman" panose="02020603050405020304" pitchFamily="18" charset="0"/>
+                        </a:rPr>
+                        <a:t> 4</a:t>
+                      </a:r>
+                      <a:endParaRPr lang="ru-RU" sz="1000" dirty="0">
+                        <a:effectLst/>
+                        <a:latin typeface="Times New Roman" panose="02020603050405020304" pitchFamily="18" charset="0"/>
+                        <a:ea typeface="Times New Roman" panose="02020603050405020304" pitchFamily="18" charset="0"/>
+                        <a:cs typeface="Times New Roman" panose="02020603050405020304" pitchFamily="18" charset="0"/>
+                      </a:endParaRPr>
+                    </a:p>
+                  </a:txBody>
+                  <a:tcPr marL="27424" marR="27424" marT="0" marB="0"/>
+                </a:tc>
+                <a:tc>
+                  <a:txBody>
+                    <a:bodyPr/>
+                    <a:lstStyle/>
+                    <a:p>
+                      <a:pPr marR="90170" indent="450215" algn="l">
+                        <a:lnSpc>
+                          <a:spcPct val="150000"/>
+                        </a:lnSpc>
+                        <a:spcAft>
+                          <a:spcPts val="0"/>
+                        </a:spcAft>
+                      </a:pPr>
+                      <a:r>
+                        <a:rPr lang="ru-RU" sz="1800" dirty="0">
+                          <a:effectLst/>
+                          <a:latin typeface="Times New Roman" panose="02020603050405020304" pitchFamily="18" charset="0"/>
+                          <a:cs typeface="Times New Roman" panose="02020603050405020304" pitchFamily="18" charset="0"/>
+                        </a:rPr>
+                        <a:t>4500</a:t>
+                      </a:r>
+                      <a:endParaRPr lang="ru-RU" sz="1800" dirty="0">
+                        <a:effectLst/>
+                        <a:latin typeface="Times New Roman" panose="02020603050405020304" pitchFamily="18" charset="0"/>
+                        <a:ea typeface="Times New Roman" panose="02020603050405020304" pitchFamily="18" charset="0"/>
+                        <a:cs typeface="Times New Roman" panose="02020603050405020304" pitchFamily="18" charset="0"/>
+                      </a:endParaRPr>
+                    </a:p>
+                  </a:txBody>
+                  <a:tcPr marL="27424" marR="27424" marT="0" marB="0"/>
+                </a:tc>
+                <a:tc>
+                  <a:txBody>
+                    <a:bodyPr/>
+                    <a:lstStyle/>
+                    <a:p>
+                      <a:pPr marR="90170" indent="450215" algn="l">
+                        <a:lnSpc>
+                          <a:spcPct val="150000"/>
+                        </a:lnSpc>
+                        <a:spcAft>
+                          <a:spcPts val="0"/>
+                        </a:spcAft>
+                      </a:pPr>
+                      <a:r>
+                        <a:rPr lang="ru-RU" sz="1800">
+                          <a:effectLst/>
+                          <a:latin typeface="Times New Roman" panose="02020603050405020304" pitchFamily="18" charset="0"/>
+                          <a:cs typeface="Times New Roman" panose="02020603050405020304" pitchFamily="18" charset="0"/>
+                        </a:rPr>
+                        <a:t>1</a:t>
+                      </a:r>
+                      <a:endParaRPr lang="ru-RU" sz="1800">
+                        <a:effectLst/>
+                        <a:latin typeface="Times New Roman" panose="02020603050405020304" pitchFamily="18" charset="0"/>
+                        <a:ea typeface="Times New Roman" panose="02020603050405020304" pitchFamily="18" charset="0"/>
+                        <a:cs typeface="Times New Roman" panose="02020603050405020304" pitchFamily="18" charset="0"/>
+                      </a:endParaRPr>
+                    </a:p>
+                  </a:txBody>
+                  <a:tcPr marL="27424" marR="27424" marT="0" marB="0"/>
+                </a:tc>
+                <a:tc>
+                  <a:txBody>
+                    <a:bodyPr/>
+                    <a:lstStyle/>
+                    <a:p>
+                      <a:pPr marR="90170" indent="450215" algn="l">
+                        <a:lnSpc>
+                          <a:spcPct val="150000"/>
+                        </a:lnSpc>
+                        <a:spcAft>
+                          <a:spcPts val="0"/>
+                        </a:spcAft>
+                      </a:pPr>
+                      <a:r>
+                        <a:rPr lang="ru-RU" sz="1800">
+                          <a:effectLst/>
+                          <a:latin typeface="Times New Roman" panose="02020603050405020304" pitchFamily="18" charset="0"/>
+                          <a:cs typeface="Times New Roman" panose="02020603050405020304" pitchFamily="18" charset="0"/>
+                        </a:rPr>
+                        <a:t>4500</a:t>
+                      </a:r>
+                      <a:endParaRPr lang="ru-RU" sz="1800">
+                        <a:effectLst/>
+                        <a:latin typeface="Times New Roman" panose="02020603050405020304" pitchFamily="18" charset="0"/>
+                        <a:ea typeface="Times New Roman" panose="02020603050405020304" pitchFamily="18" charset="0"/>
+                        <a:cs typeface="Times New Roman" panose="02020603050405020304" pitchFamily="18" charset="0"/>
+                      </a:endParaRPr>
+                    </a:p>
+                  </a:txBody>
+                  <a:tcPr marL="27424" marR="27424" marT="0" marB="0"/>
+                </a:tc>
+                <a:extLst>
+                  <a:ext uri="{0D108BD9-81ED-4DB2-BD59-A6C34878D82A}">
+                    <a16:rowId xmlns:a16="http://schemas.microsoft.com/office/drawing/2014/main" val="84513800"/>
+                  </a:ext>
+                </a:extLst>
+              </a:tr>
+              <a:tr h="905319">
+                <a:tc>
+                  <a:txBody>
+                    <a:bodyPr/>
+                    <a:lstStyle/>
+                    <a:p>
+                      <a:pPr marR="90170" indent="450215" algn="l">
+                        <a:lnSpc>
+                          <a:spcPct val="150000"/>
+                        </a:lnSpc>
+                        <a:spcAft>
+                          <a:spcPts val="0"/>
+                        </a:spcAft>
+                      </a:pPr>
+                      <a:r>
+                        <a:rPr lang="ru-RU" sz="1000" dirty="0">
+                          <a:effectLst/>
+                          <a:latin typeface="Times New Roman" panose="02020603050405020304" pitchFamily="18" charset="0"/>
+                          <a:cs typeface="Times New Roman" panose="02020603050405020304" pitchFamily="18" charset="0"/>
+                        </a:rPr>
+                        <a:t>DS18B20 (датчики температуры, улицы, контура отопления)</a:t>
+                      </a:r>
+                      <a:endParaRPr lang="ru-RU" sz="1000" dirty="0">
+                        <a:effectLst/>
+                        <a:latin typeface="Times New Roman" panose="02020603050405020304" pitchFamily="18" charset="0"/>
+                        <a:ea typeface="Times New Roman" panose="02020603050405020304" pitchFamily="18" charset="0"/>
+                        <a:cs typeface="Times New Roman" panose="02020603050405020304" pitchFamily="18" charset="0"/>
+                      </a:endParaRPr>
+                    </a:p>
+                  </a:txBody>
+                  <a:tcPr marL="27424" marR="27424" marT="0" marB="0"/>
+                </a:tc>
+                <a:tc>
+                  <a:txBody>
+                    <a:bodyPr/>
+                    <a:lstStyle/>
+                    <a:p>
+                      <a:pPr marR="90170" indent="450215" algn="l">
+                        <a:lnSpc>
+                          <a:spcPct val="150000"/>
+                        </a:lnSpc>
+                        <a:spcAft>
+                          <a:spcPts val="0"/>
+                        </a:spcAft>
+                      </a:pPr>
+                      <a:r>
+                        <a:rPr lang="ru-RU" sz="1800" dirty="0">
+                          <a:effectLst/>
+                          <a:latin typeface="Times New Roman" panose="02020603050405020304" pitchFamily="18" charset="0"/>
+                          <a:cs typeface="Times New Roman" panose="02020603050405020304" pitchFamily="18" charset="0"/>
+                        </a:rPr>
+                        <a:t>250</a:t>
+                      </a:r>
+                      <a:endParaRPr lang="ru-RU" sz="1800" dirty="0">
+                        <a:effectLst/>
+                        <a:latin typeface="Times New Roman" panose="02020603050405020304" pitchFamily="18" charset="0"/>
+                        <a:ea typeface="Times New Roman" panose="02020603050405020304" pitchFamily="18" charset="0"/>
+                        <a:cs typeface="Times New Roman" panose="02020603050405020304" pitchFamily="18" charset="0"/>
+                      </a:endParaRPr>
+                    </a:p>
+                  </a:txBody>
+                  <a:tcPr marL="27424" marR="27424" marT="0" marB="0"/>
+                </a:tc>
+                <a:tc>
+                  <a:txBody>
+                    <a:bodyPr/>
+                    <a:lstStyle/>
+                    <a:p>
+                      <a:pPr marR="90170" indent="450215" algn="l">
+                        <a:lnSpc>
+                          <a:spcPct val="150000"/>
+                        </a:lnSpc>
+                        <a:spcAft>
+                          <a:spcPts val="0"/>
+                        </a:spcAft>
+                      </a:pPr>
+                      <a:r>
+                        <a:rPr lang="ru-RU" sz="1800" dirty="0">
+                          <a:effectLst/>
+                          <a:latin typeface="Times New Roman" panose="02020603050405020304" pitchFamily="18" charset="0"/>
+                          <a:cs typeface="Times New Roman" panose="02020603050405020304" pitchFamily="18" charset="0"/>
+                        </a:rPr>
+                        <a:t>3</a:t>
+                      </a:r>
+                      <a:endParaRPr lang="ru-RU" sz="1800" dirty="0">
+                        <a:effectLst/>
+                        <a:latin typeface="Times New Roman" panose="02020603050405020304" pitchFamily="18" charset="0"/>
+                        <a:ea typeface="Times New Roman" panose="02020603050405020304" pitchFamily="18" charset="0"/>
+                        <a:cs typeface="Times New Roman" panose="02020603050405020304" pitchFamily="18" charset="0"/>
+                      </a:endParaRPr>
+                    </a:p>
+                  </a:txBody>
+                  <a:tcPr marL="27424" marR="27424" marT="0" marB="0"/>
+                </a:tc>
+                <a:tc>
+                  <a:txBody>
+                    <a:bodyPr/>
+                    <a:lstStyle/>
+                    <a:p>
+                      <a:pPr marR="90170" indent="450215" algn="l">
+                        <a:lnSpc>
+                          <a:spcPct val="150000"/>
+                        </a:lnSpc>
+                        <a:spcAft>
+                          <a:spcPts val="0"/>
+                        </a:spcAft>
+                      </a:pPr>
+                      <a:r>
+                        <a:rPr lang="ru-RU" sz="1800" dirty="0">
+                          <a:effectLst/>
+                          <a:latin typeface="Times New Roman" panose="02020603050405020304" pitchFamily="18" charset="0"/>
+                          <a:cs typeface="Times New Roman" panose="02020603050405020304" pitchFamily="18" charset="0"/>
+                        </a:rPr>
+                        <a:t>750</a:t>
+                      </a:r>
+                      <a:endParaRPr lang="ru-RU" sz="1800" dirty="0">
+                        <a:effectLst/>
+                        <a:latin typeface="Times New Roman" panose="02020603050405020304" pitchFamily="18" charset="0"/>
+                        <a:ea typeface="Times New Roman" panose="02020603050405020304" pitchFamily="18" charset="0"/>
+                        <a:cs typeface="Times New Roman" panose="02020603050405020304" pitchFamily="18" charset="0"/>
+                      </a:endParaRPr>
+                    </a:p>
+                  </a:txBody>
+                  <a:tcPr marL="27424" marR="27424" marT="0" marB="0"/>
+                </a:tc>
+                <a:extLst>
+                  <a:ext uri="{0D108BD9-81ED-4DB2-BD59-A6C34878D82A}">
+                    <a16:rowId xmlns:a16="http://schemas.microsoft.com/office/drawing/2014/main" val="1691506955"/>
+                  </a:ext>
+                </a:extLst>
+              </a:tr>
+              <a:tr h="511306">
+                <a:tc>
+                  <a:txBody>
+                    <a:bodyPr/>
+                    <a:lstStyle/>
+                    <a:p>
+                      <a:pPr marR="90170" indent="450215" algn="l">
+                        <a:lnSpc>
+                          <a:spcPct val="150000"/>
+                        </a:lnSpc>
+                        <a:spcAft>
+                          <a:spcPts val="0"/>
+                        </a:spcAft>
+                      </a:pPr>
+                      <a:r>
+                        <a:rPr lang="ru-RU" sz="1000" dirty="0">
+                          <a:effectLst/>
+                          <a:latin typeface="Times New Roman" panose="02020603050405020304" pitchFamily="18" charset="0"/>
+                          <a:cs typeface="Times New Roman" panose="02020603050405020304" pitchFamily="18" charset="0"/>
+                        </a:rPr>
+                        <a:t>YF-S201 (счётчик воды)</a:t>
+                      </a:r>
+                      <a:endParaRPr lang="ru-RU" sz="1000" dirty="0">
+                        <a:effectLst/>
+                        <a:latin typeface="Times New Roman" panose="02020603050405020304" pitchFamily="18" charset="0"/>
+                        <a:ea typeface="Times New Roman" panose="02020603050405020304" pitchFamily="18" charset="0"/>
+                        <a:cs typeface="Times New Roman" panose="02020603050405020304" pitchFamily="18" charset="0"/>
+                      </a:endParaRPr>
+                    </a:p>
+                  </a:txBody>
+                  <a:tcPr marL="27424" marR="27424" marT="0" marB="0"/>
+                </a:tc>
+                <a:tc>
+                  <a:txBody>
+                    <a:bodyPr/>
+                    <a:lstStyle/>
+                    <a:p>
+                      <a:pPr marR="90170" indent="450215" algn="l">
+                        <a:lnSpc>
+                          <a:spcPct val="150000"/>
+                        </a:lnSpc>
+                        <a:spcAft>
+                          <a:spcPts val="0"/>
+                        </a:spcAft>
+                      </a:pPr>
+                      <a:r>
+                        <a:rPr lang="ru-RU" sz="1800" dirty="0">
+                          <a:effectLst/>
+                          <a:latin typeface="Times New Roman" panose="02020603050405020304" pitchFamily="18" charset="0"/>
+                          <a:cs typeface="Times New Roman" panose="02020603050405020304" pitchFamily="18" charset="0"/>
+                        </a:rPr>
+                        <a:t>600</a:t>
+                      </a:r>
+                      <a:endParaRPr lang="ru-RU" sz="1800" dirty="0">
+                        <a:effectLst/>
+                        <a:latin typeface="Times New Roman" panose="02020603050405020304" pitchFamily="18" charset="0"/>
+                        <a:ea typeface="Times New Roman" panose="02020603050405020304" pitchFamily="18" charset="0"/>
+                        <a:cs typeface="Times New Roman" panose="02020603050405020304" pitchFamily="18" charset="0"/>
+                      </a:endParaRPr>
+                    </a:p>
+                  </a:txBody>
+                  <a:tcPr marL="27424" marR="27424" marT="0" marB="0"/>
+                </a:tc>
+                <a:tc>
+                  <a:txBody>
+                    <a:bodyPr/>
+                    <a:lstStyle/>
+                    <a:p>
+                      <a:pPr marR="90170" indent="450215" algn="l">
+                        <a:lnSpc>
+                          <a:spcPct val="150000"/>
+                        </a:lnSpc>
+                        <a:spcAft>
+                          <a:spcPts val="0"/>
+                        </a:spcAft>
+                      </a:pPr>
+                      <a:r>
+                        <a:rPr lang="ru-RU" sz="1800" dirty="0">
+                          <a:effectLst/>
+                          <a:latin typeface="Times New Roman" panose="02020603050405020304" pitchFamily="18" charset="0"/>
+                          <a:cs typeface="Times New Roman" panose="02020603050405020304" pitchFamily="18" charset="0"/>
+                        </a:rPr>
+                        <a:t>1</a:t>
+                      </a:r>
+                      <a:endParaRPr lang="ru-RU" sz="1800" dirty="0">
+                        <a:effectLst/>
+                        <a:latin typeface="Times New Roman" panose="02020603050405020304" pitchFamily="18" charset="0"/>
+                        <a:ea typeface="Times New Roman" panose="02020603050405020304" pitchFamily="18" charset="0"/>
+                        <a:cs typeface="Times New Roman" panose="02020603050405020304" pitchFamily="18" charset="0"/>
+                      </a:endParaRPr>
+                    </a:p>
+                  </a:txBody>
+                  <a:tcPr marL="27424" marR="27424" marT="0" marB="0"/>
+                </a:tc>
+                <a:tc>
+                  <a:txBody>
+                    <a:bodyPr/>
+                    <a:lstStyle/>
+                    <a:p>
+                      <a:pPr marR="90170" indent="450215" algn="l">
+                        <a:lnSpc>
+                          <a:spcPct val="150000"/>
+                        </a:lnSpc>
+                        <a:spcAft>
+                          <a:spcPts val="0"/>
+                        </a:spcAft>
+                      </a:pPr>
+                      <a:r>
+                        <a:rPr lang="ru-RU" sz="1800">
+                          <a:effectLst/>
+                          <a:latin typeface="Times New Roman" panose="02020603050405020304" pitchFamily="18" charset="0"/>
+                          <a:cs typeface="Times New Roman" panose="02020603050405020304" pitchFamily="18" charset="0"/>
+                        </a:rPr>
+                        <a:t>600</a:t>
+                      </a:r>
+                      <a:endParaRPr lang="ru-RU" sz="1800">
+                        <a:effectLst/>
+                        <a:latin typeface="Times New Roman" panose="02020603050405020304" pitchFamily="18" charset="0"/>
+                        <a:ea typeface="Times New Roman" panose="02020603050405020304" pitchFamily="18" charset="0"/>
+                        <a:cs typeface="Times New Roman" panose="02020603050405020304" pitchFamily="18" charset="0"/>
+                      </a:endParaRPr>
+                    </a:p>
+                  </a:txBody>
+                  <a:tcPr marL="27424" marR="27424" marT="0" marB="0"/>
+                </a:tc>
+                <a:extLst>
+                  <a:ext uri="{0D108BD9-81ED-4DB2-BD59-A6C34878D82A}">
+                    <a16:rowId xmlns:a16="http://schemas.microsoft.com/office/drawing/2014/main" val="1181818442"/>
+                  </a:ext>
+                </a:extLst>
+              </a:tr>
+              <a:tr h="511306">
+                <a:tc>
+                  <a:txBody>
+                    <a:bodyPr/>
+                    <a:lstStyle/>
+                    <a:p>
+                      <a:pPr marR="90170" indent="450215" algn="l">
+                        <a:lnSpc>
+                          <a:spcPct val="150000"/>
+                        </a:lnSpc>
+                        <a:spcAft>
+                          <a:spcPts val="0"/>
+                        </a:spcAft>
+                      </a:pPr>
+                      <a:r>
+                        <a:rPr lang="ru-RU" sz="1000" dirty="0" err="1">
+                          <a:effectLst/>
+                          <a:latin typeface="Times New Roman" panose="02020603050405020304" pitchFamily="18" charset="0"/>
+                          <a:cs typeface="Times New Roman" panose="02020603050405020304" pitchFamily="18" charset="0"/>
+                        </a:rPr>
+                        <a:t>Gallus</a:t>
+                      </a:r>
+                      <a:r>
+                        <a:rPr lang="ru-RU" sz="1000" dirty="0">
+                          <a:effectLst/>
+                          <a:latin typeface="Times New Roman" panose="02020603050405020304" pitchFamily="18" charset="0"/>
+                          <a:cs typeface="Times New Roman" panose="02020603050405020304" pitchFamily="18" charset="0"/>
+                        </a:rPr>
+                        <a:t> G4 (счётчик газа)</a:t>
+                      </a:r>
+                      <a:endParaRPr lang="ru-RU" sz="1000" dirty="0">
+                        <a:effectLst/>
+                        <a:latin typeface="Times New Roman" panose="02020603050405020304" pitchFamily="18" charset="0"/>
+                        <a:ea typeface="Times New Roman" panose="02020603050405020304" pitchFamily="18" charset="0"/>
+                        <a:cs typeface="Times New Roman" panose="02020603050405020304" pitchFamily="18" charset="0"/>
+                      </a:endParaRPr>
+                    </a:p>
+                  </a:txBody>
+                  <a:tcPr marL="27424" marR="27424" marT="0" marB="0"/>
+                </a:tc>
+                <a:tc>
+                  <a:txBody>
+                    <a:bodyPr/>
+                    <a:lstStyle/>
+                    <a:p>
+                      <a:pPr marR="90170" indent="450215" algn="l">
+                        <a:lnSpc>
+                          <a:spcPct val="150000"/>
+                        </a:lnSpc>
+                        <a:spcAft>
+                          <a:spcPts val="0"/>
+                        </a:spcAft>
+                      </a:pPr>
+                      <a:r>
+                        <a:rPr lang="ru-RU" sz="1800">
+                          <a:effectLst/>
+                          <a:latin typeface="Times New Roman" panose="02020603050405020304" pitchFamily="18" charset="0"/>
+                          <a:cs typeface="Times New Roman" panose="02020603050405020304" pitchFamily="18" charset="0"/>
+                        </a:rPr>
+                        <a:t>3500</a:t>
+                      </a:r>
+                      <a:endParaRPr lang="ru-RU" sz="1800">
+                        <a:effectLst/>
+                        <a:latin typeface="Times New Roman" panose="02020603050405020304" pitchFamily="18" charset="0"/>
+                        <a:ea typeface="Times New Roman" panose="02020603050405020304" pitchFamily="18" charset="0"/>
+                        <a:cs typeface="Times New Roman" panose="02020603050405020304" pitchFamily="18" charset="0"/>
+                      </a:endParaRPr>
+                    </a:p>
+                  </a:txBody>
+                  <a:tcPr marL="27424" marR="27424" marT="0" marB="0"/>
+                </a:tc>
+                <a:tc>
+                  <a:txBody>
+                    <a:bodyPr/>
+                    <a:lstStyle/>
+                    <a:p>
+                      <a:pPr marR="90170" indent="450215" algn="l">
+                        <a:lnSpc>
+                          <a:spcPct val="150000"/>
+                        </a:lnSpc>
+                        <a:spcAft>
+                          <a:spcPts val="0"/>
+                        </a:spcAft>
+                      </a:pPr>
+                      <a:r>
+                        <a:rPr lang="ru-RU" sz="1800" dirty="0">
+                          <a:effectLst/>
+                          <a:latin typeface="Times New Roman" panose="02020603050405020304" pitchFamily="18" charset="0"/>
+                          <a:cs typeface="Times New Roman" panose="02020603050405020304" pitchFamily="18" charset="0"/>
+                        </a:rPr>
+                        <a:t>1</a:t>
+                      </a:r>
+                      <a:endParaRPr lang="ru-RU" sz="1800" dirty="0">
+                        <a:effectLst/>
+                        <a:latin typeface="Times New Roman" panose="02020603050405020304" pitchFamily="18" charset="0"/>
+                        <a:ea typeface="Times New Roman" panose="02020603050405020304" pitchFamily="18" charset="0"/>
+                        <a:cs typeface="Times New Roman" panose="02020603050405020304" pitchFamily="18" charset="0"/>
+                      </a:endParaRPr>
+                    </a:p>
+                  </a:txBody>
+                  <a:tcPr marL="27424" marR="27424" marT="0" marB="0"/>
+                </a:tc>
+                <a:tc>
+                  <a:txBody>
+                    <a:bodyPr/>
+                    <a:lstStyle/>
+                    <a:p>
+                      <a:pPr marR="90170" indent="450215" algn="l">
+                        <a:lnSpc>
+                          <a:spcPct val="150000"/>
+                        </a:lnSpc>
+                        <a:spcAft>
+                          <a:spcPts val="0"/>
+                        </a:spcAft>
+                      </a:pPr>
+                      <a:r>
+                        <a:rPr lang="ru-RU" sz="1800">
+                          <a:effectLst/>
+                          <a:latin typeface="Times New Roman" panose="02020603050405020304" pitchFamily="18" charset="0"/>
+                          <a:cs typeface="Times New Roman" panose="02020603050405020304" pitchFamily="18" charset="0"/>
+                        </a:rPr>
+                        <a:t>3500</a:t>
+                      </a:r>
+                      <a:endParaRPr lang="ru-RU" sz="1800">
+                        <a:effectLst/>
+                        <a:latin typeface="Times New Roman" panose="02020603050405020304" pitchFamily="18" charset="0"/>
+                        <a:ea typeface="Times New Roman" panose="02020603050405020304" pitchFamily="18" charset="0"/>
+                        <a:cs typeface="Times New Roman" panose="02020603050405020304" pitchFamily="18" charset="0"/>
+                      </a:endParaRPr>
+                    </a:p>
+                  </a:txBody>
+                  <a:tcPr marL="27424" marR="27424" marT="0" marB="0"/>
+                </a:tc>
+                <a:extLst>
+                  <a:ext uri="{0D108BD9-81ED-4DB2-BD59-A6C34878D82A}">
+                    <a16:rowId xmlns:a16="http://schemas.microsoft.com/office/drawing/2014/main" val="9158961"/>
+                  </a:ext>
+                </a:extLst>
+              </a:tr>
+              <a:tr h="642642">
+                <a:tc>
+                  <a:txBody>
+                    <a:bodyPr/>
+                    <a:lstStyle/>
+                    <a:p>
+                      <a:pPr marR="90170" indent="450215" algn="l">
+                        <a:lnSpc>
+                          <a:spcPct val="150000"/>
+                        </a:lnSpc>
+                        <a:spcAft>
+                          <a:spcPts val="0"/>
+                        </a:spcAft>
+                      </a:pPr>
+                      <a:r>
+                        <a:rPr lang="ru-RU" sz="1000" dirty="0">
+                          <a:effectLst/>
+                          <a:latin typeface="Times New Roman" panose="02020603050405020304" pitchFamily="18" charset="0"/>
+                          <a:cs typeface="Times New Roman" panose="02020603050405020304" pitchFamily="18" charset="0"/>
+                        </a:rPr>
+                        <a:t>PZEM-004T (счётчик электроэнергии)</a:t>
+                      </a:r>
+                      <a:endParaRPr lang="ru-RU" sz="1000" dirty="0">
+                        <a:effectLst/>
+                        <a:latin typeface="Times New Roman" panose="02020603050405020304" pitchFamily="18" charset="0"/>
+                        <a:ea typeface="Times New Roman" panose="02020603050405020304" pitchFamily="18" charset="0"/>
+                        <a:cs typeface="Times New Roman" panose="02020603050405020304" pitchFamily="18" charset="0"/>
+                      </a:endParaRPr>
+                    </a:p>
+                  </a:txBody>
+                  <a:tcPr marL="27424" marR="27424" marT="0" marB="0"/>
+                </a:tc>
+                <a:tc>
+                  <a:txBody>
+                    <a:bodyPr/>
+                    <a:lstStyle/>
+                    <a:p>
+                      <a:pPr marR="90170" indent="450215" algn="l">
+                        <a:lnSpc>
+                          <a:spcPct val="150000"/>
+                        </a:lnSpc>
+                        <a:spcAft>
+                          <a:spcPts val="0"/>
+                        </a:spcAft>
+                      </a:pPr>
+                      <a:r>
+                        <a:rPr lang="ru-RU" sz="1800">
+                          <a:effectLst/>
+                          <a:latin typeface="Times New Roman" panose="02020603050405020304" pitchFamily="18" charset="0"/>
+                          <a:cs typeface="Times New Roman" panose="02020603050405020304" pitchFamily="18" charset="0"/>
+                        </a:rPr>
+                        <a:t>1500</a:t>
+                      </a:r>
+                      <a:endParaRPr lang="ru-RU" sz="1800">
+                        <a:effectLst/>
+                        <a:latin typeface="Times New Roman" panose="02020603050405020304" pitchFamily="18" charset="0"/>
+                        <a:ea typeface="Times New Roman" panose="02020603050405020304" pitchFamily="18" charset="0"/>
+                        <a:cs typeface="Times New Roman" panose="02020603050405020304" pitchFamily="18" charset="0"/>
+                      </a:endParaRPr>
+                    </a:p>
+                  </a:txBody>
+                  <a:tcPr marL="27424" marR="27424" marT="0" marB="0"/>
+                </a:tc>
+                <a:tc>
+                  <a:txBody>
+                    <a:bodyPr/>
+                    <a:lstStyle/>
+                    <a:p>
+                      <a:pPr marR="90170" indent="450215" algn="l">
+                        <a:lnSpc>
+                          <a:spcPct val="150000"/>
+                        </a:lnSpc>
+                        <a:spcAft>
+                          <a:spcPts val="0"/>
+                        </a:spcAft>
+                      </a:pPr>
+                      <a:r>
+                        <a:rPr lang="ru-RU" sz="1800" dirty="0">
+                          <a:effectLst/>
+                          <a:latin typeface="Times New Roman" panose="02020603050405020304" pitchFamily="18" charset="0"/>
+                          <a:cs typeface="Times New Roman" panose="02020603050405020304" pitchFamily="18" charset="0"/>
+                        </a:rPr>
+                        <a:t>1</a:t>
+                      </a:r>
+                      <a:endParaRPr lang="ru-RU" sz="1800" dirty="0">
+                        <a:effectLst/>
+                        <a:latin typeface="Times New Roman" panose="02020603050405020304" pitchFamily="18" charset="0"/>
+                        <a:ea typeface="Times New Roman" panose="02020603050405020304" pitchFamily="18" charset="0"/>
+                        <a:cs typeface="Times New Roman" panose="02020603050405020304" pitchFamily="18" charset="0"/>
+                      </a:endParaRPr>
+                    </a:p>
+                  </a:txBody>
+                  <a:tcPr marL="27424" marR="27424" marT="0" marB="0"/>
+                </a:tc>
+                <a:tc>
+                  <a:txBody>
+                    <a:bodyPr/>
+                    <a:lstStyle/>
+                    <a:p>
+                      <a:pPr marR="90170" indent="450215" algn="l">
+                        <a:lnSpc>
+                          <a:spcPct val="150000"/>
+                        </a:lnSpc>
+                        <a:spcAft>
+                          <a:spcPts val="0"/>
+                        </a:spcAft>
+                      </a:pPr>
+                      <a:r>
+                        <a:rPr lang="ru-RU" sz="1800">
+                          <a:effectLst/>
+                          <a:latin typeface="Times New Roman" panose="02020603050405020304" pitchFamily="18" charset="0"/>
+                          <a:cs typeface="Times New Roman" panose="02020603050405020304" pitchFamily="18" charset="0"/>
+                        </a:rPr>
+                        <a:t>1500</a:t>
+                      </a:r>
+                      <a:endParaRPr lang="ru-RU" sz="1800">
+                        <a:effectLst/>
+                        <a:latin typeface="Times New Roman" panose="02020603050405020304" pitchFamily="18" charset="0"/>
+                        <a:ea typeface="Times New Roman" panose="02020603050405020304" pitchFamily="18" charset="0"/>
+                        <a:cs typeface="Times New Roman" panose="02020603050405020304" pitchFamily="18" charset="0"/>
+                      </a:endParaRPr>
+                    </a:p>
+                  </a:txBody>
+                  <a:tcPr marL="27424" marR="27424" marT="0" marB="0"/>
+                </a:tc>
+                <a:extLst>
+                  <a:ext uri="{0D108BD9-81ED-4DB2-BD59-A6C34878D82A}">
+                    <a16:rowId xmlns:a16="http://schemas.microsoft.com/office/drawing/2014/main" val="530888981"/>
+                  </a:ext>
+                </a:extLst>
+              </a:tr>
+              <a:tr h="416972">
+                <a:tc>
+                  <a:txBody>
+                    <a:bodyPr/>
+                    <a:lstStyle/>
+                    <a:p>
+                      <a:pPr marR="90170" indent="450215" algn="l">
+                        <a:lnSpc>
+                          <a:spcPct val="150000"/>
+                        </a:lnSpc>
+                        <a:spcAft>
+                          <a:spcPts val="0"/>
+                        </a:spcAft>
+                      </a:pPr>
+                      <a:r>
+                        <a:rPr lang="ru-RU" sz="1000" dirty="0">
+                          <a:effectLst/>
+                          <a:latin typeface="Times New Roman" panose="02020603050405020304" pitchFamily="18" charset="0"/>
+                          <a:cs typeface="Times New Roman" panose="02020603050405020304" pitchFamily="18" charset="0"/>
+                        </a:rPr>
+                        <a:t>MQ-135 (датчик газа)</a:t>
+                      </a:r>
+                      <a:endParaRPr lang="ru-RU" sz="1000" dirty="0">
+                        <a:effectLst/>
+                        <a:latin typeface="Times New Roman" panose="02020603050405020304" pitchFamily="18" charset="0"/>
+                        <a:ea typeface="Times New Roman" panose="02020603050405020304" pitchFamily="18" charset="0"/>
+                        <a:cs typeface="Times New Roman" panose="02020603050405020304" pitchFamily="18" charset="0"/>
+                      </a:endParaRPr>
+                    </a:p>
+                  </a:txBody>
+                  <a:tcPr marL="27424" marR="27424" marT="0" marB="0"/>
+                </a:tc>
+                <a:tc>
+                  <a:txBody>
+                    <a:bodyPr/>
+                    <a:lstStyle/>
+                    <a:p>
+                      <a:pPr marR="90170" indent="450215" algn="l">
+                        <a:lnSpc>
+                          <a:spcPct val="150000"/>
+                        </a:lnSpc>
+                        <a:spcAft>
+                          <a:spcPts val="0"/>
+                        </a:spcAft>
+                      </a:pPr>
+                      <a:r>
+                        <a:rPr lang="ru-RU" sz="1800">
+                          <a:effectLst/>
+                          <a:latin typeface="Times New Roman" panose="02020603050405020304" pitchFamily="18" charset="0"/>
+                          <a:cs typeface="Times New Roman" panose="02020603050405020304" pitchFamily="18" charset="0"/>
+                        </a:rPr>
+                        <a:t>300</a:t>
+                      </a:r>
+                      <a:endParaRPr lang="ru-RU" sz="1800">
+                        <a:effectLst/>
+                        <a:latin typeface="Times New Roman" panose="02020603050405020304" pitchFamily="18" charset="0"/>
+                        <a:ea typeface="Times New Roman" panose="02020603050405020304" pitchFamily="18" charset="0"/>
+                        <a:cs typeface="Times New Roman" panose="02020603050405020304" pitchFamily="18" charset="0"/>
+                      </a:endParaRPr>
+                    </a:p>
+                  </a:txBody>
+                  <a:tcPr marL="27424" marR="27424" marT="0" marB="0"/>
+                </a:tc>
+                <a:tc>
+                  <a:txBody>
+                    <a:bodyPr/>
+                    <a:lstStyle/>
+                    <a:p>
+                      <a:pPr marR="90170" indent="450215" algn="l">
+                        <a:lnSpc>
+                          <a:spcPct val="150000"/>
+                        </a:lnSpc>
+                        <a:spcAft>
+                          <a:spcPts val="0"/>
+                        </a:spcAft>
+                      </a:pPr>
+                      <a:r>
+                        <a:rPr lang="ru-RU" sz="1800" dirty="0">
+                          <a:effectLst/>
+                          <a:latin typeface="Times New Roman" panose="02020603050405020304" pitchFamily="18" charset="0"/>
+                          <a:cs typeface="Times New Roman" panose="02020603050405020304" pitchFamily="18" charset="0"/>
+                        </a:rPr>
+                        <a:t>1</a:t>
+                      </a:r>
+                      <a:endParaRPr lang="ru-RU" sz="1800" dirty="0">
+                        <a:effectLst/>
+                        <a:latin typeface="Times New Roman" panose="02020603050405020304" pitchFamily="18" charset="0"/>
+                        <a:ea typeface="Times New Roman" panose="02020603050405020304" pitchFamily="18" charset="0"/>
+                        <a:cs typeface="Times New Roman" panose="02020603050405020304" pitchFamily="18" charset="0"/>
+                      </a:endParaRPr>
+                    </a:p>
+                  </a:txBody>
+                  <a:tcPr marL="27424" marR="27424" marT="0" marB="0"/>
+                </a:tc>
+                <a:tc>
+                  <a:txBody>
+                    <a:bodyPr/>
+                    <a:lstStyle/>
+                    <a:p>
+                      <a:pPr marR="90170" indent="450215" algn="l">
+                        <a:lnSpc>
+                          <a:spcPct val="150000"/>
+                        </a:lnSpc>
+                        <a:spcAft>
+                          <a:spcPts val="0"/>
+                        </a:spcAft>
+                      </a:pPr>
+                      <a:r>
+                        <a:rPr lang="ru-RU" sz="1800">
+                          <a:effectLst/>
+                          <a:latin typeface="Times New Roman" panose="02020603050405020304" pitchFamily="18" charset="0"/>
+                          <a:cs typeface="Times New Roman" panose="02020603050405020304" pitchFamily="18" charset="0"/>
+                        </a:rPr>
+                        <a:t>300</a:t>
+                      </a:r>
+                      <a:endParaRPr lang="ru-RU" sz="1800">
+                        <a:effectLst/>
+                        <a:latin typeface="Times New Roman" panose="02020603050405020304" pitchFamily="18" charset="0"/>
+                        <a:ea typeface="Times New Roman" panose="02020603050405020304" pitchFamily="18" charset="0"/>
+                        <a:cs typeface="Times New Roman" panose="02020603050405020304" pitchFamily="18" charset="0"/>
+                      </a:endParaRPr>
+                    </a:p>
+                  </a:txBody>
+                  <a:tcPr marL="27424" marR="27424" marT="0" marB="0"/>
+                </a:tc>
+                <a:extLst>
+                  <a:ext uri="{0D108BD9-81ED-4DB2-BD59-A6C34878D82A}">
+                    <a16:rowId xmlns:a16="http://schemas.microsoft.com/office/drawing/2014/main" val="1214253031"/>
+                  </a:ext>
+                </a:extLst>
+              </a:tr>
+              <a:tr h="416972">
+                <a:tc>
+                  <a:txBody>
+                    <a:bodyPr/>
+                    <a:lstStyle/>
+                    <a:p>
+                      <a:pPr marR="90170" indent="450215" algn="l">
+                        <a:lnSpc>
+                          <a:spcPct val="150000"/>
+                        </a:lnSpc>
+                        <a:spcAft>
+                          <a:spcPts val="0"/>
+                        </a:spcAft>
+                      </a:pPr>
+                      <a:r>
+                        <a:rPr lang="ru-RU" sz="1000" dirty="0">
+                          <a:effectLst/>
+                          <a:latin typeface="Times New Roman" panose="02020603050405020304" pitchFamily="18" charset="0"/>
+                          <a:cs typeface="Times New Roman" panose="02020603050405020304" pitchFamily="18" charset="0"/>
+                        </a:rPr>
+                        <a:t>Модуль связи VR34</a:t>
+                      </a:r>
+                      <a:endParaRPr lang="ru-RU" sz="1000" dirty="0">
+                        <a:effectLst/>
+                        <a:latin typeface="Times New Roman" panose="02020603050405020304" pitchFamily="18" charset="0"/>
+                        <a:ea typeface="Times New Roman" panose="02020603050405020304" pitchFamily="18" charset="0"/>
+                        <a:cs typeface="Times New Roman" panose="02020603050405020304" pitchFamily="18" charset="0"/>
+                      </a:endParaRPr>
+                    </a:p>
+                  </a:txBody>
+                  <a:tcPr marL="27424" marR="27424" marT="0" marB="0"/>
+                </a:tc>
+                <a:tc>
+                  <a:txBody>
+                    <a:bodyPr/>
+                    <a:lstStyle/>
+                    <a:p>
+                      <a:pPr marR="90170" indent="450215" algn="l">
+                        <a:lnSpc>
+                          <a:spcPct val="150000"/>
+                        </a:lnSpc>
+                        <a:spcAft>
+                          <a:spcPts val="0"/>
+                        </a:spcAft>
+                      </a:pPr>
+                      <a:r>
+                        <a:rPr lang="ru-RU" sz="1800">
+                          <a:effectLst/>
+                          <a:latin typeface="Times New Roman" panose="02020603050405020304" pitchFamily="18" charset="0"/>
+                          <a:cs typeface="Times New Roman" panose="02020603050405020304" pitchFamily="18" charset="0"/>
+                        </a:rPr>
+                        <a:t>5000</a:t>
+                      </a:r>
+                      <a:endParaRPr lang="ru-RU" sz="1800">
+                        <a:effectLst/>
+                        <a:latin typeface="Times New Roman" panose="02020603050405020304" pitchFamily="18" charset="0"/>
+                        <a:ea typeface="Times New Roman" panose="02020603050405020304" pitchFamily="18" charset="0"/>
+                        <a:cs typeface="Times New Roman" panose="02020603050405020304" pitchFamily="18" charset="0"/>
+                      </a:endParaRPr>
+                    </a:p>
+                  </a:txBody>
+                  <a:tcPr marL="27424" marR="27424" marT="0" marB="0"/>
+                </a:tc>
+                <a:tc>
+                  <a:txBody>
+                    <a:bodyPr/>
+                    <a:lstStyle/>
+                    <a:p>
+                      <a:pPr marR="90170" indent="450215" algn="l">
+                        <a:lnSpc>
+                          <a:spcPct val="150000"/>
+                        </a:lnSpc>
+                        <a:spcAft>
+                          <a:spcPts val="0"/>
+                        </a:spcAft>
+                      </a:pPr>
+                      <a:r>
+                        <a:rPr lang="ru-RU" sz="1800" dirty="0">
+                          <a:effectLst/>
+                          <a:latin typeface="Times New Roman" panose="02020603050405020304" pitchFamily="18" charset="0"/>
+                          <a:cs typeface="Times New Roman" panose="02020603050405020304" pitchFamily="18" charset="0"/>
+                        </a:rPr>
+                        <a:t>1</a:t>
+                      </a:r>
+                      <a:endParaRPr lang="ru-RU" sz="1800" dirty="0">
+                        <a:effectLst/>
+                        <a:latin typeface="Times New Roman" panose="02020603050405020304" pitchFamily="18" charset="0"/>
+                        <a:ea typeface="Times New Roman" panose="02020603050405020304" pitchFamily="18" charset="0"/>
+                        <a:cs typeface="Times New Roman" panose="02020603050405020304" pitchFamily="18" charset="0"/>
+                      </a:endParaRPr>
+                    </a:p>
+                  </a:txBody>
+                  <a:tcPr marL="27424" marR="27424" marT="0" marB="0"/>
+                </a:tc>
+                <a:tc>
+                  <a:txBody>
+                    <a:bodyPr/>
+                    <a:lstStyle/>
+                    <a:p>
+                      <a:pPr marR="90170" indent="450215" algn="l">
+                        <a:lnSpc>
+                          <a:spcPct val="150000"/>
+                        </a:lnSpc>
+                        <a:spcAft>
+                          <a:spcPts val="0"/>
+                        </a:spcAft>
+                      </a:pPr>
+                      <a:r>
+                        <a:rPr lang="ru-RU" sz="1800">
+                          <a:effectLst/>
+                          <a:latin typeface="Times New Roman" panose="02020603050405020304" pitchFamily="18" charset="0"/>
+                          <a:cs typeface="Times New Roman" panose="02020603050405020304" pitchFamily="18" charset="0"/>
+                        </a:rPr>
+                        <a:t>5000</a:t>
+                      </a:r>
+                      <a:endParaRPr lang="ru-RU" sz="1800">
+                        <a:effectLst/>
+                        <a:latin typeface="Times New Roman" panose="02020603050405020304" pitchFamily="18" charset="0"/>
+                        <a:ea typeface="Times New Roman" panose="02020603050405020304" pitchFamily="18" charset="0"/>
+                        <a:cs typeface="Times New Roman" panose="02020603050405020304" pitchFamily="18" charset="0"/>
+                      </a:endParaRPr>
+                    </a:p>
+                  </a:txBody>
+                  <a:tcPr marL="27424" marR="27424" marT="0" marB="0"/>
+                </a:tc>
+                <a:extLst>
+                  <a:ext uri="{0D108BD9-81ED-4DB2-BD59-A6C34878D82A}">
+                    <a16:rowId xmlns:a16="http://schemas.microsoft.com/office/drawing/2014/main" val="2144747606"/>
+                  </a:ext>
+                </a:extLst>
+              </a:tr>
+              <a:tr h="511306">
+                <a:tc>
+                  <a:txBody>
+                    <a:bodyPr/>
+                    <a:lstStyle/>
+                    <a:p>
+                      <a:pPr marR="90170" indent="450215" algn="l">
+                        <a:lnSpc>
+                          <a:spcPct val="150000"/>
+                        </a:lnSpc>
+                        <a:spcAft>
+                          <a:spcPts val="0"/>
+                        </a:spcAft>
+                      </a:pPr>
+                      <a:r>
+                        <a:rPr lang="ru-RU" sz="1000" dirty="0">
+                          <a:effectLst/>
+                          <a:latin typeface="Times New Roman" panose="02020603050405020304" pitchFamily="18" charset="0"/>
+                          <a:cs typeface="Times New Roman" panose="02020603050405020304" pitchFamily="18" charset="0"/>
+                        </a:rPr>
+                        <a:t>Источник бесперебойного питания</a:t>
+                      </a:r>
+                      <a:endParaRPr lang="ru-RU" sz="1000" dirty="0">
+                        <a:effectLst/>
+                        <a:latin typeface="Times New Roman" panose="02020603050405020304" pitchFamily="18" charset="0"/>
+                        <a:ea typeface="Times New Roman" panose="02020603050405020304" pitchFamily="18" charset="0"/>
+                        <a:cs typeface="Times New Roman" panose="02020603050405020304" pitchFamily="18" charset="0"/>
+                      </a:endParaRPr>
+                    </a:p>
+                  </a:txBody>
+                  <a:tcPr marL="27424" marR="27424" marT="0" marB="0"/>
+                </a:tc>
+                <a:tc>
+                  <a:txBody>
+                    <a:bodyPr/>
+                    <a:lstStyle/>
+                    <a:p>
+                      <a:pPr marR="90170" indent="450215" algn="l">
+                        <a:lnSpc>
+                          <a:spcPct val="150000"/>
+                        </a:lnSpc>
+                        <a:spcAft>
+                          <a:spcPts val="0"/>
+                        </a:spcAft>
+                      </a:pPr>
+                      <a:r>
+                        <a:rPr lang="ru-RU" sz="1800">
+                          <a:effectLst/>
+                          <a:latin typeface="Times New Roman" panose="02020603050405020304" pitchFamily="18" charset="0"/>
+                          <a:cs typeface="Times New Roman" panose="02020603050405020304" pitchFamily="18" charset="0"/>
+                        </a:rPr>
+                        <a:t>5000</a:t>
+                      </a:r>
+                      <a:endParaRPr lang="ru-RU" sz="1800">
+                        <a:effectLst/>
+                        <a:latin typeface="Times New Roman" panose="02020603050405020304" pitchFamily="18" charset="0"/>
+                        <a:ea typeface="Times New Roman" panose="02020603050405020304" pitchFamily="18" charset="0"/>
+                        <a:cs typeface="Times New Roman" panose="02020603050405020304" pitchFamily="18" charset="0"/>
+                      </a:endParaRPr>
+                    </a:p>
+                  </a:txBody>
+                  <a:tcPr marL="27424" marR="27424" marT="0" marB="0"/>
+                </a:tc>
+                <a:tc>
+                  <a:txBody>
+                    <a:bodyPr/>
+                    <a:lstStyle/>
+                    <a:p>
+                      <a:pPr marR="90170" indent="450215" algn="l">
+                        <a:lnSpc>
+                          <a:spcPct val="150000"/>
+                        </a:lnSpc>
+                        <a:spcAft>
+                          <a:spcPts val="0"/>
+                        </a:spcAft>
+                      </a:pPr>
+                      <a:r>
+                        <a:rPr lang="ru-RU" sz="1800" dirty="0">
+                          <a:effectLst/>
+                          <a:latin typeface="Times New Roman" panose="02020603050405020304" pitchFamily="18" charset="0"/>
+                          <a:cs typeface="Times New Roman" panose="02020603050405020304" pitchFamily="18" charset="0"/>
+                        </a:rPr>
+                        <a:t>1</a:t>
+                      </a:r>
+                      <a:endParaRPr lang="ru-RU" sz="1800" dirty="0">
+                        <a:effectLst/>
+                        <a:latin typeface="Times New Roman" panose="02020603050405020304" pitchFamily="18" charset="0"/>
+                        <a:ea typeface="Times New Roman" panose="02020603050405020304" pitchFamily="18" charset="0"/>
+                        <a:cs typeface="Times New Roman" panose="02020603050405020304" pitchFamily="18" charset="0"/>
+                      </a:endParaRPr>
+                    </a:p>
+                  </a:txBody>
+                  <a:tcPr marL="27424" marR="27424" marT="0" marB="0"/>
+                </a:tc>
+                <a:tc>
+                  <a:txBody>
+                    <a:bodyPr/>
+                    <a:lstStyle/>
+                    <a:p>
+                      <a:pPr marR="90170" indent="450215" algn="l">
+                        <a:lnSpc>
+                          <a:spcPct val="150000"/>
+                        </a:lnSpc>
+                        <a:spcAft>
+                          <a:spcPts val="0"/>
+                        </a:spcAft>
+                      </a:pPr>
+                      <a:r>
+                        <a:rPr lang="ru-RU" sz="1800">
+                          <a:effectLst/>
+                          <a:latin typeface="Times New Roman" panose="02020603050405020304" pitchFamily="18" charset="0"/>
+                          <a:cs typeface="Times New Roman" panose="02020603050405020304" pitchFamily="18" charset="0"/>
+                        </a:rPr>
+                        <a:t>5000</a:t>
+                      </a:r>
+                      <a:endParaRPr lang="ru-RU" sz="1800">
+                        <a:effectLst/>
+                        <a:latin typeface="Times New Roman" panose="02020603050405020304" pitchFamily="18" charset="0"/>
+                        <a:ea typeface="Times New Roman" panose="02020603050405020304" pitchFamily="18" charset="0"/>
+                        <a:cs typeface="Times New Roman" panose="02020603050405020304" pitchFamily="18" charset="0"/>
+                      </a:endParaRPr>
+                    </a:p>
+                  </a:txBody>
+                  <a:tcPr marL="27424" marR="27424" marT="0" marB="0"/>
+                </a:tc>
+                <a:extLst>
+                  <a:ext uri="{0D108BD9-81ED-4DB2-BD59-A6C34878D82A}">
+                    <a16:rowId xmlns:a16="http://schemas.microsoft.com/office/drawing/2014/main" val="3687245643"/>
+                  </a:ext>
+                </a:extLst>
+              </a:tr>
+              <a:tr h="773980">
+                <a:tc>
+                  <a:txBody>
+                    <a:bodyPr/>
+                    <a:lstStyle/>
+                    <a:p>
+                      <a:pPr marR="90170" indent="450215" algn="l">
+                        <a:lnSpc>
+                          <a:spcPct val="150000"/>
+                        </a:lnSpc>
+                        <a:spcAft>
+                          <a:spcPts val="0"/>
+                        </a:spcAft>
+                      </a:pPr>
+                      <a:r>
+                        <a:rPr lang="ru-RU" sz="1000" dirty="0">
+                          <a:effectLst/>
+                          <a:latin typeface="Times New Roman" panose="02020603050405020304" pitchFamily="18" charset="0"/>
+                          <a:cs typeface="Times New Roman" panose="02020603050405020304" pitchFamily="18" charset="0"/>
+                        </a:rPr>
+                        <a:t>Прочие компоненты (кабели, резисторы и т.д.)</a:t>
+                      </a:r>
+                      <a:endParaRPr lang="ru-RU" sz="1000" dirty="0">
+                        <a:effectLst/>
+                        <a:latin typeface="Times New Roman" panose="02020603050405020304" pitchFamily="18" charset="0"/>
+                        <a:ea typeface="Times New Roman" panose="02020603050405020304" pitchFamily="18" charset="0"/>
+                        <a:cs typeface="Times New Roman" panose="02020603050405020304" pitchFamily="18" charset="0"/>
+                      </a:endParaRPr>
+                    </a:p>
+                  </a:txBody>
+                  <a:tcPr marL="27424" marR="27424" marT="0" marB="0"/>
+                </a:tc>
+                <a:tc>
+                  <a:txBody>
+                    <a:bodyPr/>
+                    <a:lstStyle/>
+                    <a:p>
+                      <a:pPr marR="90170" indent="450215" algn="l">
+                        <a:lnSpc>
+                          <a:spcPct val="150000"/>
+                        </a:lnSpc>
+                        <a:spcAft>
+                          <a:spcPts val="0"/>
+                        </a:spcAft>
+                      </a:pPr>
+                      <a:r>
+                        <a:rPr lang="ru-RU" sz="1800">
+                          <a:effectLst/>
+                          <a:latin typeface="Times New Roman" panose="02020603050405020304" pitchFamily="18" charset="0"/>
+                          <a:cs typeface="Times New Roman" panose="02020603050405020304" pitchFamily="18" charset="0"/>
+                        </a:rPr>
+                        <a:t>1000</a:t>
+                      </a:r>
+                      <a:endParaRPr lang="ru-RU" sz="1800">
+                        <a:effectLst/>
+                        <a:latin typeface="Times New Roman" panose="02020603050405020304" pitchFamily="18" charset="0"/>
+                        <a:ea typeface="Times New Roman" panose="02020603050405020304" pitchFamily="18" charset="0"/>
+                        <a:cs typeface="Times New Roman" panose="02020603050405020304" pitchFamily="18" charset="0"/>
+                      </a:endParaRPr>
+                    </a:p>
+                  </a:txBody>
+                  <a:tcPr marL="27424" marR="27424" marT="0" marB="0"/>
+                </a:tc>
+                <a:tc>
+                  <a:txBody>
+                    <a:bodyPr/>
+                    <a:lstStyle/>
+                    <a:p>
+                      <a:pPr marR="90170" indent="450215" algn="l">
+                        <a:lnSpc>
+                          <a:spcPct val="150000"/>
+                        </a:lnSpc>
+                        <a:spcAft>
+                          <a:spcPts val="0"/>
+                        </a:spcAft>
+                      </a:pPr>
+                      <a:r>
+                        <a:rPr lang="ru-RU" sz="1800" dirty="0">
+                          <a:effectLst/>
+                          <a:latin typeface="Times New Roman" panose="02020603050405020304" pitchFamily="18" charset="0"/>
+                          <a:cs typeface="Times New Roman" panose="02020603050405020304" pitchFamily="18" charset="0"/>
+                        </a:rPr>
+                        <a:t>1</a:t>
+                      </a:r>
+                      <a:endParaRPr lang="ru-RU" sz="1800" dirty="0">
+                        <a:effectLst/>
+                        <a:latin typeface="Times New Roman" panose="02020603050405020304" pitchFamily="18" charset="0"/>
+                        <a:ea typeface="Times New Roman" panose="02020603050405020304" pitchFamily="18" charset="0"/>
+                        <a:cs typeface="Times New Roman" panose="02020603050405020304" pitchFamily="18" charset="0"/>
+                      </a:endParaRPr>
+                    </a:p>
+                  </a:txBody>
+                  <a:tcPr marL="27424" marR="27424" marT="0" marB="0"/>
+                </a:tc>
+                <a:tc>
+                  <a:txBody>
+                    <a:bodyPr/>
+                    <a:lstStyle/>
+                    <a:p>
+                      <a:pPr marR="90170" indent="450215" algn="l">
+                        <a:lnSpc>
+                          <a:spcPct val="150000"/>
+                        </a:lnSpc>
+                        <a:spcAft>
+                          <a:spcPts val="0"/>
+                        </a:spcAft>
+                      </a:pPr>
+                      <a:r>
+                        <a:rPr lang="ru-RU" sz="1800" dirty="0">
+                          <a:effectLst/>
+                          <a:latin typeface="Times New Roman" panose="02020603050405020304" pitchFamily="18" charset="0"/>
+                          <a:cs typeface="Times New Roman" panose="02020603050405020304" pitchFamily="18" charset="0"/>
+                        </a:rPr>
+                        <a:t>1000</a:t>
+                      </a:r>
+                      <a:endParaRPr lang="ru-RU" sz="1800" dirty="0">
+                        <a:effectLst/>
+                        <a:latin typeface="Times New Roman" panose="02020603050405020304" pitchFamily="18" charset="0"/>
+                        <a:ea typeface="Times New Roman" panose="02020603050405020304" pitchFamily="18" charset="0"/>
+                        <a:cs typeface="Times New Roman" panose="02020603050405020304" pitchFamily="18" charset="0"/>
+                      </a:endParaRPr>
+                    </a:p>
+                  </a:txBody>
+                  <a:tcPr marL="27424" marR="27424" marT="0" marB="0"/>
+                </a:tc>
+                <a:extLst>
+                  <a:ext uri="{0D108BD9-81ED-4DB2-BD59-A6C34878D82A}">
+                    <a16:rowId xmlns:a16="http://schemas.microsoft.com/office/drawing/2014/main" val="299413207"/>
+                  </a:ext>
+                </a:extLst>
+              </a:tr>
+              <a:tr h="416972">
+                <a:tc>
+                  <a:txBody>
+                    <a:bodyPr/>
+                    <a:lstStyle/>
+                    <a:p>
+                      <a:pPr marR="90170" indent="450215" algn="l">
+                        <a:lnSpc>
+                          <a:spcPct val="150000"/>
+                        </a:lnSpc>
+                        <a:spcAft>
+                          <a:spcPts val="0"/>
+                        </a:spcAft>
+                      </a:pPr>
+                      <a:r>
+                        <a:rPr lang="ru-RU" sz="1000" dirty="0" err="1">
+                          <a:effectLst/>
+                          <a:latin typeface="Times New Roman" panose="02020603050405020304" pitchFamily="18" charset="0"/>
+                          <a:cs typeface="Times New Roman" panose="02020603050405020304" pitchFamily="18" charset="0"/>
+                        </a:rPr>
+                        <a:t>EcoFlow</a:t>
+                      </a:r>
+                      <a:r>
+                        <a:rPr lang="ru-RU" sz="1000" dirty="0">
+                          <a:effectLst/>
+                          <a:latin typeface="Times New Roman" panose="02020603050405020304" pitchFamily="18" charset="0"/>
+                          <a:cs typeface="Times New Roman" panose="02020603050405020304" pitchFamily="18" charset="0"/>
+                        </a:rPr>
+                        <a:t> DELTA </a:t>
+                      </a:r>
+                      <a:r>
+                        <a:rPr lang="ru-RU" sz="1000" dirty="0" err="1">
+                          <a:effectLst/>
+                          <a:latin typeface="Times New Roman" panose="02020603050405020304" pitchFamily="18" charset="0"/>
+                          <a:cs typeface="Times New Roman" panose="02020603050405020304" pitchFamily="18" charset="0"/>
+                        </a:rPr>
+                        <a:t>Pro</a:t>
+                      </a:r>
+                      <a:endParaRPr lang="ru-RU" sz="1000" dirty="0">
+                        <a:effectLst/>
+                        <a:latin typeface="Times New Roman" panose="02020603050405020304" pitchFamily="18" charset="0"/>
+                        <a:ea typeface="Times New Roman" panose="02020603050405020304" pitchFamily="18" charset="0"/>
+                        <a:cs typeface="Times New Roman" panose="02020603050405020304" pitchFamily="18" charset="0"/>
+                      </a:endParaRPr>
+                    </a:p>
+                  </a:txBody>
+                  <a:tcPr marL="27424" marR="27424" marT="0" marB="0"/>
+                </a:tc>
+                <a:tc>
+                  <a:txBody>
+                    <a:bodyPr/>
+                    <a:lstStyle/>
+                    <a:p>
+                      <a:pPr marR="90170" indent="450215" algn="l">
+                        <a:lnSpc>
+                          <a:spcPct val="150000"/>
+                        </a:lnSpc>
+                        <a:spcAft>
+                          <a:spcPts val="0"/>
+                        </a:spcAft>
+                      </a:pPr>
+                      <a:r>
+                        <a:rPr lang="ru-RU" sz="1800">
+                          <a:effectLst/>
+                          <a:latin typeface="Times New Roman" panose="02020603050405020304" pitchFamily="18" charset="0"/>
+                          <a:cs typeface="Times New Roman" panose="02020603050405020304" pitchFamily="18" charset="0"/>
+                        </a:rPr>
+                        <a:t>300000</a:t>
+                      </a:r>
+                      <a:endParaRPr lang="ru-RU" sz="1800">
+                        <a:effectLst/>
+                        <a:latin typeface="Times New Roman" panose="02020603050405020304" pitchFamily="18" charset="0"/>
+                        <a:ea typeface="Times New Roman" panose="02020603050405020304" pitchFamily="18" charset="0"/>
+                        <a:cs typeface="Times New Roman" panose="02020603050405020304" pitchFamily="18" charset="0"/>
+                      </a:endParaRPr>
+                    </a:p>
+                  </a:txBody>
+                  <a:tcPr marL="27424" marR="27424" marT="0" marB="0"/>
+                </a:tc>
+                <a:tc>
+                  <a:txBody>
+                    <a:bodyPr/>
+                    <a:lstStyle/>
+                    <a:p>
+                      <a:pPr marR="90170" indent="450215" algn="l">
+                        <a:lnSpc>
+                          <a:spcPct val="150000"/>
+                        </a:lnSpc>
+                        <a:spcAft>
+                          <a:spcPts val="0"/>
+                        </a:spcAft>
+                      </a:pPr>
+                      <a:r>
+                        <a:rPr lang="ru-RU" sz="1800">
+                          <a:effectLst/>
+                          <a:latin typeface="Times New Roman" panose="02020603050405020304" pitchFamily="18" charset="0"/>
+                          <a:cs typeface="Times New Roman" panose="02020603050405020304" pitchFamily="18" charset="0"/>
+                        </a:rPr>
+                        <a:t>1</a:t>
+                      </a:r>
+                      <a:endParaRPr lang="ru-RU" sz="1800">
+                        <a:effectLst/>
+                        <a:latin typeface="Times New Roman" panose="02020603050405020304" pitchFamily="18" charset="0"/>
+                        <a:ea typeface="Times New Roman" panose="02020603050405020304" pitchFamily="18" charset="0"/>
+                        <a:cs typeface="Times New Roman" panose="02020603050405020304" pitchFamily="18" charset="0"/>
+                      </a:endParaRPr>
+                    </a:p>
+                  </a:txBody>
+                  <a:tcPr marL="27424" marR="27424" marT="0" marB="0"/>
+                </a:tc>
+                <a:tc>
+                  <a:txBody>
+                    <a:bodyPr/>
+                    <a:lstStyle/>
+                    <a:p>
+                      <a:pPr marR="90170" indent="450215" algn="l">
+                        <a:lnSpc>
+                          <a:spcPct val="150000"/>
+                        </a:lnSpc>
+                        <a:spcAft>
+                          <a:spcPts val="0"/>
+                        </a:spcAft>
+                      </a:pPr>
+                      <a:r>
+                        <a:rPr lang="ru-RU" sz="1800" dirty="0">
+                          <a:effectLst/>
+                          <a:latin typeface="Times New Roman" panose="02020603050405020304" pitchFamily="18" charset="0"/>
+                          <a:cs typeface="Times New Roman" panose="02020603050405020304" pitchFamily="18" charset="0"/>
+                        </a:rPr>
+                        <a:t>300000</a:t>
+                      </a:r>
+                      <a:endParaRPr lang="ru-RU" sz="1800" dirty="0">
+                        <a:effectLst/>
+                        <a:latin typeface="Times New Roman" panose="02020603050405020304" pitchFamily="18" charset="0"/>
+                        <a:ea typeface="Times New Roman" panose="02020603050405020304" pitchFamily="18" charset="0"/>
+                        <a:cs typeface="Times New Roman" panose="02020603050405020304" pitchFamily="18" charset="0"/>
+                      </a:endParaRPr>
+                    </a:p>
+                  </a:txBody>
+                  <a:tcPr marL="27424" marR="27424" marT="0" marB="0"/>
+                </a:tc>
+                <a:extLst>
+                  <a:ext uri="{0D108BD9-81ED-4DB2-BD59-A6C34878D82A}">
+                    <a16:rowId xmlns:a16="http://schemas.microsoft.com/office/drawing/2014/main" val="2298707770"/>
+                  </a:ext>
+                </a:extLst>
+              </a:tr>
+              <a:tr h="416972">
+                <a:tc>
+                  <a:txBody>
+                    <a:bodyPr/>
+                    <a:lstStyle/>
+                    <a:p>
+                      <a:pPr marR="90170" indent="450215" algn="l">
+                        <a:lnSpc>
+                          <a:spcPct val="150000"/>
+                        </a:lnSpc>
+                        <a:spcAft>
+                          <a:spcPts val="0"/>
+                        </a:spcAft>
+                      </a:pPr>
+                      <a:r>
+                        <a:rPr lang="ru-RU" sz="1000" dirty="0">
+                          <a:effectLst/>
+                          <a:latin typeface="Times New Roman" panose="02020603050405020304" pitchFamily="18" charset="0"/>
+                          <a:cs typeface="Times New Roman" panose="02020603050405020304" pitchFamily="18" charset="0"/>
+                        </a:rPr>
+                        <a:t>Итого на одну квартиру</a:t>
+                      </a:r>
+                      <a:endParaRPr lang="ru-RU" sz="1000" dirty="0">
+                        <a:effectLst/>
+                        <a:latin typeface="Times New Roman" panose="02020603050405020304" pitchFamily="18" charset="0"/>
+                        <a:ea typeface="Times New Roman" panose="02020603050405020304" pitchFamily="18" charset="0"/>
+                        <a:cs typeface="Times New Roman" panose="02020603050405020304" pitchFamily="18" charset="0"/>
+                      </a:endParaRPr>
+                    </a:p>
+                  </a:txBody>
+                  <a:tcPr marL="27424" marR="27424" marT="0" marB="0"/>
+                </a:tc>
+                <a:tc>
+                  <a:txBody>
+                    <a:bodyPr/>
+                    <a:lstStyle/>
+                    <a:p>
+                      <a:pPr marR="90170" indent="450215" algn="l">
+                        <a:lnSpc>
+                          <a:spcPct val="150000"/>
+                        </a:lnSpc>
+                        <a:spcAft>
+                          <a:spcPts val="0"/>
+                        </a:spcAft>
+                      </a:pPr>
+                      <a:r>
+                        <a:rPr lang="ru-RU" sz="1800">
+                          <a:effectLst/>
+                          <a:latin typeface="Times New Roman" panose="02020603050405020304" pitchFamily="18" charset="0"/>
+                          <a:cs typeface="Times New Roman" panose="02020603050405020304" pitchFamily="18" charset="0"/>
+                        </a:rPr>
+                        <a:t> </a:t>
+                      </a:r>
+                      <a:endParaRPr lang="ru-RU" sz="1800">
+                        <a:effectLst/>
+                        <a:latin typeface="Times New Roman" panose="02020603050405020304" pitchFamily="18" charset="0"/>
+                        <a:ea typeface="Times New Roman" panose="02020603050405020304" pitchFamily="18" charset="0"/>
+                        <a:cs typeface="Times New Roman" panose="02020603050405020304" pitchFamily="18" charset="0"/>
+                      </a:endParaRPr>
+                    </a:p>
+                  </a:txBody>
+                  <a:tcPr marL="27424" marR="27424" marT="0" marB="0"/>
+                </a:tc>
+                <a:tc>
+                  <a:txBody>
+                    <a:bodyPr/>
+                    <a:lstStyle/>
+                    <a:p>
+                      <a:pPr marR="90170" indent="450215" algn="l">
+                        <a:lnSpc>
+                          <a:spcPct val="150000"/>
+                        </a:lnSpc>
+                        <a:spcAft>
+                          <a:spcPts val="0"/>
+                        </a:spcAft>
+                      </a:pPr>
+                      <a:r>
+                        <a:rPr lang="ru-RU" sz="1800" dirty="0">
+                          <a:effectLst/>
+                          <a:latin typeface="Times New Roman" panose="02020603050405020304" pitchFamily="18" charset="0"/>
+                          <a:cs typeface="Times New Roman" panose="02020603050405020304" pitchFamily="18" charset="0"/>
+                        </a:rPr>
+                        <a:t> </a:t>
+                      </a:r>
+                      <a:endParaRPr lang="ru-RU" sz="1800" dirty="0">
+                        <a:effectLst/>
+                        <a:latin typeface="Times New Roman" panose="02020603050405020304" pitchFamily="18" charset="0"/>
+                        <a:ea typeface="Times New Roman" panose="02020603050405020304" pitchFamily="18" charset="0"/>
+                        <a:cs typeface="Times New Roman" panose="02020603050405020304" pitchFamily="18" charset="0"/>
+                      </a:endParaRPr>
+                    </a:p>
+                  </a:txBody>
+                  <a:tcPr marL="27424" marR="27424" marT="0" marB="0"/>
+                </a:tc>
+                <a:tc>
+                  <a:txBody>
+                    <a:bodyPr/>
+                    <a:lstStyle/>
+                    <a:p>
+                      <a:pPr marR="90170" indent="450215" algn="l">
+                        <a:lnSpc>
+                          <a:spcPct val="150000"/>
+                        </a:lnSpc>
+                        <a:spcAft>
+                          <a:spcPts val="0"/>
+                        </a:spcAft>
+                      </a:pPr>
+                      <a:r>
+                        <a:rPr lang="ru-RU" sz="1800" dirty="0">
+                          <a:effectLst/>
+                          <a:latin typeface="Times New Roman" panose="02020603050405020304" pitchFamily="18" charset="0"/>
+                          <a:cs typeface="Times New Roman" panose="02020603050405020304" pitchFamily="18" charset="0"/>
+                        </a:rPr>
+                        <a:t>54600</a:t>
+                      </a:r>
+                      <a:endParaRPr lang="ru-RU" sz="1800" dirty="0">
+                        <a:effectLst/>
+                        <a:latin typeface="Times New Roman" panose="02020603050405020304" pitchFamily="18" charset="0"/>
+                        <a:ea typeface="Times New Roman" panose="02020603050405020304" pitchFamily="18" charset="0"/>
+                        <a:cs typeface="Times New Roman" panose="02020603050405020304" pitchFamily="18" charset="0"/>
+                      </a:endParaRPr>
+                    </a:p>
+                  </a:txBody>
+                  <a:tcPr marL="27424" marR="27424" marT="0" marB="0"/>
+                </a:tc>
+                <a:extLst>
+                  <a:ext uri="{0D108BD9-81ED-4DB2-BD59-A6C34878D82A}">
+                    <a16:rowId xmlns:a16="http://schemas.microsoft.com/office/drawing/2014/main" val="3813822949"/>
+                  </a:ext>
+                </a:extLst>
+              </a:tr>
+            </a:tbl>
+          </a:graphicData>
+        </a:graphic>
+      </p:graphicFrame>
+      <p:sp>
+        <p:nvSpPr>
+          <p:cNvPr id="9" name="Прямоугольник 8"/>
+          <p:cNvSpPr/>
+          <p:nvPr/>
+        </p:nvSpPr>
+        <p:spPr>
+          <a:xfrm>
+            <a:off x="9812981" y="3411256"/>
+            <a:ext cx="1941814" cy="369332"/>
+          </a:xfrm>
+          <a:prstGeom prst="rect">
+            <a:avLst/>
+          </a:prstGeom>
+        </p:spPr>
+        <p:txBody>
+          <a:bodyPr wrap="none">
+            <a:spAutoFit/>
+          </a:bodyPr>
+          <a:lstStyle/>
+          <a:p>
+            <a:r>
+              <a:rPr lang="ru-RU" dirty="0" err="1" smtClean="0">
+                <a:latin typeface="Calibri" panose="020F0502020204030204" pitchFamily="34" charset="0"/>
+                <a:ea typeface="Calibri" panose="020F0502020204030204" pitchFamily="34" charset="0"/>
+                <a:cs typeface="Times New Roman" panose="02020603050405020304" pitchFamily="18" charset="0"/>
+              </a:rPr>
+              <a:t>EcoFlow</a:t>
+            </a:r>
+            <a:r>
+              <a:rPr lang="ru-RU" dirty="0" smtClean="0">
+                <a:latin typeface="Calibri" panose="020F0502020204030204" pitchFamily="34" charset="0"/>
+                <a:ea typeface="Calibri" panose="020F0502020204030204" pitchFamily="34" charset="0"/>
+                <a:cs typeface="Times New Roman" panose="02020603050405020304" pitchFamily="18" charset="0"/>
+              </a:rPr>
+              <a:t> DELTA </a:t>
+            </a:r>
+            <a:r>
+              <a:rPr lang="ru-RU" dirty="0" err="1" smtClean="0">
+                <a:latin typeface="Calibri" panose="020F0502020204030204" pitchFamily="34" charset="0"/>
+                <a:ea typeface="Calibri" panose="020F0502020204030204" pitchFamily="34" charset="0"/>
+                <a:cs typeface="Times New Roman" panose="02020603050405020304" pitchFamily="18" charset="0"/>
+              </a:rPr>
+              <a:t>Pro</a:t>
+            </a:r>
+            <a:endParaRPr lang="ru-RU" dirty="0"/>
           </a:p>
         </p:txBody>
       </p:sp>
       <p:sp>
         <p:nvSpPr>
-          <p:cNvPr id="3" name="Объект 2"/>
-          <p:cNvSpPr>
-            <a:spLocks noGrp="1"/>
-          </p:cNvSpPr>
-          <p:nvPr>
-            <p:ph idx="1"/>
-          </p:nvPr>
+          <p:cNvPr id="10" name="Прямоугольник 9"/>
+          <p:cNvSpPr/>
+          <p:nvPr/>
         </p:nvSpPr>
-        <p:spPr/>
+        <p:spPr>
+          <a:xfrm>
+            <a:off x="6777857" y="6523507"/>
+            <a:ext cx="2322174" cy="369332"/>
+          </a:xfrm>
+          <a:prstGeom prst="rect">
+            <a:avLst/>
+          </a:prstGeom>
+        </p:spPr>
         <p:txBody>
-          <a:bodyPr/>
+          <a:bodyPr wrap="none">
+            <a:spAutoFit/>
+          </a:bodyPr>
           <a:lstStyle/>
           <a:p>
-            <a:endParaRPr lang="ru-RU"/>
+            <a:r>
+              <a:rPr lang="ru-RU" dirty="0">
+                <a:latin typeface="Calibri" panose="020F0502020204030204" pitchFamily="34" charset="0"/>
+                <a:ea typeface="Calibri" panose="020F0502020204030204" pitchFamily="34" charset="0"/>
+                <a:cs typeface="Times New Roman" panose="02020603050405020304" pitchFamily="18" charset="0"/>
+              </a:rPr>
+              <a:t>YF-S201 Счётчик воды</a:t>
+            </a:r>
+            <a:endParaRPr lang="ru-RU" dirty="0"/>
+          </a:p>
+        </p:txBody>
+      </p:sp>
+      <p:pic>
+        <p:nvPicPr>
+          <p:cNvPr id="11" name="Рисунок 10" descr="Коммуникационный модуль переменного тока PZEM-004T V3.0 Руководство  пользователя"/>
+          <p:cNvPicPr/>
+          <p:nvPr/>
+        </p:nvPicPr>
+        <p:blipFill>
+          <a:blip r:embed="rId4">
+            <a:extLst>
+              <a:ext uri="{28A0092B-C50C-407E-A947-70E740481C1C}">
+                <a14:useLocalDpi xmlns:a14="http://schemas.microsoft.com/office/drawing/2010/main" val="0"/>
+              </a:ext>
+            </a:extLst>
+          </a:blip>
+          <a:srcRect/>
+          <a:stretch>
+            <a:fillRect/>
+          </a:stretch>
+        </p:blipFill>
+        <p:spPr bwMode="auto">
+          <a:xfrm>
+            <a:off x="6697521" y="1166772"/>
+            <a:ext cx="2482848" cy="2198250"/>
+          </a:xfrm>
+          <a:prstGeom prst="rect">
+            <a:avLst/>
+          </a:prstGeom>
+          <a:noFill/>
+          <a:ln>
+            <a:solidFill>
+              <a:schemeClr val="tx1"/>
+            </a:solidFill>
+          </a:ln>
+        </p:spPr>
+      </p:pic>
+      <p:sp>
+        <p:nvSpPr>
+          <p:cNvPr id="12" name="Прямоугольник 11"/>
+          <p:cNvSpPr/>
+          <p:nvPr/>
+        </p:nvSpPr>
+        <p:spPr>
+          <a:xfrm>
+            <a:off x="6693627" y="3411256"/>
+            <a:ext cx="2490635" cy="646331"/>
+          </a:xfrm>
+          <a:prstGeom prst="rect">
+            <a:avLst/>
+          </a:prstGeom>
+        </p:spPr>
+        <p:txBody>
+          <a:bodyPr wrap="square">
+            <a:spAutoFit/>
+          </a:bodyPr>
+          <a:lstStyle/>
+          <a:p>
+            <a:pPr algn="ctr"/>
+            <a:r>
+              <a:rPr lang="ru-RU" dirty="0">
+                <a:latin typeface="Calibri" panose="020F0502020204030204" pitchFamily="34" charset="0"/>
+                <a:ea typeface="Calibri" panose="020F0502020204030204" pitchFamily="34" charset="0"/>
+                <a:cs typeface="Times New Roman" panose="02020603050405020304" pitchFamily="18" charset="0"/>
+              </a:rPr>
+              <a:t>PZEM-004T счётчик электроэнергии</a:t>
+            </a:r>
+            <a:endParaRPr lang="ru-RU" dirty="0"/>
           </a:p>
         </p:txBody>
       </p:sp>
@@ -3947,6 +6176,13 @@
   <p:clrMapOvr>
     <a:masterClrMapping/>
   </p:clrMapOvr>
+  <p:timing>
+    <p:tnLst>
+      <p:par>
+        <p:cTn id="1" dur="indefinite" restart="never" nodeType="tmRoot"/>
+      </p:par>
+    </p:tnLst>
+  </p:timing>
 </p:sld>
 </file>
 
@@ -3977,31 +6213,2093 @@
             <p:ph type="title"/>
           </p:nvPr>
         </p:nvSpPr>
-        <p:spPr/>
+        <p:spPr>
+          <a:xfrm>
+            <a:off x="6167438" y="0"/>
+            <a:ext cx="5557837" cy="809625"/>
+          </a:xfrm>
+        </p:spPr>
         <p:txBody>
-          <a:bodyPr/>
+          <a:bodyPr>
+            <a:normAutofit/>
+          </a:bodyPr>
           <a:lstStyle/>
           <a:p>
-            <a:endParaRPr lang="ru-RU"/>
+            <a:pPr algn="ctr"/>
+            <a:r>
+              <a:rPr lang="ru-RU" b="1" dirty="0" smtClean="0"/>
+              <a:t>Схема соединений</a:t>
+            </a:r>
+            <a:endParaRPr lang="ru-RU" b="1" dirty="0"/>
           </a:p>
         </p:txBody>
       </p:sp>
+      <p:pic>
+        <p:nvPicPr>
+          <p:cNvPr id="4" name="Рисунок 3"/>
+          <p:cNvPicPr/>
+          <p:nvPr/>
+        </p:nvPicPr>
+        <p:blipFill>
+          <a:blip r:embed="rId2"/>
+          <a:stretch>
+            <a:fillRect/>
+          </a:stretch>
+        </p:blipFill>
+        <p:spPr>
+          <a:xfrm>
+            <a:off x="5784850" y="1234123"/>
+            <a:ext cx="5940425" cy="4657090"/>
+          </a:xfrm>
+          <a:prstGeom prst="rect">
+            <a:avLst/>
+          </a:prstGeom>
+          <a:ln>
+            <a:solidFill>
+              <a:schemeClr val="tx1"/>
+            </a:solidFill>
+          </a:ln>
+        </p:spPr>
+      </p:pic>
+      <p:graphicFrame>
+        <p:nvGraphicFramePr>
+          <p:cNvPr id="5" name="Таблица 4"/>
+          <p:cNvGraphicFramePr>
+            <a:graphicFrameLocks noGrp="1"/>
+          </p:cNvGraphicFramePr>
+          <p:nvPr>
+            <p:extLst>
+              <p:ext uri="{D42A27DB-BD31-4B8C-83A1-F6EECF244321}">
+                <p14:modId xmlns:p14="http://schemas.microsoft.com/office/powerpoint/2010/main" val="94341456"/>
+              </p:ext>
+            </p:extLst>
+          </p:nvPr>
+        </p:nvGraphicFramePr>
+        <p:xfrm>
+          <a:off x="-2" y="-2"/>
+          <a:ext cx="5552050" cy="6858001"/>
+        </p:xfrm>
+        <a:graphic>
+          <a:graphicData uri="http://schemas.openxmlformats.org/drawingml/2006/table">
+            <a:tbl>
+              <a:tblPr firstRow="1" firstCol="1" bandRow="1">
+                <a:tableStyleId>{5C22544A-7EE6-4342-B048-85BDC9FD1C3A}</a:tableStyleId>
+              </a:tblPr>
+              <a:tblGrid>
+                <a:gridCol w="1387864">
+                  <a:extLst>
+                    <a:ext uri="{9D8B030D-6E8A-4147-A177-3AD203B41FA5}">
+                      <a16:colId xmlns:a16="http://schemas.microsoft.com/office/drawing/2014/main" val="222420233"/>
+                    </a:ext>
+                  </a:extLst>
+                </a:gridCol>
+                <a:gridCol w="1387864">
+                  <a:extLst>
+                    <a:ext uri="{9D8B030D-6E8A-4147-A177-3AD203B41FA5}">
+                      <a16:colId xmlns:a16="http://schemas.microsoft.com/office/drawing/2014/main" val="1025931098"/>
+                    </a:ext>
+                  </a:extLst>
+                </a:gridCol>
+                <a:gridCol w="1387864">
+                  <a:extLst>
+                    <a:ext uri="{9D8B030D-6E8A-4147-A177-3AD203B41FA5}">
+                      <a16:colId xmlns:a16="http://schemas.microsoft.com/office/drawing/2014/main" val="2797927566"/>
+                    </a:ext>
+                  </a:extLst>
+                </a:gridCol>
+                <a:gridCol w="1388458">
+                  <a:extLst>
+                    <a:ext uri="{9D8B030D-6E8A-4147-A177-3AD203B41FA5}">
+                      <a16:colId xmlns:a16="http://schemas.microsoft.com/office/drawing/2014/main" val="2917303167"/>
+                    </a:ext>
+                  </a:extLst>
+                </a:gridCol>
+              </a:tblGrid>
+              <a:tr h="207819">
+                <a:tc>
+                  <a:txBody>
+                    <a:bodyPr/>
+                    <a:lstStyle/>
+                    <a:p>
+                      <a:pPr algn="ctr">
+                        <a:lnSpc>
+                          <a:spcPct val="107000"/>
+                        </a:lnSpc>
+                        <a:spcAft>
+                          <a:spcPts val="800"/>
+                        </a:spcAft>
+                      </a:pPr>
+                      <a:r>
+                        <a:rPr lang="ru-RU" sz="1000">
+                          <a:effectLst/>
+                          <a:latin typeface="Times New Roman" panose="02020603050405020304" pitchFamily="18" charset="0"/>
+                          <a:cs typeface="Times New Roman" panose="02020603050405020304" pitchFamily="18" charset="0"/>
+                        </a:rPr>
+                        <a:t>Компонент</a:t>
+                      </a:r>
+                      <a:endParaRPr lang="ru-RU" sz="1000">
+                        <a:effectLst/>
+                        <a:latin typeface="Times New Roman" panose="02020603050405020304" pitchFamily="18" charset="0"/>
+                        <a:ea typeface="Calibri" panose="020F0502020204030204" pitchFamily="34" charset="0"/>
+                        <a:cs typeface="Times New Roman" panose="02020603050405020304" pitchFamily="18" charset="0"/>
+                      </a:endParaRPr>
+                    </a:p>
+                  </a:txBody>
+                  <a:tcPr marL="50410" marR="50410" marT="0" marB="0"/>
+                </a:tc>
+                <a:tc>
+                  <a:txBody>
+                    <a:bodyPr/>
+                    <a:lstStyle/>
+                    <a:p>
+                      <a:pPr algn="ctr">
+                        <a:lnSpc>
+                          <a:spcPct val="107000"/>
+                        </a:lnSpc>
+                        <a:spcAft>
+                          <a:spcPts val="800"/>
+                        </a:spcAft>
+                      </a:pPr>
+                      <a:r>
+                        <a:rPr lang="ru-RU" sz="1000">
+                          <a:effectLst/>
+                          <a:latin typeface="Times New Roman" panose="02020603050405020304" pitchFamily="18" charset="0"/>
+                          <a:cs typeface="Times New Roman" panose="02020603050405020304" pitchFamily="18" charset="0"/>
+                        </a:rPr>
+                        <a:t>Arduino Pin</a:t>
+                      </a:r>
+                      <a:endParaRPr lang="ru-RU" sz="1000">
+                        <a:effectLst/>
+                        <a:latin typeface="Times New Roman" panose="02020603050405020304" pitchFamily="18" charset="0"/>
+                        <a:ea typeface="Calibri" panose="020F0502020204030204" pitchFamily="34" charset="0"/>
+                        <a:cs typeface="Times New Roman" panose="02020603050405020304" pitchFamily="18" charset="0"/>
+                      </a:endParaRPr>
+                    </a:p>
+                  </a:txBody>
+                  <a:tcPr marL="50410" marR="50410" marT="0" marB="0"/>
+                </a:tc>
+                <a:tc>
+                  <a:txBody>
+                    <a:bodyPr/>
+                    <a:lstStyle/>
+                    <a:p>
+                      <a:pPr algn="ctr">
+                        <a:lnSpc>
+                          <a:spcPct val="107000"/>
+                        </a:lnSpc>
+                        <a:spcAft>
+                          <a:spcPts val="800"/>
+                        </a:spcAft>
+                      </a:pPr>
+                      <a:r>
+                        <a:rPr lang="ru-RU" sz="1000">
+                          <a:effectLst/>
+                          <a:latin typeface="Times New Roman" panose="02020603050405020304" pitchFamily="18" charset="0"/>
+                          <a:cs typeface="Times New Roman" panose="02020603050405020304" pitchFamily="18" charset="0"/>
+                        </a:rPr>
+                        <a:t>Raspberry Pi Pin</a:t>
+                      </a:r>
+                      <a:endParaRPr lang="ru-RU" sz="1000">
+                        <a:effectLst/>
+                        <a:latin typeface="Times New Roman" panose="02020603050405020304" pitchFamily="18" charset="0"/>
+                        <a:ea typeface="Calibri" panose="020F0502020204030204" pitchFamily="34" charset="0"/>
+                        <a:cs typeface="Times New Roman" panose="02020603050405020304" pitchFamily="18" charset="0"/>
+                      </a:endParaRPr>
+                    </a:p>
+                  </a:txBody>
+                  <a:tcPr marL="50410" marR="50410" marT="0" marB="0"/>
+                </a:tc>
+                <a:tc>
+                  <a:txBody>
+                    <a:bodyPr/>
+                    <a:lstStyle/>
+                    <a:p>
+                      <a:pPr algn="ctr">
+                        <a:lnSpc>
+                          <a:spcPct val="107000"/>
+                        </a:lnSpc>
+                        <a:spcAft>
+                          <a:spcPts val="800"/>
+                        </a:spcAft>
+                      </a:pPr>
+                      <a:r>
+                        <a:rPr lang="ru-RU" sz="1000">
+                          <a:effectLst/>
+                          <a:latin typeface="Times New Roman" panose="02020603050405020304" pitchFamily="18" charset="0"/>
+                          <a:cs typeface="Times New Roman" panose="02020603050405020304" pitchFamily="18" charset="0"/>
+                        </a:rPr>
+                        <a:t>Примечание</a:t>
+                      </a:r>
+                      <a:endParaRPr lang="ru-RU" sz="1000">
+                        <a:effectLst/>
+                        <a:latin typeface="Times New Roman" panose="02020603050405020304" pitchFamily="18" charset="0"/>
+                        <a:ea typeface="Calibri" panose="020F0502020204030204" pitchFamily="34" charset="0"/>
+                        <a:cs typeface="Times New Roman" panose="02020603050405020304" pitchFamily="18" charset="0"/>
+                      </a:endParaRPr>
+                    </a:p>
+                  </a:txBody>
+                  <a:tcPr marL="50410" marR="50410" marT="0" marB="0"/>
+                </a:tc>
+                <a:extLst>
+                  <a:ext uri="{0D108BD9-81ED-4DB2-BD59-A6C34878D82A}">
+                    <a16:rowId xmlns:a16="http://schemas.microsoft.com/office/drawing/2014/main" val="1059023463"/>
+                  </a:ext>
+                </a:extLst>
+              </a:tr>
+              <a:tr h="623455">
+                <a:tc>
+                  <a:txBody>
+                    <a:bodyPr/>
+                    <a:lstStyle/>
+                    <a:p>
+                      <a:pPr algn="ctr">
+                        <a:lnSpc>
+                          <a:spcPct val="107000"/>
+                        </a:lnSpc>
+                        <a:spcAft>
+                          <a:spcPts val="800"/>
+                        </a:spcAft>
+                      </a:pPr>
+                      <a:r>
+                        <a:rPr lang="ru-RU" sz="1000">
+                          <a:effectLst/>
+                          <a:latin typeface="Times New Roman" panose="02020603050405020304" pitchFamily="18" charset="0"/>
+                          <a:cs typeface="Times New Roman" panose="02020603050405020304" pitchFamily="18" charset="0"/>
+                        </a:rPr>
+                        <a:t>Счётчик воды (импульсный)</a:t>
+                      </a:r>
+                      <a:endParaRPr lang="ru-RU" sz="1000">
+                        <a:effectLst/>
+                        <a:latin typeface="Times New Roman" panose="02020603050405020304" pitchFamily="18" charset="0"/>
+                        <a:ea typeface="Calibri" panose="020F0502020204030204" pitchFamily="34" charset="0"/>
+                        <a:cs typeface="Times New Roman" panose="02020603050405020304" pitchFamily="18" charset="0"/>
+                      </a:endParaRPr>
+                    </a:p>
+                  </a:txBody>
+                  <a:tcPr marL="50410" marR="50410" marT="0" marB="0"/>
+                </a:tc>
+                <a:tc>
+                  <a:txBody>
+                    <a:bodyPr/>
+                    <a:lstStyle/>
+                    <a:p>
+                      <a:pPr algn="ctr">
+                        <a:lnSpc>
+                          <a:spcPct val="107000"/>
+                        </a:lnSpc>
+                        <a:spcAft>
+                          <a:spcPts val="800"/>
+                        </a:spcAft>
+                      </a:pPr>
+                      <a:r>
+                        <a:rPr lang="ru-RU" sz="1000">
+                          <a:effectLst/>
+                          <a:latin typeface="Times New Roman" panose="02020603050405020304" pitchFamily="18" charset="0"/>
+                          <a:cs typeface="Times New Roman" panose="02020603050405020304" pitchFamily="18" charset="0"/>
+                        </a:rPr>
+                        <a:t>Digital Pin 2</a:t>
+                      </a:r>
+                      <a:endParaRPr lang="ru-RU" sz="1000">
+                        <a:effectLst/>
+                        <a:latin typeface="Times New Roman" panose="02020603050405020304" pitchFamily="18" charset="0"/>
+                        <a:ea typeface="Calibri" panose="020F0502020204030204" pitchFamily="34" charset="0"/>
+                        <a:cs typeface="Times New Roman" panose="02020603050405020304" pitchFamily="18" charset="0"/>
+                      </a:endParaRPr>
+                    </a:p>
+                  </a:txBody>
+                  <a:tcPr marL="50410" marR="50410" marT="0" marB="0"/>
+                </a:tc>
+                <a:tc>
+                  <a:txBody>
+                    <a:bodyPr/>
+                    <a:lstStyle/>
+                    <a:p>
+                      <a:pPr algn="ctr">
+                        <a:lnSpc>
+                          <a:spcPct val="107000"/>
+                        </a:lnSpc>
+                        <a:spcAft>
+                          <a:spcPts val="800"/>
+                        </a:spcAft>
+                      </a:pPr>
+                      <a:r>
+                        <a:rPr lang="ru-RU" sz="1000">
+                          <a:effectLst/>
+                          <a:latin typeface="Times New Roman" panose="02020603050405020304" pitchFamily="18" charset="0"/>
+                          <a:cs typeface="Times New Roman" panose="02020603050405020304" pitchFamily="18" charset="0"/>
+                        </a:rPr>
+                        <a:t> </a:t>
+                      </a:r>
+                      <a:endParaRPr lang="ru-RU" sz="1000">
+                        <a:effectLst/>
+                        <a:latin typeface="Times New Roman" panose="02020603050405020304" pitchFamily="18" charset="0"/>
+                        <a:ea typeface="Calibri" panose="020F0502020204030204" pitchFamily="34" charset="0"/>
+                        <a:cs typeface="Times New Roman" panose="02020603050405020304" pitchFamily="18" charset="0"/>
+                      </a:endParaRPr>
+                    </a:p>
+                  </a:txBody>
+                  <a:tcPr marL="50410" marR="50410" marT="0" marB="0"/>
+                </a:tc>
+                <a:tc>
+                  <a:txBody>
+                    <a:bodyPr/>
+                    <a:lstStyle/>
+                    <a:p>
+                      <a:pPr algn="ctr">
+                        <a:lnSpc>
+                          <a:spcPct val="107000"/>
+                        </a:lnSpc>
+                        <a:spcAft>
+                          <a:spcPts val="800"/>
+                        </a:spcAft>
+                      </a:pPr>
+                      <a:r>
+                        <a:rPr lang="ru-RU" sz="1000">
+                          <a:effectLst/>
+                          <a:latin typeface="Times New Roman" panose="02020603050405020304" pitchFamily="18" charset="0"/>
+                          <a:cs typeface="Times New Roman" panose="02020603050405020304" pitchFamily="18" charset="0"/>
+                        </a:rPr>
+                        <a:t>Используется для считывания импульсов</a:t>
+                      </a:r>
+                      <a:endParaRPr lang="ru-RU" sz="1000">
+                        <a:effectLst/>
+                        <a:latin typeface="Times New Roman" panose="02020603050405020304" pitchFamily="18" charset="0"/>
+                        <a:ea typeface="Calibri" panose="020F0502020204030204" pitchFamily="34" charset="0"/>
+                        <a:cs typeface="Times New Roman" panose="02020603050405020304" pitchFamily="18" charset="0"/>
+                      </a:endParaRPr>
+                    </a:p>
+                  </a:txBody>
+                  <a:tcPr marL="50410" marR="50410" marT="0" marB="0"/>
+                </a:tc>
+                <a:extLst>
+                  <a:ext uri="{0D108BD9-81ED-4DB2-BD59-A6C34878D82A}">
+                    <a16:rowId xmlns:a16="http://schemas.microsoft.com/office/drawing/2014/main" val="1273573024"/>
+                  </a:ext>
+                </a:extLst>
+              </a:tr>
+              <a:tr h="623455">
+                <a:tc>
+                  <a:txBody>
+                    <a:bodyPr/>
+                    <a:lstStyle/>
+                    <a:p>
+                      <a:pPr algn="ctr">
+                        <a:lnSpc>
+                          <a:spcPct val="107000"/>
+                        </a:lnSpc>
+                        <a:spcAft>
+                          <a:spcPts val="800"/>
+                        </a:spcAft>
+                      </a:pPr>
+                      <a:r>
+                        <a:rPr lang="ru-RU" sz="1000">
+                          <a:effectLst/>
+                          <a:latin typeface="Times New Roman" panose="02020603050405020304" pitchFamily="18" charset="0"/>
+                          <a:cs typeface="Times New Roman" panose="02020603050405020304" pitchFamily="18" charset="0"/>
+                        </a:rPr>
+                        <a:t>Счётчик электроэнергии (RS-485)</a:t>
+                      </a:r>
+                      <a:endParaRPr lang="ru-RU" sz="1000">
+                        <a:effectLst/>
+                        <a:latin typeface="Times New Roman" panose="02020603050405020304" pitchFamily="18" charset="0"/>
+                        <a:ea typeface="Calibri" panose="020F0502020204030204" pitchFamily="34" charset="0"/>
+                        <a:cs typeface="Times New Roman" panose="02020603050405020304" pitchFamily="18" charset="0"/>
+                      </a:endParaRPr>
+                    </a:p>
+                  </a:txBody>
+                  <a:tcPr marL="50410" marR="50410" marT="0" marB="0"/>
+                </a:tc>
+                <a:tc>
+                  <a:txBody>
+                    <a:bodyPr/>
+                    <a:lstStyle/>
+                    <a:p>
+                      <a:pPr algn="ctr">
+                        <a:lnSpc>
+                          <a:spcPct val="107000"/>
+                        </a:lnSpc>
+                        <a:spcAft>
+                          <a:spcPts val="800"/>
+                        </a:spcAft>
+                      </a:pPr>
+                      <a:r>
+                        <a:rPr lang="ru-RU" sz="1000" dirty="0">
+                          <a:effectLst/>
+                          <a:latin typeface="Times New Roman" panose="02020603050405020304" pitchFamily="18" charset="0"/>
+                          <a:cs typeface="Times New Roman" panose="02020603050405020304" pitchFamily="18" charset="0"/>
+                        </a:rPr>
+                        <a:t>TX (</a:t>
+                      </a:r>
+                      <a:r>
+                        <a:rPr lang="ru-RU" sz="1000" dirty="0" err="1">
+                          <a:effectLst/>
+                          <a:latin typeface="Times New Roman" panose="02020603050405020304" pitchFamily="18" charset="0"/>
+                          <a:cs typeface="Times New Roman" panose="02020603050405020304" pitchFamily="18" charset="0"/>
+                        </a:rPr>
+                        <a:t>Pin</a:t>
+                      </a:r>
+                      <a:r>
+                        <a:rPr lang="ru-RU" sz="1000" dirty="0">
+                          <a:effectLst/>
+                          <a:latin typeface="Times New Roman" panose="02020603050405020304" pitchFamily="18" charset="0"/>
+                          <a:cs typeface="Times New Roman" panose="02020603050405020304" pitchFamily="18" charset="0"/>
+                        </a:rPr>
+                        <a:t> 1) &amp; RX (</a:t>
+                      </a:r>
+                      <a:r>
+                        <a:rPr lang="ru-RU" sz="1000" dirty="0" err="1">
+                          <a:effectLst/>
+                          <a:latin typeface="Times New Roman" panose="02020603050405020304" pitchFamily="18" charset="0"/>
+                          <a:cs typeface="Times New Roman" panose="02020603050405020304" pitchFamily="18" charset="0"/>
+                        </a:rPr>
+                        <a:t>Pin</a:t>
+                      </a:r>
+                      <a:r>
+                        <a:rPr lang="ru-RU" sz="1000" dirty="0">
+                          <a:effectLst/>
+                          <a:latin typeface="Times New Roman" panose="02020603050405020304" pitchFamily="18" charset="0"/>
+                          <a:cs typeface="Times New Roman" panose="02020603050405020304" pitchFamily="18" charset="0"/>
+                        </a:rPr>
+                        <a:t> 0)</a:t>
+                      </a:r>
+                      <a:endParaRPr lang="ru-RU" sz="1000" dirty="0">
+                        <a:effectLst/>
+                        <a:latin typeface="Times New Roman" panose="02020603050405020304" pitchFamily="18" charset="0"/>
+                        <a:ea typeface="Calibri" panose="020F0502020204030204" pitchFamily="34" charset="0"/>
+                        <a:cs typeface="Times New Roman" panose="02020603050405020304" pitchFamily="18" charset="0"/>
+                      </a:endParaRPr>
+                    </a:p>
+                  </a:txBody>
+                  <a:tcPr marL="50410" marR="50410" marT="0" marB="0"/>
+                </a:tc>
+                <a:tc>
+                  <a:txBody>
+                    <a:bodyPr/>
+                    <a:lstStyle/>
+                    <a:p>
+                      <a:pPr algn="ctr">
+                        <a:lnSpc>
+                          <a:spcPct val="107000"/>
+                        </a:lnSpc>
+                        <a:spcAft>
+                          <a:spcPts val="800"/>
+                        </a:spcAft>
+                      </a:pPr>
+                      <a:r>
+                        <a:rPr lang="ru-RU" sz="1000">
+                          <a:effectLst/>
+                          <a:latin typeface="Times New Roman" panose="02020603050405020304" pitchFamily="18" charset="0"/>
+                          <a:cs typeface="Times New Roman" panose="02020603050405020304" pitchFamily="18" charset="0"/>
+                        </a:rPr>
+                        <a:t> </a:t>
+                      </a:r>
+                      <a:endParaRPr lang="ru-RU" sz="1000">
+                        <a:effectLst/>
+                        <a:latin typeface="Times New Roman" panose="02020603050405020304" pitchFamily="18" charset="0"/>
+                        <a:ea typeface="Calibri" panose="020F0502020204030204" pitchFamily="34" charset="0"/>
+                        <a:cs typeface="Times New Roman" panose="02020603050405020304" pitchFamily="18" charset="0"/>
+                      </a:endParaRPr>
+                    </a:p>
+                  </a:txBody>
+                  <a:tcPr marL="50410" marR="50410" marT="0" marB="0"/>
+                </a:tc>
+                <a:tc>
+                  <a:txBody>
+                    <a:bodyPr/>
+                    <a:lstStyle/>
+                    <a:p>
+                      <a:pPr algn="ctr">
+                        <a:lnSpc>
+                          <a:spcPct val="107000"/>
+                        </a:lnSpc>
+                        <a:spcAft>
+                          <a:spcPts val="800"/>
+                        </a:spcAft>
+                      </a:pPr>
+                      <a:r>
+                        <a:rPr lang="ru-RU" sz="1000">
+                          <a:effectLst/>
+                          <a:latin typeface="Times New Roman" panose="02020603050405020304" pitchFamily="18" charset="0"/>
+                          <a:cs typeface="Times New Roman" panose="02020603050405020304" pitchFamily="18" charset="0"/>
+                        </a:rPr>
+                        <a:t>Через модуль RS-485, TX/RX занят</a:t>
+                      </a:r>
+                      <a:endParaRPr lang="ru-RU" sz="1000">
+                        <a:effectLst/>
+                        <a:latin typeface="Times New Roman" panose="02020603050405020304" pitchFamily="18" charset="0"/>
+                        <a:ea typeface="Calibri" panose="020F0502020204030204" pitchFamily="34" charset="0"/>
+                        <a:cs typeface="Times New Roman" panose="02020603050405020304" pitchFamily="18" charset="0"/>
+                      </a:endParaRPr>
+                    </a:p>
+                  </a:txBody>
+                  <a:tcPr marL="50410" marR="50410" marT="0" marB="0"/>
+                </a:tc>
+                <a:extLst>
+                  <a:ext uri="{0D108BD9-81ED-4DB2-BD59-A6C34878D82A}">
+                    <a16:rowId xmlns:a16="http://schemas.microsoft.com/office/drawing/2014/main" val="132522856"/>
+                  </a:ext>
+                </a:extLst>
+              </a:tr>
+              <a:tr h="415636">
+                <a:tc>
+                  <a:txBody>
+                    <a:bodyPr/>
+                    <a:lstStyle/>
+                    <a:p>
+                      <a:pPr algn="ctr">
+                        <a:lnSpc>
+                          <a:spcPct val="107000"/>
+                        </a:lnSpc>
+                        <a:spcAft>
+                          <a:spcPts val="800"/>
+                        </a:spcAft>
+                      </a:pPr>
+                      <a:r>
+                        <a:rPr lang="ru-RU" sz="1000">
+                          <a:effectLst/>
+                          <a:latin typeface="Times New Roman" panose="02020603050405020304" pitchFamily="18" charset="0"/>
+                          <a:cs typeface="Times New Roman" panose="02020603050405020304" pitchFamily="18" charset="0"/>
+                        </a:rPr>
+                        <a:t>Счётчик газа (IN-Z61, импульсный)</a:t>
+                      </a:r>
+                      <a:endParaRPr lang="ru-RU" sz="1000">
+                        <a:effectLst/>
+                        <a:latin typeface="Times New Roman" panose="02020603050405020304" pitchFamily="18" charset="0"/>
+                        <a:ea typeface="Calibri" panose="020F0502020204030204" pitchFamily="34" charset="0"/>
+                        <a:cs typeface="Times New Roman" panose="02020603050405020304" pitchFamily="18" charset="0"/>
+                      </a:endParaRPr>
+                    </a:p>
+                  </a:txBody>
+                  <a:tcPr marL="50410" marR="50410" marT="0" marB="0"/>
+                </a:tc>
+                <a:tc>
+                  <a:txBody>
+                    <a:bodyPr/>
+                    <a:lstStyle/>
+                    <a:p>
+                      <a:pPr algn="ctr">
+                        <a:lnSpc>
+                          <a:spcPct val="107000"/>
+                        </a:lnSpc>
+                        <a:spcAft>
+                          <a:spcPts val="800"/>
+                        </a:spcAft>
+                      </a:pPr>
+                      <a:r>
+                        <a:rPr lang="ru-RU" sz="1000">
+                          <a:effectLst/>
+                          <a:latin typeface="Times New Roman" panose="02020603050405020304" pitchFamily="18" charset="0"/>
+                          <a:cs typeface="Times New Roman" panose="02020603050405020304" pitchFamily="18" charset="0"/>
+                        </a:rPr>
+                        <a:t>Digital Pin 3</a:t>
+                      </a:r>
+                      <a:endParaRPr lang="ru-RU" sz="1000">
+                        <a:effectLst/>
+                        <a:latin typeface="Times New Roman" panose="02020603050405020304" pitchFamily="18" charset="0"/>
+                        <a:ea typeface="Calibri" panose="020F0502020204030204" pitchFamily="34" charset="0"/>
+                        <a:cs typeface="Times New Roman" panose="02020603050405020304" pitchFamily="18" charset="0"/>
+                      </a:endParaRPr>
+                    </a:p>
+                  </a:txBody>
+                  <a:tcPr marL="50410" marR="50410" marT="0" marB="0"/>
+                </a:tc>
+                <a:tc>
+                  <a:txBody>
+                    <a:bodyPr/>
+                    <a:lstStyle/>
+                    <a:p>
+                      <a:pPr algn="ctr">
+                        <a:lnSpc>
+                          <a:spcPct val="107000"/>
+                        </a:lnSpc>
+                        <a:spcAft>
+                          <a:spcPts val="800"/>
+                        </a:spcAft>
+                      </a:pPr>
+                      <a:r>
+                        <a:rPr lang="ru-RU" sz="1000">
+                          <a:effectLst/>
+                          <a:latin typeface="Times New Roman" panose="02020603050405020304" pitchFamily="18" charset="0"/>
+                          <a:cs typeface="Times New Roman" panose="02020603050405020304" pitchFamily="18" charset="0"/>
+                        </a:rPr>
+                        <a:t> </a:t>
+                      </a:r>
+                      <a:endParaRPr lang="ru-RU" sz="1000">
+                        <a:effectLst/>
+                        <a:latin typeface="Times New Roman" panose="02020603050405020304" pitchFamily="18" charset="0"/>
+                        <a:ea typeface="Calibri" panose="020F0502020204030204" pitchFamily="34" charset="0"/>
+                        <a:cs typeface="Times New Roman" panose="02020603050405020304" pitchFamily="18" charset="0"/>
+                      </a:endParaRPr>
+                    </a:p>
+                  </a:txBody>
+                  <a:tcPr marL="50410" marR="50410" marT="0" marB="0"/>
+                </a:tc>
+                <a:tc>
+                  <a:txBody>
+                    <a:bodyPr/>
+                    <a:lstStyle/>
+                    <a:p>
+                      <a:pPr algn="ctr">
+                        <a:lnSpc>
+                          <a:spcPct val="107000"/>
+                        </a:lnSpc>
+                        <a:spcAft>
+                          <a:spcPts val="800"/>
+                        </a:spcAft>
+                      </a:pPr>
+                      <a:r>
+                        <a:rPr lang="ru-RU" sz="1000">
+                          <a:effectLst/>
+                          <a:latin typeface="Times New Roman" panose="02020603050405020304" pitchFamily="18" charset="0"/>
+                          <a:cs typeface="Times New Roman" panose="02020603050405020304" pitchFamily="18" charset="0"/>
+                        </a:rPr>
+                        <a:t>Считывание импульсов</a:t>
+                      </a:r>
+                      <a:endParaRPr lang="ru-RU" sz="1000">
+                        <a:effectLst/>
+                        <a:latin typeface="Times New Roman" panose="02020603050405020304" pitchFamily="18" charset="0"/>
+                        <a:ea typeface="Calibri" panose="020F0502020204030204" pitchFamily="34" charset="0"/>
+                        <a:cs typeface="Times New Roman" panose="02020603050405020304" pitchFamily="18" charset="0"/>
+                      </a:endParaRPr>
+                    </a:p>
+                  </a:txBody>
+                  <a:tcPr marL="50410" marR="50410" marT="0" marB="0"/>
+                </a:tc>
+                <a:extLst>
+                  <a:ext uri="{0D108BD9-81ED-4DB2-BD59-A6C34878D82A}">
+                    <a16:rowId xmlns:a16="http://schemas.microsoft.com/office/drawing/2014/main" val="340710633"/>
+                  </a:ext>
+                </a:extLst>
+              </a:tr>
+              <a:tr h="415636">
+                <a:tc>
+                  <a:txBody>
+                    <a:bodyPr/>
+                    <a:lstStyle/>
+                    <a:p>
+                      <a:pPr algn="ctr">
+                        <a:lnSpc>
+                          <a:spcPct val="107000"/>
+                        </a:lnSpc>
+                        <a:spcAft>
+                          <a:spcPts val="800"/>
+                        </a:spcAft>
+                      </a:pPr>
+                      <a:r>
+                        <a:rPr lang="ru-RU" sz="1000">
+                          <a:effectLst/>
+                          <a:latin typeface="Times New Roman" panose="02020603050405020304" pitchFamily="18" charset="0"/>
+                          <a:cs typeface="Times New Roman" panose="02020603050405020304" pitchFamily="18" charset="0"/>
+                        </a:rPr>
+                        <a:t>Датчик уличной температуры</a:t>
+                      </a:r>
+                      <a:endParaRPr lang="ru-RU" sz="1000">
+                        <a:effectLst/>
+                        <a:latin typeface="Times New Roman" panose="02020603050405020304" pitchFamily="18" charset="0"/>
+                        <a:ea typeface="Calibri" panose="020F0502020204030204" pitchFamily="34" charset="0"/>
+                        <a:cs typeface="Times New Roman" panose="02020603050405020304" pitchFamily="18" charset="0"/>
+                      </a:endParaRPr>
+                    </a:p>
+                  </a:txBody>
+                  <a:tcPr marL="50410" marR="50410" marT="0" marB="0"/>
+                </a:tc>
+                <a:tc>
+                  <a:txBody>
+                    <a:bodyPr/>
+                    <a:lstStyle/>
+                    <a:p>
+                      <a:pPr algn="ctr">
+                        <a:lnSpc>
+                          <a:spcPct val="107000"/>
+                        </a:lnSpc>
+                        <a:spcAft>
+                          <a:spcPts val="800"/>
+                        </a:spcAft>
+                      </a:pPr>
+                      <a:r>
+                        <a:rPr lang="ru-RU" sz="1000">
+                          <a:effectLst/>
+                          <a:latin typeface="Times New Roman" panose="02020603050405020304" pitchFamily="18" charset="0"/>
+                          <a:cs typeface="Times New Roman" panose="02020603050405020304" pitchFamily="18" charset="0"/>
+                        </a:rPr>
+                        <a:t>Analog Pin A0</a:t>
+                      </a:r>
+                      <a:endParaRPr lang="ru-RU" sz="1000">
+                        <a:effectLst/>
+                        <a:latin typeface="Times New Roman" panose="02020603050405020304" pitchFamily="18" charset="0"/>
+                        <a:ea typeface="Calibri" panose="020F0502020204030204" pitchFamily="34" charset="0"/>
+                        <a:cs typeface="Times New Roman" panose="02020603050405020304" pitchFamily="18" charset="0"/>
+                      </a:endParaRPr>
+                    </a:p>
+                  </a:txBody>
+                  <a:tcPr marL="50410" marR="50410" marT="0" marB="0"/>
+                </a:tc>
+                <a:tc>
+                  <a:txBody>
+                    <a:bodyPr/>
+                    <a:lstStyle/>
+                    <a:p>
+                      <a:pPr algn="ctr">
+                        <a:lnSpc>
+                          <a:spcPct val="107000"/>
+                        </a:lnSpc>
+                        <a:spcAft>
+                          <a:spcPts val="800"/>
+                        </a:spcAft>
+                      </a:pPr>
+                      <a:r>
+                        <a:rPr lang="ru-RU" sz="1000">
+                          <a:effectLst/>
+                          <a:latin typeface="Times New Roman" panose="02020603050405020304" pitchFamily="18" charset="0"/>
+                          <a:cs typeface="Times New Roman" panose="02020603050405020304" pitchFamily="18" charset="0"/>
+                        </a:rPr>
+                        <a:t> </a:t>
+                      </a:r>
+                      <a:endParaRPr lang="ru-RU" sz="1000">
+                        <a:effectLst/>
+                        <a:latin typeface="Times New Roman" panose="02020603050405020304" pitchFamily="18" charset="0"/>
+                        <a:ea typeface="Calibri" panose="020F0502020204030204" pitchFamily="34" charset="0"/>
+                        <a:cs typeface="Times New Roman" panose="02020603050405020304" pitchFamily="18" charset="0"/>
+                      </a:endParaRPr>
+                    </a:p>
+                  </a:txBody>
+                  <a:tcPr marL="50410" marR="50410" marT="0" marB="0"/>
+                </a:tc>
+                <a:tc>
+                  <a:txBody>
+                    <a:bodyPr/>
+                    <a:lstStyle/>
+                    <a:p>
+                      <a:pPr algn="ctr">
+                        <a:lnSpc>
+                          <a:spcPct val="107000"/>
+                        </a:lnSpc>
+                        <a:spcAft>
+                          <a:spcPts val="800"/>
+                        </a:spcAft>
+                      </a:pPr>
+                      <a:r>
+                        <a:rPr lang="ru-RU" sz="1000">
+                          <a:effectLst/>
+                          <a:latin typeface="Times New Roman" panose="02020603050405020304" pitchFamily="18" charset="0"/>
+                          <a:cs typeface="Times New Roman" panose="02020603050405020304" pitchFamily="18" charset="0"/>
+                        </a:rPr>
+                        <a:t>Использование датчика типа DS18B20</a:t>
+                      </a:r>
+                      <a:endParaRPr lang="ru-RU" sz="1000">
+                        <a:effectLst/>
+                        <a:latin typeface="Times New Roman" panose="02020603050405020304" pitchFamily="18" charset="0"/>
+                        <a:ea typeface="Calibri" panose="020F0502020204030204" pitchFamily="34" charset="0"/>
+                        <a:cs typeface="Times New Roman" panose="02020603050405020304" pitchFamily="18" charset="0"/>
+                      </a:endParaRPr>
+                    </a:p>
+                  </a:txBody>
+                  <a:tcPr marL="50410" marR="50410" marT="0" marB="0"/>
+                </a:tc>
+                <a:extLst>
+                  <a:ext uri="{0D108BD9-81ED-4DB2-BD59-A6C34878D82A}">
+                    <a16:rowId xmlns:a16="http://schemas.microsoft.com/office/drawing/2014/main" val="3555070815"/>
+                  </a:ext>
+                </a:extLst>
+              </a:tr>
+              <a:tr h="623455">
+                <a:tc>
+                  <a:txBody>
+                    <a:bodyPr/>
+                    <a:lstStyle/>
+                    <a:p>
+                      <a:pPr algn="ctr">
+                        <a:lnSpc>
+                          <a:spcPct val="107000"/>
+                        </a:lnSpc>
+                        <a:spcAft>
+                          <a:spcPts val="800"/>
+                        </a:spcAft>
+                      </a:pPr>
+                      <a:r>
+                        <a:rPr lang="ru-RU" sz="1000">
+                          <a:effectLst/>
+                          <a:latin typeface="Times New Roman" panose="02020603050405020304" pitchFamily="18" charset="0"/>
+                          <a:cs typeface="Times New Roman" panose="02020603050405020304" pitchFamily="18" charset="0"/>
+                        </a:rPr>
+                        <a:t>Температура в помещении 1</a:t>
+                      </a:r>
+                      <a:endParaRPr lang="ru-RU" sz="1000">
+                        <a:effectLst/>
+                        <a:latin typeface="Times New Roman" panose="02020603050405020304" pitchFamily="18" charset="0"/>
+                        <a:ea typeface="Calibri" panose="020F0502020204030204" pitchFamily="34" charset="0"/>
+                        <a:cs typeface="Times New Roman" panose="02020603050405020304" pitchFamily="18" charset="0"/>
+                      </a:endParaRPr>
+                    </a:p>
+                  </a:txBody>
+                  <a:tcPr marL="50410" marR="50410" marT="0" marB="0"/>
+                </a:tc>
+                <a:tc>
+                  <a:txBody>
+                    <a:bodyPr/>
+                    <a:lstStyle/>
+                    <a:p>
+                      <a:pPr algn="ctr">
+                        <a:lnSpc>
+                          <a:spcPct val="107000"/>
+                        </a:lnSpc>
+                        <a:spcAft>
+                          <a:spcPts val="800"/>
+                        </a:spcAft>
+                      </a:pPr>
+                      <a:r>
+                        <a:rPr lang="ru-RU" sz="1000">
+                          <a:effectLst/>
+                          <a:latin typeface="Times New Roman" panose="02020603050405020304" pitchFamily="18" charset="0"/>
+                          <a:cs typeface="Times New Roman" panose="02020603050405020304" pitchFamily="18" charset="0"/>
+                        </a:rPr>
+                        <a:t>Analog Pin A1</a:t>
+                      </a:r>
+                      <a:endParaRPr lang="ru-RU" sz="1000">
+                        <a:effectLst/>
+                        <a:latin typeface="Times New Roman" panose="02020603050405020304" pitchFamily="18" charset="0"/>
+                        <a:ea typeface="Calibri" panose="020F0502020204030204" pitchFamily="34" charset="0"/>
+                        <a:cs typeface="Times New Roman" panose="02020603050405020304" pitchFamily="18" charset="0"/>
+                      </a:endParaRPr>
+                    </a:p>
+                  </a:txBody>
+                  <a:tcPr marL="50410" marR="50410" marT="0" marB="0"/>
+                </a:tc>
+                <a:tc>
+                  <a:txBody>
+                    <a:bodyPr/>
+                    <a:lstStyle/>
+                    <a:p>
+                      <a:pPr algn="ctr">
+                        <a:lnSpc>
+                          <a:spcPct val="107000"/>
+                        </a:lnSpc>
+                        <a:spcAft>
+                          <a:spcPts val="800"/>
+                        </a:spcAft>
+                      </a:pPr>
+                      <a:r>
+                        <a:rPr lang="ru-RU" sz="1000">
+                          <a:effectLst/>
+                          <a:latin typeface="Times New Roman" panose="02020603050405020304" pitchFamily="18" charset="0"/>
+                          <a:cs typeface="Times New Roman" panose="02020603050405020304" pitchFamily="18" charset="0"/>
+                        </a:rPr>
+                        <a:t> </a:t>
+                      </a:r>
+                      <a:endParaRPr lang="ru-RU" sz="1000">
+                        <a:effectLst/>
+                        <a:latin typeface="Times New Roman" panose="02020603050405020304" pitchFamily="18" charset="0"/>
+                        <a:ea typeface="Calibri" panose="020F0502020204030204" pitchFamily="34" charset="0"/>
+                        <a:cs typeface="Times New Roman" panose="02020603050405020304" pitchFamily="18" charset="0"/>
+                      </a:endParaRPr>
+                    </a:p>
+                  </a:txBody>
+                  <a:tcPr marL="50410" marR="50410" marT="0" marB="0"/>
+                </a:tc>
+                <a:tc>
+                  <a:txBody>
+                    <a:bodyPr/>
+                    <a:lstStyle/>
+                    <a:p>
+                      <a:pPr algn="ctr">
+                        <a:lnSpc>
+                          <a:spcPct val="107000"/>
+                        </a:lnSpc>
+                        <a:spcAft>
+                          <a:spcPts val="800"/>
+                        </a:spcAft>
+                      </a:pPr>
+                      <a:r>
+                        <a:rPr lang="ru-RU" sz="1000">
+                          <a:effectLst/>
+                          <a:latin typeface="Times New Roman" panose="02020603050405020304" pitchFamily="18" charset="0"/>
+                          <a:cs typeface="Times New Roman" panose="02020603050405020304" pitchFamily="18" charset="0"/>
+                        </a:rPr>
+                        <a:t>DS18B20 или аналоговый термометр</a:t>
+                      </a:r>
+                      <a:endParaRPr lang="ru-RU" sz="1000">
+                        <a:effectLst/>
+                        <a:latin typeface="Times New Roman" panose="02020603050405020304" pitchFamily="18" charset="0"/>
+                        <a:ea typeface="Calibri" panose="020F0502020204030204" pitchFamily="34" charset="0"/>
+                        <a:cs typeface="Times New Roman" panose="02020603050405020304" pitchFamily="18" charset="0"/>
+                      </a:endParaRPr>
+                    </a:p>
+                  </a:txBody>
+                  <a:tcPr marL="50410" marR="50410" marT="0" marB="0"/>
+                </a:tc>
+                <a:extLst>
+                  <a:ext uri="{0D108BD9-81ED-4DB2-BD59-A6C34878D82A}">
+                    <a16:rowId xmlns:a16="http://schemas.microsoft.com/office/drawing/2014/main" val="3182912422"/>
+                  </a:ext>
+                </a:extLst>
+              </a:tr>
+              <a:tr h="415636">
+                <a:tc>
+                  <a:txBody>
+                    <a:bodyPr/>
+                    <a:lstStyle/>
+                    <a:p>
+                      <a:pPr algn="ctr">
+                        <a:lnSpc>
+                          <a:spcPct val="107000"/>
+                        </a:lnSpc>
+                        <a:spcAft>
+                          <a:spcPts val="800"/>
+                        </a:spcAft>
+                      </a:pPr>
+                      <a:r>
+                        <a:rPr lang="ru-RU" sz="1000">
+                          <a:effectLst/>
+                          <a:latin typeface="Times New Roman" panose="02020603050405020304" pitchFamily="18" charset="0"/>
+                          <a:cs typeface="Times New Roman" panose="02020603050405020304" pitchFamily="18" charset="0"/>
+                        </a:rPr>
+                        <a:t>Температура в помещении 2</a:t>
+                      </a:r>
+                      <a:endParaRPr lang="ru-RU" sz="1000">
+                        <a:effectLst/>
+                        <a:latin typeface="Times New Roman" panose="02020603050405020304" pitchFamily="18" charset="0"/>
+                        <a:ea typeface="Calibri" panose="020F0502020204030204" pitchFamily="34" charset="0"/>
+                        <a:cs typeface="Times New Roman" panose="02020603050405020304" pitchFamily="18" charset="0"/>
+                      </a:endParaRPr>
+                    </a:p>
+                  </a:txBody>
+                  <a:tcPr marL="50410" marR="50410" marT="0" marB="0"/>
+                </a:tc>
+                <a:tc>
+                  <a:txBody>
+                    <a:bodyPr/>
+                    <a:lstStyle/>
+                    <a:p>
+                      <a:pPr algn="ctr">
+                        <a:lnSpc>
+                          <a:spcPct val="107000"/>
+                        </a:lnSpc>
+                        <a:spcAft>
+                          <a:spcPts val="800"/>
+                        </a:spcAft>
+                      </a:pPr>
+                      <a:r>
+                        <a:rPr lang="ru-RU" sz="1000">
+                          <a:effectLst/>
+                          <a:latin typeface="Times New Roman" panose="02020603050405020304" pitchFamily="18" charset="0"/>
+                          <a:cs typeface="Times New Roman" panose="02020603050405020304" pitchFamily="18" charset="0"/>
+                        </a:rPr>
+                        <a:t>Analog Pin A2</a:t>
+                      </a:r>
+                      <a:endParaRPr lang="ru-RU" sz="1000">
+                        <a:effectLst/>
+                        <a:latin typeface="Times New Roman" panose="02020603050405020304" pitchFamily="18" charset="0"/>
+                        <a:ea typeface="Calibri" panose="020F0502020204030204" pitchFamily="34" charset="0"/>
+                        <a:cs typeface="Times New Roman" panose="02020603050405020304" pitchFamily="18" charset="0"/>
+                      </a:endParaRPr>
+                    </a:p>
+                  </a:txBody>
+                  <a:tcPr marL="50410" marR="50410" marT="0" marB="0"/>
+                </a:tc>
+                <a:tc>
+                  <a:txBody>
+                    <a:bodyPr/>
+                    <a:lstStyle/>
+                    <a:p>
+                      <a:pPr algn="ctr">
+                        <a:lnSpc>
+                          <a:spcPct val="107000"/>
+                        </a:lnSpc>
+                        <a:spcAft>
+                          <a:spcPts val="800"/>
+                        </a:spcAft>
+                      </a:pPr>
+                      <a:r>
+                        <a:rPr lang="ru-RU" sz="1000" dirty="0">
+                          <a:effectLst/>
+                          <a:latin typeface="Times New Roman" panose="02020603050405020304" pitchFamily="18" charset="0"/>
+                          <a:cs typeface="Times New Roman" panose="02020603050405020304" pitchFamily="18" charset="0"/>
+                        </a:rPr>
+                        <a:t> </a:t>
+                      </a:r>
+                      <a:endParaRPr lang="ru-RU" sz="1000" dirty="0">
+                        <a:effectLst/>
+                        <a:latin typeface="Times New Roman" panose="02020603050405020304" pitchFamily="18" charset="0"/>
+                        <a:ea typeface="Calibri" panose="020F0502020204030204" pitchFamily="34" charset="0"/>
+                        <a:cs typeface="Times New Roman" panose="02020603050405020304" pitchFamily="18" charset="0"/>
+                      </a:endParaRPr>
+                    </a:p>
+                  </a:txBody>
+                  <a:tcPr marL="50410" marR="50410" marT="0" marB="0"/>
+                </a:tc>
+                <a:tc>
+                  <a:txBody>
+                    <a:bodyPr/>
+                    <a:lstStyle/>
+                    <a:p>
+                      <a:pPr algn="ctr">
+                        <a:lnSpc>
+                          <a:spcPct val="107000"/>
+                        </a:lnSpc>
+                        <a:spcAft>
+                          <a:spcPts val="800"/>
+                        </a:spcAft>
+                      </a:pPr>
+                      <a:r>
+                        <a:rPr lang="ru-RU" sz="1000">
+                          <a:effectLst/>
+                          <a:latin typeface="Times New Roman" panose="02020603050405020304" pitchFamily="18" charset="0"/>
+                          <a:cs typeface="Times New Roman" panose="02020603050405020304" pitchFamily="18" charset="0"/>
+                        </a:rPr>
+                        <a:t>Использование аналогового датчика</a:t>
+                      </a:r>
+                      <a:endParaRPr lang="ru-RU" sz="1000">
+                        <a:effectLst/>
+                        <a:latin typeface="Times New Roman" panose="02020603050405020304" pitchFamily="18" charset="0"/>
+                        <a:ea typeface="Calibri" panose="020F0502020204030204" pitchFamily="34" charset="0"/>
+                        <a:cs typeface="Times New Roman" panose="02020603050405020304" pitchFamily="18" charset="0"/>
+                      </a:endParaRPr>
+                    </a:p>
+                  </a:txBody>
+                  <a:tcPr marL="50410" marR="50410" marT="0" marB="0"/>
+                </a:tc>
+                <a:extLst>
+                  <a:ext uri="{0D108BD9-81ED-4DB2-BD59-A6C34878D82A}">
+                    <a16:rowId xmlns:a16="http://schemas.microsoft.com/office/drawing/2014/main" val="1189256540"/>
+                  </a:ext>
+                </a:extLst>
+              </a:tr>
+              <a:tr h="415636">
+                <a:tc>
+                  <a:txBody>
+                    <a:bodyPr/>
+                    <a:lstStyle/>
+                    <a:p>
+                      <a:pPr algn="ctr">
+                        <a:lnSpc>
+                          <a:spcPct val="107000"/>
+                        </a:lnSpc>
+                        <a:spcAft>
+                          <a:spcPts val="800"/>
+                        </a:spcAft>
+                      </a:pPr>
+                      <a:r>
+                        <a:rPr lang="ru-RU" sz="1000">
+                          <a:effectLst/>
+                          <a:latin typeface="Times New Roman" panose="02020603050405020304" pitchFamily="18" charset="0"/>
+                          <a:cs typeface="Times New Roman" panose="02020603050405020304" pitchFamily="18" charset="0"/>
+                        </a:rPr>
+                        <a:t>Температура в помещении 3</a:t>
+                      </a:r>
+                      <a:endParaRPr lang="ru-RU" sz="1000">
+                        <a:effectLst/>
+                        <a:latin typeface="Times New Roman" panose="02020603050405020304" pitchFamily="18" charset="0"/>
+                        <a:ea typeface="Calibri" panose="020F0502020204030204" pitchFamily="34" charset="0"/>
+                        <a:cs typeface="Times New Roman" panose="02020603050405020304" pitchFamily="18" charset="0"/>
+                      </a:endParaRPr>
+                    </a:p>
+                  </a:txBody>
+                  <a:tcPr marL="50410" marR="50410" marT="0" marB="0"/>
+                </a:tc>
+                <a:tc>
+                  <a:txBody>
+                    <a:bodyPr/>
+                    <a:lstStyle/>
+                    <a:p>
+                      <a:pPr algn="ctr">
+                        <a:lnSpc>
+                          <a:spcPct val="107000"/>
+                        </a:lnSpc>
+                        <a:spcAft>
+                          <a:spcPts val="800"/>
+                        </a:spcAft>
+                      </a:pPr>
+                      <a:r>
+                        <a:rPr lang="ru-RU" sz="1000">
+                          <a:effectLst/>
+                          <a:latin typeface="Times New Roman" panose="02020603050405020304" pitchFamily="18" charset="0"/>
+                          <a:cs typeface="Times New Roman" panose="02020603050405020304" pitchFamily="18" charset="0"/>
+                        </a:rPr>
+                        <a:t>Analog Pin A3</a:t>
+                      </a:r>
+                      <a:endParaRPr lang="ru-RU" sz="1000">
+                        <a:effectLst/>
+                        <a:latin typeface="Times New Roman" panose="02020603050405020304" pitchFamily="18" charset="0"/>
+                        <a:ea typeface="Calibri" panose="020F0502020204030204" pitchFamily="34" charset="0"/>
+                        <a:cs typeface="Times New Roman" panose="02020603050405020304" pitchFamily="18" charset="0"/>
+                      </a:endParaRPr>
+                    </a:p>
+                  </a:txBody>
+                  <a:tcPr marL="50410" marR="50410" marT="0" marB="0"/>
+                </a:tc>
+                <a:tc>
+                  <a:txBody>
+                    <a:bodyPr/>
+                    <a:lstStyle/>
+                    <a:p>
+                      <a:pPr algn="ctr">
+                        <a:lnSpc>
+                          <a:spcPct val="107000"/>
+                        </a:lnSpc>
+                        <a:spcAft>
+                          <a:spcPts val="800"/>
+                        </a:spcAft>
+                      </a:pPr>
+                      <a:r>
+                        <a:rPr lang="ru-RU" sz="1000">
+                          <a:effectLst/>
+                          <a:latin typeface="Times New Roman" panose="02020603050405020304" pitchFamily="18" charset="0"/>
+                          <a:cs typeface="Times New Roman" panose="02020603050405020304" pitchFamily="18" charset="0"/>
+                        </a:rPr>
+                        <a:t> </a:t>
+                      </a:r>
+                      <a:endParaRPr lang="ru-RU" sz="1000">
+                        <a:effectLst/>
+                        <a:latin typeface="Times New Roman" panose="02020603050405020304" pitchFamily="18" charset="0"/>
+                        <a:ea typeface="Calibri" panose="020F0502020204030204" pitchFamily="34" charset="0"/>
+                        <a:cs typeface="Times New Roman" panose="02020603050405020304" pitchFamily="18" charset="0"/>
+                      </a:endParaRPr>
+                    </a:p>
+                  </a:txBody>
+                  <a:tcPr marL="50410" marR="50410" marT="0" marB="0"/>
+                </a:tc>
+                <a:tc>
+                  <a:txBody>
+                    <a:bodyPr/>
+                    <a:lstStyle/>
+                    <a:p>
+                      <a:pPr algn="ctr">
+                        <a:lnSpc>
+                          <a:spcPct val="107000"/>
+                        </a:lnSpc>
+                        <a:spcAft>
+                          <a:spcPts val="800"/>
+                        </a:spcAft>
+                      </a:pPr>
+                      <a:r>
+                        <a:rPr lang="ru-RU" sz="1000">
+                          <a:effectLst/>
+                          <a:latin typeface="Times New Roman" panose="02020603050405020304" pitchFamily="18" charset="0"/>
+                          <a:cs typeface="Times New Roman" panose="02020603050405020304" pitchFamily="18" charset="0"/>
+                        </a:rPr>
+                        <a:t>Аналоговый датчик</a:t>
+                      </a:r>
+                      <a:endParaRPr lang="ru-RU" sz="1000">
+                        <a:effectLst/>
+                        <a:latin typeface="Times New Roman" panose="02020603050405020304" pitchFamily="18" charset="0"/>
+                        <a:ea typeface="Calibri" panose="020F0502020204030204" pitchFamily="34" charset="0"/>
+                        <a:cs typeface="Times New Roman" panose="02020603050405020304" pitchFamily="18" charset="0"/>
+                      </a:endParaRPr>
+                    </a:p>
+                  </a:txBody>
+                  <a:tcPr marL="50410" marR="50410" marT="0" marB="0"/>
+                </a:tc>
+                <a:extLst>
+                  <a:ext uri="{0D108BD9-81ED-4DB2-BD59-A6C34878D82A}">
+                    <a16:rowId xmlns:a16="http://schemas.microsoft.com/office/drawing/2014/main" val="1289198871"/>
+                  </a:ext>
+                </a:extLst>
+              </a:tr>
+              <a:tr h="623455">
+                <a:tc>
+                  <a:txBody>
+                    <a:bodyPr/>
+                    <a:lstStyle/>
+                    <a:p>
+                      <a:pPr algn="ctr">
+                        <a:lnSpc>
+                          <a:spcPct val="107000"/>
+                        </a:lnSpc>
+                        <a:spcAft>
+                          <a:spcPts val="800"/>
+                        </a:spcAft>
+                      </a:pPr>
+                      <a:r>
+                        <a:rPr lang="ru-RU" sz="1000">
+                          <a:effectLst/>
+                          <a:latin typeface="Times New Roman" panose="02020603050405020304" pitchFamily="18" charset="0"/>
+                          <a:cs typeface="Times New Roman" panose="02020603050405020304" pitchFamily="18" charset="0"/>
+                        </a:rPr>
+                        <a:t>Температура в помещении 4</a:t>
+                      </a:r>
+                      <a:endParaRPr lang="ru-RU" sz="1000">
+                        <a:effectLst/>
+                        <a:latin typeface="Times New Roman" panose="02020603050405020304" pitchFamily="18" charset="0"/>
+                        <a:ea typeface="Calibri" panose="020F0502020204030204" pitchFamily="34" charset="0"/>
+                        <a:cs typeface="Times New Roman" panose="02020603050405020304" pitchFamily="18" charset="0"/>
+                      </a:endParaRPr>
+                    </a:p>
+                  </a:txBody>
+                  <a:tcPr marL="50410" marR="50410" marT="0" marB="0"/>
+                </a:tc>
+                <a:tc>
+                  <a:txBody>
+                    <a:bodyPr/>
+                    <a:lstStyle/>
+                    <a:p>
+                      <a:pPr algn="ctr">
+                        <a:lnSpc>
+                          <a:spcPct val="107000"/>
+                        </a:lnSpc>
+                        <a:spcAft>
+                          <a:spcPts val="800"/>
+                        </a:spcAft>
+                      </a:pPr>
+                      <a:r>
+                        <a:rPr lang="ru-RU" sz="1000">
+                          <a:effectLst/>
+                          <a:latin typeface="Times New Roman" panose="02020603050405020304" pitchFamily="18" charset="0"/>
+                          <a:cs typeface="Times New Roman" panose="02020603050405020304" pitchFamily="18" charset="0"/>
+                        </a:rPr>
+                        <a:t>Analog Pin A4</a:t>
+                      </a:r>
+                      <a:endParaRPr lang="ru-RU" sz="1000">
+                        <a:effectLst/>
+                        <a:latin typeface="Times New Roman" panose="02020603050405020304" pitchFamily="18" charset="0"/>
+                        <a:ea typeface="Calibri" panose="020F0502020204030204" pitchFamily="34" charset="0"/>
+                        <a:cs typeface="Times New Roman" panose="02020603050405020304" pitchFamily="18" charset="0"/>
+                      </a:endParaRPr>
+                    </a:p>
+                  </a:txBody>
+                  <a:tcPr marL="50410" marR="50410" marT="0" marB="0"/>
+                </a:tc>
+                <a:tc>
+                  <a:txBody>
+                    <a:bodyPr/>
+                    <a:lstStyle/>
+                    <a:p>
+                      <a:pPr algn="ctr">
+                        <a:lnSpc>
+                          <a:spcPct val="107000"/>
+                        </a:lnSpc>
+                        <a:spcAft>
+                          <a:spcPts val="800"/>
+                        </a:spcAft>
+                      </a:pPr>
+                      <a:r>
+                        <a:rPr lang="ru-RU" sz="1000" dirty="0">
+                          <a:effectLst/>
+                          <a:latin typeface="Times New Roman" panose="02020603050405020304" pitchFamily="18" charset="0"/>
+                          <a:cs typeface="Times New Roman" panose="02020603050405020304" pitchFamily="18" charset="0"/>
+                        </a:rPr>
+                        <a:t> </a:t>
+                      </a:r>
+                      <a:endParaRPr lang="ru-RU" sz="1000" dirty="0">
+                        <a:effectLst/>
+                        <a:latin typeface="Times New Roman" panose="02020603050405020304" pitchFamily="18" charset="0"/>
+                        <a:ea typeface="Calibri" panose="020F0502020204030204" pitchFamily="34" charset="0"/>
+                        <a:cs typeface="Times New Roman" panose="02020603050405020304" pitchFamily="18" charset="0"/>
+                      </a:endParaRPr>
+                    </a:p>
+                  </a:txBody>
+                  <a:tcPr marL="50410" marR="50410" marT="0" marB="0"/>
+                </a:tc>
+                <a:tc>
+                  <a:txBody>
+                    <a:bodyPr/>
+                    <a:lstStyle/>
+                    <a:p>
+                      <a:pPr algn="ctr">
+                        <a:lnSpc>
+                          <a:spcPct val="107000"/>
+                        </a:lnSpc>
+                        <a:spcAft>
+                          <a:spcPts val="800"/>
+                        </a:spcAft>
+                      </a:pPr>
+                      <a:r>
+                        <a:rPr lang="ru-RU" sz="1000">
+                          <a:effectLst/>
+                          <a:latin typeface="Times New Roman" panose="02020603050405020304" pitchFamily="18" charset="0"/>
+                          <a:cs typeface="Times New Roman" panose="02020603050405020304" pitchFamily="18" charset="0"/>
+                        </a:rPr>
+                        <a:t>Последний датчик температуры в помещении</a:t>
+                      </a:r>
+                      <a:endParaRPr lang="ru-RU" sz="1000">
+                        <a:effectLst/>
+                        <a:latin typeface="Times New Roman" panose="02020603050405020304" pitchFamily="18" charset="0"/>
+                        <a:ea typeface="Calibri" panose="020F0502020204030204" pitchFamily="34" charset="0"/>
+                        <a:cs typeface="Times New Roman" panose="02020603050405020304" pitchFamily="18" charset="0"/>
+                      </a:endParaRPr>
+                    </a:p>
+                  </a:txBody>
+                  <a:tcPr marL="50410" marR="50410" marT="0" marB="0"/>
+                </a:tc>
+                <a:extLst>
+                  <a:ext uri="{0D108BD9-81ED-4DB2-BD59-A6C34878D82A}">
+                    <a16:rowId xmlns:a16="http://schemas.microsoft.com/office/drawing/2014/main" val="1789337114"/>
+                  </a:ext>
+                </a:extLst>
+              </a:tr>
+              <a:tr h="623455">
+                <a:tc>
+                  <a:txBody>
+                    <a:bodyPr/>
+                    <a:lstStyle/>
+                    <a:p>
+                      <a:pPr algn="ctr">
+                        <a:lnSpc>
+                          <a:spcPct val="107000"/>
+                        </a:lnSpc>
+                        <a:spcAft>
+                          <a:spcPts val="800"/>
+                        </a:spcAft>
+                      </a:pPr>
+                      <a:r>
+                        <a:rPr lang="ru-RU" sz="1000">
+                          <a:effectLst/>
+                          <a:latin typeface="Times New Roman" panose="02020603050405020304" pitchFamily="18" charset="0"/>
+                          <a:cs typeface="Times New Roman" panose="02020603050405020304" pitchFamily="18" charset="0"/>
+                        </a:rPr>
+                        <a:t>Температура отопления (подача)</a:t>
+                      </a:r>
+                      <a:endParaRPr lang="ru-RU" sz="1000">
+                        <a:effectLst/>
+                        <a:latin typeface="Times New Roman" panose="02020603050405020304" pitchFamily="18" charset="0"/>
+                        <a:ea typeface="Calibri" panose="020F0502020204030204" pitchFamily="34" charset="0"/>
+                        <a:cs typeface="Times New Roman" panose="02020603050405020304" pitchFamily="18" charset="0"/>
+                      </a:endParaRPr>
+                    </a:p>
+                  </a:txBody>
+                  <a:tcPr marL="50410" marR="50410" marT="0" marB="0"/>
+                </a:tc>
+                <a:tc>
+                  <a:txBody>
+                    <a:bodyPr/>
+                    <a:lstStyle/>
+                    <a:p>
+                      <a:pPr algn="ctr">
+                        <a:lnSpc>
+                          <a:spcPct val="107000"/>
+                        </a:lnSpc>
+                        <a:spcAft>
+                          <a:spcPts val="800"/>
+                        </a:spcAft>
+                      </a:pPr>
+                      <a:r>
+                        <a:rPr lang="ru-RU" sz="1000">
+                          <a:effectLst/>
+                          <a:latin typeface="Times New Roman" panose="02020603050405020304" pitchFamily="18" charset="0"/>
+                          <a:cs typeface="Times New Roman" panose="02020603050405020304" pitchFamily="18" charset="0"/>
+                        </a:rPr>
+                        <a:t>Analog Pin A5</a:t>
+                      </a:r>
+                      <a:endParaRPr lang="ru-RU" sz="1000">
+                        <a:effectLst/>
+                        <a:latin typeface="Times New Roman" panose="02020603050405020304" pitchFamily="18" charset="0"/>
+                        <a:ea typeface="Calibri" panose="020F0502020204030204" pitchFamily="34" charset="0"/>
+                        <a:cs typeface="Times New Roman" panose="02020603050405020304" pitchFamily="18" charset="0"/>
+                      </a:endParaRPr>
+                    </a:p>
+                  </a:txBody>
+                  <a:tcPr marL="50410" marR="50410" marT="0" marB="0"/>
+                </a:tc>
+                <a:tc>
+                  <a:txBody>
+                    <a:bodyPr/>
+                    <a:lstStyle/>
+                    <a:p>
+                      <a:pPr algn="ctr">
+                        <a:lnSpc>
+                          <a:spcPct val="107000"/>
+                        </a:lnSpc>
+                        <a:spcAft>
+                          <a:spcPts val="800"/>
+                        </a:spcAft>
+                      </a:pPr>
+                      <a:r>
+                        <a:rPr lang="ru-RU" sz="1000">
+                          <a:effectLst/>
+                          <a:latin typeface="Times New Roman" panose="02020603050405020304" pitchFamily="18" charset="0"/>
+                          <a:cs typeface="Times New Roman" panose="02020603050405020304" pitchFamily="18" charset="0"/>
+                        </a:rPr>
+                        <a:t> </a:t>
+                      </a:r>
+                      <a:endParaRPr lang="ru-RU" sz="1000">
+                        <a:effectLst/>
+                        <a:latin typeface="Times New Roman" panose="02020603050405020304" pitchFamily="18" charset="0"/>
+                        <a:ea typeface="Calibri" panose="020F0502020204030204" pitchFamily="34" charset="0"/>
+                        <a:cs typeface="Times New Roman" panose="02020603050405020304" pitchFamily="18" charset="0"/>
+                      </a:endParaRPr>
+                    </a:p>
+                  </a:txBody>
+                  <a:tcPr marL="50410" marR="50410" marT="0" marB="0"/>
+                </a:tc>
+                <a:tc>
+                  <a:txBody>
+                    <a:bodyPr/>
+                    <a:lstStyle/>
+                    <a:p>
+                      <a:pPr algn="ctr">
+                        <a:lnSpc>
+                          <a:spcPct val="107000"/>
+                        </a:lnSpc>
+                        <a:spcAft>
+                          <a:spcPts val="800"/>
+                        </a:spcAft>
+                      </a:pPr>
+                      <a:r>
+                        <a:rPr lang="ru-RU" sz="1000">
+                          <a:effectLst/>
+                          <a:latin typeface="Times New Roman" panose="02020603050405020304" pitchFamily="18" charset="0"/>
+                          <a:cs typeface="Times New Roman" panose="02020603050405020304" pitchFamily="18" charset="0"/>
+                        </a:rPr>
+                        <a:t>Считывание температуры подачи в системе</a:t>
+                      </a:r>
+                      <a:endParaRPr lang="ru-RU" sz="1000">
+                        <a:effectLst/>
+                        <a:latin typeface="Times New Roman" panose="02020603050405020304" pitchFamily="18" charset="0"/>
+                        <a:ea typeface="Calibri" panose="020F0502020204030204" pitchFamily="34" charset="0"/>
+                        <a:cs typeface="Times New Roman" panose="02020603050405020304" pitchFamily="18" charset="0"/>
+                      </a:endParaRPr>
+                    </a:p>
+                  </a:txBody>
+                  <a:tcPr marL="50410" marR="50410" marT="0" marB="0"/>
+                </a:tc>
+                <a:extLst>
+                  <a:ext uri="{0D108BD9-81ED-4DB2-BD59-A6C34878D82A}">
+                    <a16:rowId xmlns:a16="http://schemas.microsoft.com/office/drawing/2014/main" val="3692448350"/>
+                  </a:ext>
+                </a:extLst>
+              </a:tr>
+              <a:tr h="415636">
+                <a:tc>
+                  <a:txBody>
+                    <a:bodyPr/>
+                    <a:lstStyle/>
+                    <a:p>
+                      <a:pPr algn="ctr">
+                        <a:lnSpc>
+                          <a:spcPct val="107000"/>
+                        </a:lnSpc>
+                        <a:spcAft>
+                          <a:spcPts val="800"/>
+                        </a:spcAft>
+                      </a:pPr>
+                      <a:r>
+                        <a:rPr lang="ru-RU" sz="1000">
+                          <a:effectLst/>
+                          <a:latin typeface="Times New Roman" panose="02020603050405020304" pitchFamily="18" charset="0"/>
+                          <a:cs typeface="Times New Roman" panose="02020603050405020304" pitchFamily="18" charset="0"/>
+                        </a:rPr>
+                        <a:t>Температура отопления (обратка)</a:t>
+                      </a:r>
+                      <a:endParaRPr lang="ru-RU" sz="1000">
+                        <a:effectLst/>
+                        <a:latin typeface="Times New Roman" panose="02020603050405020304" pitchFamily="18" charset="0"/>
+                        <a:ea typeface="Calibri" panose="020F0502020204030204" pitchFamily="34" charset="0"/>
+                        <a:cs typeface="Times New Roman" panose="02020603050405020304" pitchFamily="18" charset="0"/>
+                      </a:endParaRPr>
+                    </a:p>
+                  </a:txBody>
+                  <a:tcPr marL="50410" marR="50410" marT="0" marB="0"/>
+                </a:tc>
+                <a:tc>
+                  <a:txBody>
+                    <a:bodyPr/>
+                    <a:lstStyle/>
+                    <a:p>
+                      <a:pPr algn="ctr">
+                        <a:lnSpc>
+                          <a:spcPct val="107000"/>
+                        </a:lnSpc>
+                        <a:spcAft>
+                          <a:spcPts val="800"/>
+                        </a:spcAft>
+                      </a:pPr>
+                      <a:r>
+                        <a:rPr lang="ru-RU" sz="1000">
+                          <a:effectLst/>
+                          <a:latin typeface="Times New Roman" panose="02020603050405020304" pitchFamily="18" charset="0"/>
+                          <a:cs typeface="Times New Roman" panose="02020603050405020304" pitchFamily="18" charset="0"/>
+                        </a:rPr>
+                        <a:t>Analog Pin A6</a:t>
+                      </a:r>
+                      <a:endParaRPr lang="ru-RU" sz="1000">
+                        <a:effectLst/>
+                        <a:latin typeface="Times New Roman" panose="02020603050405020304" pitchFamily="18" charset="0"/>
+                        <a:ea typeface="Calibri" panose="020F0502020204030204" pitchFamily="34" charset="0"/>
+                        <a:cs typeface="Times New Roman" panose="02020603050405020304" pitchFamily="18" charset="0"/>
+                      </a:endParaRPr>
+                    </a:p>
+                  </a:txBody>
+                  <a:tcPr marL="50410" marR="50410" marT="0" marB="0"/>
+                </a:tc>
+                <a:tc>
+                  <a:txBody>
+                    <a:bodyPr/>
+                    <a:lstStyle/>
+                    <a:p>
+                      <a:pPr algn="ctr">
+                        <a:lnSpc>
+                          <a:spcPct val="107000"/>
+                        </a:lnSpc>
+                        <a:spcAft>
+                          <a:spcPts val="800"/>
+                        </a:spcAft>
+                      </a:pPr>
+                      <a:r>
+                        <a:rPr lang="ru-RU" sz="1000">
+                          <a:effectLst/>
+                          <a:latin typeface="Times New Roman" panose="02020603050405020304" pitchFamily="18" charset="0"/>
+                          <a:cs typeface="Times New Roman" panose="02020603050405020304" pitchFamily="18" charset="0"/>
+                        </a:rPr>
+                        <a:t> </a:t>
+                      </a:r>
+                      <a:endParaRPr lang="ru-RU" sz="1000">
+                        <a:effectLst/>
+                        <a:latin typeface="Times New Roman" panose="02020603050405020304" pitchFamily="18" charset="0"/>
+                        <a:ea typeface="Calibri" panose="020F0502020204030204" pitchFamily="34" charset="0"/>
+                        <a:cs typeface="Times New Roman" panose="02020603050405020304" pitchFamily="18" charset="0"/>
+                      </a:endParaRPr>
+                    </a:p>
+                  </a:txBody>
+                  <a:tcPr marL="50410" marR="50410" marT="0" marB="0"/>
+                </a:tc>
+                <a:tc>
+                  <a:txBody>
+                    <a:bodyPr/>
+                    <a:lstStyle/>
+                    <a:p>
+                      <a:pPr algn="ctr">
+                        <a:lnSpc>
+                          <a:spcPct val="107000"/>
+                        </a:lnSpc>
+                        <a:spcAft>
+                          <a:spcPts val="800"/>
+                        </a:spcAft>
+                      </a:pPr>
+                      <a:r>
+                        <a:rPr lang="ru-RU" sz="1000">
+                          <a:effectLst/>
+                          <a:latin typeface="Times New Roman" panose="02020603050405020304" pitchFamily="18" charset="0"/>
+                          <a:cs typeface="Times New Roman" panose="02020603050405020304" pitchFamily="18" charset="0"/>
+                        </a:rPr>
+                        <a:t>Считывание температуры обратки</a:t>
+                      </a:r>
+                      <a:endParaRPr lang="ru-RU" sz="1000">
+                        <a:effectLst/>
+                        <a:latin typeface="Times New Roman" panose="02020603050405020304" pitchFamily="18" charset="0"/>
+                        <a:ea typeface="Calibri" panose="020F0502020204030204" pitchFamily="34" charset="0"/>
+                        <a:cs typeface="Times New Roman" panose="02020603050405020304" pitchFamily="18" charset="0"/>
+                      </a:endParaRPr>
+                    </a:p>
+                  </a:txBody>
+                  <a:tcPr marL="50410" marR="50410" marT="0" marB="0"/>
+                </a:tc>
+                <a:extLst>
+                  <a:ext uri="{0D108BD9-81ED-4DB2-BD59-A6C34878D82A}">
+                    <a16:rowId xmlns:a16="http://schemas.microsoft.com/office/drawing/2014/main" val="3476293891"/>
+                  </a:ext>
+                </a:extLst>
+              </a:tr>
+              <a:tr h="415636">
+                <a:tc>
+                  <a:txBody>
+                    <a:bodyPr/>
+                    <a:lstStyle/>
+                    <a:p>
+                      <a:pPr algn="ctr">
+                        <a:lnSpc>
+                          <a:spcPct val="107000"/>
+                        </a:lnSpc>
+                        <a:spcAft>
+                          <a:spcPts val="800"/>
+                        </a:spcAft>
+                      </a:pPr>
+                      <a:r>
+                        <a:rPr lang="ru-RU" sz="1000">
+                          <a:effectLst/>
+                          <a:latin typeface="Times New Roman" panose="02020603050405020304" pitchFamily="18" charset="0"/>
+                          <a:cs typeface="Times New Roman" panose="02020603050405020304" pitchFamily="18" charset="0"/>
+                        </a:rPr>
+                        <a:t>Датчик превышения концентрации газа</a:t>
+                      </a:r>
+                      <a:endParaRPr lang="ru-RU" sz="1000">
+                        <a:effectLst/>
+                        <a:latin typeface="Times New Roman" panose="02020603050405020304" pitchFamily="18" charset="0"/>
+                        <a:ea typeface="Calibri" panose="020F0502020204030204" pitchFamily="34" charset="0"/>
+                        <a:cs typeface="Times New Roman" panose="02020603050405020304" pitchFamily="18" charset="0"/>
+                      </a:endParaRPr>
+                    </a:p>
+                  </a:txBody>
+                  <a:tcPr marL="50410" marR="50410" marT="0" marB="0"/>
+                </a:tc>
+                <a:tc>
+                  <a:txBody>
+                    <a:bodyPr/>
+                    <a:lstStyle/>
+                    <a:p>
+                      <a:pPr algn="ctr">
+                        <a:lnSpc>
+                          <a:spcPct val="107000"/>
+                        </a:lnSpc>
+                        <a:spcAft>
+                          <a:spcPts val="800"/>
+                        </a:spcAft>
+                      </a:pPr>
+                      <a:r>
+                        <a:rPr lang="ru-RU" sz="1000">
+                          <a:effectLst/>
+                          <a:latin typeface="Times New Roman" panose="02020603050405020304" pitchFamily="18" charset="0"/>
+                          <a:cs typeface="Times New Roman" panose="02020603050405020304" pitchFamily="18" charset="0"/>
+                        </a:rPr>
+                        <a:t>Digital Pin 4</a:t>
+                      </a:r>
+                      <a:endParaRPr lang="ru-RU" sz="1000">
+                        <a:effectLst/>
+                        <a:latin typeface="Times New Roman" panose="02020603050405020304" pitchFamily="18" charset="0"/>
+                        <a:ea typeface="Calibri" panose="020F0502020204030204" pitchFamily="34" charset="0"/>
+                        <a:cs typeface="Times New Roman" panose="02020603050405020304" pitchFamily="18" charset="0"/>
+                      </a:endParaRPr>
+                    </a:p>
+                  </a:txBody>
+                  <a:tcPr marL="50410" marR="50410" marT="0" marB="0"/>
+                </a:tc>
+                <a:tc>
+                  <a:txBody>
+                    <a:bodyPr/>
+                    <a:lstStyle/>
+                    <a:p>
+                      <a:pPr algn="ctr">
+                        <a:lnSpc>
+                          <a:spcPct val="107000"/>
+                        </a:lnSpc>
+                        <a:spcAft>
+                          <a:spcPts val="800"/>
+                        </a:spcAft>
+                      </a:pPr>
+                      <a:r>
+                        <a:rPr lang="ru-RU" sz="1000">
+                          <a:effectLst/>
+                          <a:latin typeface="Times New Roman" panose="02020603050405020304" pitchFamily="18" charset="0"/>
+                          <a:cs typeface="Times New Roman" panose="02020603050405020304" pitchFamily="18" charset="0"/>
+                        </a:rPr>
+                        <a:t> </a:t>
+                      </a:r>
+                      <a:endParaRPr lang="ru-RU" sz="1000">
+                        <a:effectLst/>
+                        <a:latin typeface="Times New Roman" panose="02020603050405020304" pitchFamily="18" charset="0"/>
+                        <a:ea typeface="Calibri" panose="020F0502020204030204" pitchFamily="34" charset="0"/>
+                        <a:cs typeface="Times New Roman" panose="02020603050405020304" pitchFamily="18" charset="0"/>
+                      </a:endParaRPr>
+                    </a:p>
+                  </a:txBody>
+                  <a:tcPr marL="50410" marR="50410" marT="0" marB="0"/>
+                </a:tc>
+                <a:tc>
+                  <a:txBody>
+                    <a:bodyPr/>
+                    <a:lstStyle/>
+                    <a:p>
+                      <a:pPr algn="ctr">
+                        <a:lnSpc>
+                          <a:spcPct val="107000"/>
+                        </a:lnSpc>
+                        <a:spcAft>
+                          <a:spcPts val="800"/>
+                        </a:spcAft>
+                      </a:pPr>
+                      <a:r>
+                        <a:rPr lang="ru-RU" sz="1000">
+                          <a:effectLst/>
+                          <a:latin typeface="Times New Roman" panose="02020603050405020304" pitchFamily="18" charset="0"/>
+                          <a:cs typeface="Times New Roman" panose="02020603050405020304" pitchFamily="18" charset="0"/>
+                        </a:rPr>
+                        <a:t>Считывание сигнала от газового датчика</a:t>
+                      </a:r>
+                      <a:endParaRPr lang="ru-RU" sz="1000">
+                        <a:effectLst/>
+                        <a:latin typeface="Times New Roman" panose="02020603050405020304" pitchFamily="18" charset="0"/>
+                        <a:ea typeface="Calibri" panose="020F0502020204030204" pitchFamily="34" charset="0"/>
+                        <a:cs typeface="Times New Roman" panose="02020603050405020304" pitchFamily="18" charset="0"/>
+                      </a:endParaRPr>
+                    </a:p>
+                  </a:txBody>
+                  <a:tcPr marL="50410" marR="50410" marT="0" marB="0"/>
+                </a:tc>
+                <a:extLst>
+                  <a:ext uri="{0D108BD9-81ED-4DB2-BD59-A6C34878D82A}">
+                    <a16:rowId xmlns:a16="http://schemas.microsoft.com/office/drawing/2014/main" val="4211308710"/>
+                  </a:ext>
+                </a:extLst>
+              </a:tr>
+              <a:tr h="415636">
+                <a:tc>
+                  <a:txBody>
+                    <a:bodyPr/>
+                    <a:lstStyle/>
+                    <a:p>
+                      <a:pPr algn="ctr">
+                        <a:lnSpc>
+                          <a:spcPct val="107000"/>
+                        </a:lnSpc>
+                        <a:spcAft>
+                          <a:spcPts val="800"/>
+                        </a:spcAft>
+                      </a:pPr>
+                      <a:r>
+                        <a:rPr lang="ru-RU" sz="1000">
+                          <a:effectLst/>
+                          <a:latin typeface="Times New Roman" panose="02020603050405020304" pitchFamily="18" charset="0"/>
+                          <a:cs typeface="Times New Roman" panose="02020603050405020304" pitchFamily="18" charset="0"/>
+                        </a:rPr>
+                        <a:t>Ошибка газового котла (VR34)</a:t>
+                      </a:r>
+                      <a:endParaRPr lang="ru-RU" sz="1000">
+                        <a:effectLst/>
+                        <a:latin typeface="Times New Roman" panose="02020603050405020304" pitchFamily="18" charset="0"/>
+                        <a:ea typeface="Calibri" panose="020F0502020204030204" pitchFamily="34" charset="0"/>
+                        <a:cs typeface="Times New Roman" panose="02020603050405020304" pitchFamily="18" charset="0"/>
+                      </a:endParaRPr>
+                    </a:p>
+                  </a:txBody>
+                  <a:tcPr marL="50410" marR="50410" marT="0" marB="0"/>
+                </a:tc>
+                <a:tc>
+                  <a:txBody>
+                    <a:bodyPr/>
+                    <a:lstStyle/>
+                    <a:p>
+                      <a:pPr algn="ctr">
+                        <a:lnSpc>
+                          <a:spcPct val="107000"/>
+                        </a:lnSpc>
+                        <a:spcAft>
+                          <a:spcPts val="800"/>
+                        </a:spcAft>
+                      </a:pPr>
+                      <a:r>
+                        <a:rPr lang="ru-RU" sz="1000">
+                          <a:effectLst/>
+                          <a:latin typeface="Times New Roman" panose="02020603050405020304" pitchFamily="18" charset="0"/>
+                          <a:cs typeface="Times New Roman" panose="02020603050405020304" pitchFamily="18" charset="0"/>
+                        </a:rPr>
+                        <a:t>Digital Pin 5</a:t>
+                      </a:r>
+                      <a:endParaRPr lang="ru-RU" sz="1000">
+                        <a:effectLst/>
+                        <a:latin typeface="Times New Roman" panose="02020603050405020304" pitchFamily="18" charset="0"/>
+                        <a:ea typeface="Calibri" panose="020F0502020204030204" pitchFamily="34" charset="0"/>
+                        <a:cs typeface="Times New Roman" panose="02020603050405020304" pitchFamily="18" charset="0"/>
+                      </a:endParaRPr>
+                    </a:p>
+                  </a:txBody>
+                  <a:tcPr marL="50410" marR="50410" marT="0" marB="0"/>
+                </a:tc>
+                <a:tc>
+                  <a:txBody>
+                    <a:bodyPr/>
+                    <a:lstStyle/>
+                    <a:p>
+                      <a:pPr algn="ctr">
+                        <a:lnSpc>
+                          <a:spcPct val="107000"/>
+                        </a:lnSpc>
+                        <a:spcAft>
+                          <a:spcPts val="800"/>
+                        </a:spcAft>
+                      </a:pPr>
+                      <a:r>
+                        <a:rPr lang="ru-RU" sz="1000">
+                          <a:effectLst/>
+                          <a:latin typeface="Times New Roman" panose="02020603050405020304" pitchFamily="18" charset="0"/>
+                          <a:cs typeface="Times New Roman" panose="02020603050405020304" pitchFamily="18" charset="0"/>
+                        </a:rPr>
+                        <a:t> </a:t>
+                      </a:r>
+                      <a:endParaRPr lang="ru-RU" sz="1000">
+                        <a:effectLst/>
+                        <a:latin typeface="Times New Roman" panose="02020603050405020304" pitchFamily="18" charset="0"/>
+                        <a:ea typeface="Calibri" panose="020F0502020204030204" pitchFamily="34" charset="0"/>
+                        <a:cs typeface="Times New Roman" panose="02020603050405020304" pitchFamily="18" charset="0"/>
+                      </a:endParaRPr>
+                    </a:p>
+                  </a:txBody>
+                  <a:tcPr marL="50410" marR="50410" marT="0" marB="0"/>
+                </a:tc>
+                <a:tc>
+                  <a:txBody>
+                    <a:bodyPr/>
+                    <a:lstStyle/>
+                    <a:p>
+                      <a:pPr algn="ctr">
+                        <a:lnSpc>
+                          <a:spcPct val="107000"/>
+                        </a:lnSpc>
+                        <a:spcAft>
+                          <a:spcPts val="800"/>
+                        </a:spcAft>
+                      </a:pPr>
+                      <a:r>
+                        <a:rPr lang="ru-RU" sz="1000">
+                          <a:effectLst/>
+                          <a:latin typeface="Times New Roman" panose="02020603050405020304" pitchFamily="18" charset="0"/>
+                          <a:cs typeface="Times New Roman" panose="02020603050405020304" pitchFamily="18" charset="0"/>
+                        </a:rPr>
+                        <a:t>Получение данных от котла</a:t>
+                      </a:r>
+                      <a:endParaRPr lang="ru-RU" sz="1000">
+                        <a:effectLst/>
+                        <a:latin typeface="Times New Roman" panose="02020603050405020304" pitchFamily="18" charset="0"/>
+                        <a:ea typeface="Calibri" panose="020F0502020204030204" pitchFamily="34" charset="0"/>
+                        <a:cs typeface="Times New Roman" panose="02020603050405020304" pitchFamily="18" charset="0"/>
+                      </a:endParaRPr>
+                    </a:p>
+                  </a:txBody>
+                  <a:tcPr marL="50410" marR="50410" marT="0" marB="0"/>
+                </a:tc>
+                <a:extLst>
+                  <a:ext uri="{0D108BD9-81ED-4DB2-BD59-A6C34878D82A}">
+                    <a16:rowId xmlns:a16="http://schemas.microsoft.com/office/drawing/2014/main" val="2657694772"/>
+                  </a:ext>
+                </a:extLst>
+              </a:tr>
+              <a:tr h="623455">
+                <a:tc>
+                  <a:txBody>
+                    <a:bodyPr/>
+                    <a:lstStyle/>
+                    <a:p>
+                      <a:pPr algn="ctr">
+                        <a:lnSpc>
+                          <a:spcPct val="107000"/>
+                        </a:lnSpc>
+                        <a:spcAft>
+                          <a:spcPts val="800"/>
+                        </a:spcAft>
+                      </a:pPr>
+                      <a:r>
+                        <a:rPr lang="ru-RU" sz="1000">
+                          <a:effectLst/>
+                          <a:latin typeface="Times New Roman" panose="02020603050405020304" pitchFamily="18" charset="0"/>
+                          <a:cs typeface="Times New Roman" panose="02020603050405020304" pitchFamily="18" charset="0"/>
+                        </a:rPr>
+                        <a:t>ИБП</a:t>
+                      </a:r>
+                      <a:endParaRPr lang="ru-RU" sz="1000">
+                        <a:effectLst/>
+                        <a:latin typeface="Times New Roman" panose="02020603050405020304" pitchFamily="18" charset="0"/>
+                        <a:ea typeface="Calibri" panose="020F0502020204030204" pitchFamily="34" charset="0"/>
+                        <a:cs typeface="Times New Roman" panose="02020603050405020304" pitchFamily="18" charset="0"/>
+                      </a:endParaRPr>
+                    </a:p>
+                  </a:txBody>
+                  <a:tcPr marL="50410" marR="50410" marT="0" marB="0"/>
+                </a:tc>
+                <a:tc>
+                  <a:txBody>
+                    <a:bodyPr/>
+                    <a:lstStyle/>
+                    <a:p>
+                      <a:pPr algn="ctr">
+                        <a:lnSpc>
+                          <a:spcPct val="107000"/>
+                        </a:lnSpc>
+                        <a:spcAft>
+                          <a:spcPts val="800"/>
+                        </a:spcAft>
+                      </a:pPr>
+                      <a:r>
+                        <a:rPr lang="ru-RU" sz="1000">
+                          <a:effectLst/>
+                          <a:latin typeface="Times New Roman" panose="02020603050405020304" pitchFamily="18" charset="0"/>
+                          <a:cs typeface="Times New Roman" panose="02020603050405020304" pitchFamily="18" charset="0"/>
+                        </a:rPr>
+                        <a:t> </a:t>
+                      </a:r>
+                      <a:endParaRPr lang="ru-RU" sz="1000">
+                        <a:effectLst/>
+                        <a:latin typeface="Times New Roman" panose="02020603050405020304" pitchFamily="18" charset="0"/>
+                        <a:ea typeface="Calibri" panose="020F0502020204030204" pitchFamily="34" charset="0"/>
+                        <a:cs typeface="Times New Roman" panose="02020603050405020304" pitchFamily="18" charset="0"/>
+                      </a:endParaRPr>
+                    </a:p>
+                  </a:txBody>
+                  <a:tcPr marL="50410" marR="50410" marT="0" marB="0"/>
+                </a:tc>
+                <a:tc>
+                  <a:txBody>
+                    <a:bodyPr/>
+                    <a:lstStyle/>
+                    <a:p>
+                      <a:pPr algn="ctr">
+                        <a:lnSpc>
+                          <a:spcPct val="107000"/>
+                        </a:lnSpc>
+                        <a:spcAft>
+                          <a:spcPts val="800"/>
+                        </a:spcAft>
+                      </a:pPr>
+                      <a:r>
+                        <a:rPr lang="ru-RU" sz="1000" dirty="0">
+                          <a:effectLst/>
+                          <a:latin typeface="Times New Roman" panose="02020603050405020304" pitchFamily="18" charset="0"/>
+                          <a:cs typeface="Times New Roman" panose="02020603050405020304" pitchFamily="18" charset="0"/>
+                        </a:rPr>
+                        <a:t>GPIO </a:t>
+                      </a:r>
+                      <a:r>
+                        <a:rPr lang="ru-RU" sz="1000" dirty="0" err="1">
+                          <a:effectLst/>
+                          <a:latin typeface="Times New Roman" panose="02020603050405020304" pitchFamily="18" charset="0"/>
+                          <a:cs typeface="Times New Roman" panose="02020603050405020304" pitchFamily="18" charset="0"/>
+                        </a:rPr>
+                        <a:t>Pin</a:t>
+                      </a:r>
+                      <a:r>
+                        <a:rPr lang="ru-RU" sz="1000" dirty="0">
+                          <a:effectLst/>
+                          <a:latin typeface="Times New Roman" panose="02020603050405020304" pitchFamily="18" charset="0"/>
+                          <a:cs typeface="Times New Roman" panose="02020603050405020304" pitchFamily="18" charset="0"/>
+                        </a:rPr>
+                        <a:t> (</a:t>
+                      </a:r>
+                      <a:r>
+                        <a:rPr lang="ru-RU" sz="1000" dirty="0" err="1">
+                          <a:effectLst/>
+                          <a:latin typeface="Times New Roman" panose="02020603050405020304" pitchFamily="18" charset="0"/>
+                          <a:cs typeface="Times New Roman" panose="02020603050405020304" pitchFamily="18" charset="0"/>
+                        </a:rPr>
+                        <a:t>Raspberry</a:t>
+                      </a:r>
+                      <a:r>
+                        <a:rPr lang="ru-RU" sz="1000" dirty="0">
+                          <a:effectLst/>
+                          <a:latin typeface="Times New Roman" panose="02020603050405020304" pitchFamily="18" charset="0"/>
+                          <a:cs typeface="Times New Roman" panose="02020603050405020304" pitchFamily="18" charset="0"/>
+                        </a:rPr>
+                        <a:t> </a:t>
+                      </a:r>
+                      <a:r>
+                        <a:rPr lang="ru-RU" sz="1000" dirty="0" err="1">
+                          <a:effectLst/>
+                          <a:latin typeface="Times New Roman" panose="02020603050405020304" pitchFamily="18" charset="0"/>
+                          <a:cs typeface="Times New Roman" panose="02020603050405020304" pitchFamily="18" charset="0"/>
+                        </a:rPr>
+                        <a:t>Pi</a:t>
+                      </a:r>
+                      <a:r>
+                        <a:rPr lang="ru-RU" sz="1000" dirty="0">
+                          <a:effectLst/>
+                          <a:latin typeface="Times New Roman" panose="02020603050405020304" pitchFamily="18" charset="0"/>
+                          <a:cs typeface="Times New Roman" panose="02020603050405020304" pitchFamily="18" charset="0"/>
+                        </a:rPr>
+                        <a:t>)</a:t>
+                      </a:r>
+                      <a:endParaRPr lang="ru-RU" sz="1000" dirty="0">
+                        <a:effectLst/>
+                        <a:latin typeface="Times New Roman" panose="02020603050405020304" pitchFamily="18" charset="0"/>
+                        <a:ea typeface="Calibri" panose="020F0502020204030204" pitchFamily="34" charset="0"/>
+                        <a:cs typeface="Times New Roman" panose="02020603050405020304" pitchFamily="18" charset="0"/>
+                      </a:endParaRPr>
+                    </a:p>
+                  </a:txBody>
+                  <a:tcPr marL="50410" marR="50410" marT="0" marB="0"/>
+                </a:tc>
+                <a:tc>
+                  <a:txBody>
+                    <a:bodyPr/>
+                    <a:lstStyle/>
+                    <a:p>
+                      <a:pPr algn="ctr">
+                        <a:lnSpc>
+                          <a:spcPct val="107000"/>
+                        </a:lnSpc>
+                        <a:spcAft>
+                          <a:spcPts val="800"/>
+                        </a:spcAft>
+                      </a:pPr>
+                      <a:r>
+                        <a:rPr lang="ru-RU" sz="1000" dirty="0">
+                          <a:effectLst/>
+                          <a:latin typeface="Times New Roman" panose="02020603050405020304" pitchFamily="18" charset="0"/>
+                          <a:cs typeface="Times New Roman" panose="02020603050405020304" pitchFamily="18" charset="0"/>
+                        </a:rPr>
+                        <a:t>Мониторинг состояния ИБП через </a:t>
+                      </a:r>
+                      <a:r>
+                        <a:rPr lang="ru-RU" sz="1000" dirty="0" err="1">
+                          <a:effectLst/>
+                          <a:latin typeface="Times New Roman" panose="02020603050405020304" pitchFamily="18" charset="0"/>
+                          <a:cs typeface="Times New Roman" panose="02020603050405020304" pitchFamily="18" charset="0"/>
+                        </a:rPr>
+                        <a:t>Raspberry</a:t>
+                      </a:r>
+                      <a:r>
+                        <a:rPr lang="ru-RU" sz="1000" dirty="0">
+                          <a:effectLst/>
+                          <a:latin typeface="Times New Roman" panose="02020603050405020304" pitchFamily="18" charset="0"/>
+                          <a:cs typeface="Times New Roman" panose="02020603050405020304" pitchFamily="18" charset="0"/>
+                        </a:rPr>
+                        <a:t> </a:t>
+                      </a:r>
+                      <a:r>
+                        <a:rPr lang="ru-RU" sz="1000" dirty="0" err="1">
+                          <a:effectLst/>
+                          <a:latin typeface="Times New Roman" panose="02020603050405020304" pitchFamily="18" charset="0"/>
+                          <a:cs typeface="Times New Roman" panose="02020603050405020304" pitchFamily="18" charset="0"/>
+                        </a:rPr>
+                        <a:t>Pi</a:t>
+                      </a:r>
+                      <a:endParaRPr lang="ru-RU" sz="1000" dirty="0">
+                        <a:effectLst/>
+                        <a:latin typeface="Times New Roman" panose="02020603050405020304" pitchFamily="18" charset="0"/>
+                        <a:ea typeface="Calibri" panose="020F0502020204030204" pitchFamily="34" charset="0"/>
+                        <a:cs typeface="Times New Roman" panose="02020603050405020304" pitchFamily="18" charset="0"/>
+                      </a:endParaRPr>
+                    </a:p>
+                  </a:txBody>
+                  <a:tcPr marL="50410" marR="50410" marT="0" marB="0"/>
+                </a:tc>
+                <a:extLst>
+                  <a:ext uri="{0D108BD9-81ED-4DB2-BD59-A6C34878D82A}">
+                    <a16:rowId xmlns:a16="http://schemas.microsoft.com/office/drawing/2014/main" val="782809266"/>
+                  </a:ext>
+                </a:extLst>
+              </a:tr>
+            </a:tbl>
+          </a:graphicData>
+        </a:graphic>
+      </p:graphicFrame>
       <p:sp>
         <p:nvSpPr>
-          <p:cNvPr id="3" name="Объект 2"/>
-          <p:cNvSpPr>
-            <a:spLocks noGrp="1"/>
-          </p:cNvSpPr>
-          <p:nvPr>
-            <p:ph idx="1"/>
-          </p:nvPr>
+          <p:cNvPr id="6" name="Прямоугольник 5"/>
+          <p:cNvSpPr/>
+          <p:nvPr/>
         </p:nvSpPr>
-        <p:spPr/>
+        <p:spPr>
+          <a:xfrm>
+            <a:off x="6320554" y="5851912"/>
+            <a:ext cx="4990149" cy="369332"/>
+          </a:xfrm>
+          <a:prstGeom prst="rect">
+            <a:avLst/>
+          </a:prstGeom>
+        </p:spPr>
         <p:txBody>
-          <a:bodyPr/>
+          <a:bodyPr wrap="none">
+            <a:spAutoFit/>
+          </a:bodyPr>
           <a:lstStyle/>
           <a:p>
-            <a:endParaRPr lang="ru-RU"/>
+            <a:r>
+              <a:rPr lang="ru-RU" dirty="0" smtClean="0">
+                <a:latin typeface="Times New Roman" panose="02020603050405020304" pitchFamily="18" charset="0"/>
+                <a:ea typeface="Calibri" panose="020F0502020204030204" pitchFamily="34" charset="0"/>
+              </a:rPr>
+              <a:t>Схема </a:t>
+            </a:r>
+            <a:r>
+              <a:rPr lang="ru-RU" dirty="0">
+                <a:latin typeface="Times New Roman" panose="02020603050405020304" pitchFamily="18" charset="0"/>
+                <a:ea typeface="Calibri" panose="020F0502020204030204" pitchFamily="34" charset="0"/>
+              </a:rPr>
+              <a:t>соединений датчиков и модулей к </a:t>
+            </a:r>
+            <a:r>
+              <a:rPr lang="en-US" dirty="0">
+                <a:latin typeface="Times New Roman" panose="02020603050405020304" pitchFamily="18" charset="0"/>
+                <a:ea typeface="Calibri" panose="020F0502020204030204" pitchFamily="34" charset="0"/>
+              </a:rPr>
+              <a:t>Arduino</a:t>
+            </a:r>
+            <a:endParaRPr lang="ru-RU" dirty="0"/>
           </a:p>
         </p:txBody>
       </p:sp>
@@ -4015,6 +8313,13 @@
   <p:clrMapOvr>
     <a:masterClrMapping/>
   </p:clrMapOvr>
+  <p:timing>
+    <p:tnLst>
+      <p:par>
+        <p:cTn id="1" dur="indefinite" restart="never" nodeType="tmRoot"/>
+      </p:par>
+    </p:tnLst>
+  </p:timing>
 </p:sld>
 </file>
 
@@ -4045,31 +8350,499 @@
             <p:ph type="title"/>
           </p:nvPr>
         </p:nvSpPr>
-        <p:spPr/>
+        <p:spPr>
+          <a:xfrm>
+            <a:off x="3724275" y="182563"/>
+            <a:ext cx="4743450" cy="962025"/>
+          </a:xfrm>
+        </p:spPr>
         <p:txBody>
-          <a:bodyPr/>
+          <a:bodyPr>
+            <a:normAutofit/>
+          </a:bodyPr>
           <a:lstStyle/>
           <a:p>
-            <a:endParaRPr lang="ru-RU"/>
+            <a:r>
+              <a:rPr lang="ru-RU" b="1" dirty="0"/>
+              <a:t>Схема соединений</a:t>
+            </a:r>
+            <a:endParaRPr lang="ru-RU" b="1" dirty="0"/>
+          </a:p>
+        </p:txBody>
+      </p:sp>
+      <p:pic>
+        <p:nvPicPr>
+          <p:cNvPr id="4" name="Рисунок 3"/>
+          <p:cNvPicPr/>
+          <p:nvPr/>
+        </p:nvPicPr>
+        <p:blipFill>
+          <a:blip r:embed="rId2"/>
+          <a:stretch>
+            <a:fillRect/>
+          </a:stretch>
+        </p:blipFill>
+        <p:spPr>
+          <a:xfrm>
+            <a:off x="5440680" y="1470660"/>
+            <a:ext cx="6751320" cy="4701540"/>
+          </a:xfrm>
+          <a:prstGeom prst="rect">
+            <a:avLst/>
+          </a:prstGeom>
+          <a:ln>
+            <a:solidFill>
+              <a:schemeClr val="tx1"/>
+            </a:solidFill>
+          </a:ln>
+        </p:spPr>
+      </p:pic>
+      <p:sp>
+        <p:nvSpPr>
+          <p:cNvPr id="5" name="Прямоугольник 4"/>
+          <p:cNvSpPr/>
+          <p:nvPr/>
+        </p:nvSpPr>
+        <p:spPr>
+          <a:xfrm>
+            <a:off x="5629275" y="6172200"/>
+            <a:ext cx="6410325" cy="369332"/>
+          </a:xfrm>
+          <a:prstGeom prst="rect">
+            <a:avLst/>
+          </a:prstGeom>
+        </p:spPr>
+        <p:txBody>
+          <a:bodyPr wrap="square">
+            <a:spAutoFit/>
+          </a:bodyPr>
+          <a:lstStyle/>
+          <a:p>
+            <a:r>
+              <a:rPr lang="ru-RU" dirty="0" smtClean="0">
+                <a:latin typeface="Times New Roman" panose="02020603050405020304" pitchFamily="18" charset="0"/>
+                <a:ea typeface="Calibri" panose="020F0502020204030204" pitchFamily="34" charset="0"/>
+              </a:rPr>
+              <a:t>Схема </a:t>
+            </a:r>
+            <a:r>
+              <a:rPr lang="ru-RU" dirty="0">
+                <a:latin typeface="Times New Roman" panose="02020603050405020304" pitchFamily="18" charset="0"/>
+                <a:ea typeface="Calibri" panose="020F0502020204030204" pitchFamily="34" charset="0"/>
+              </a:rPr>
+              <a:t>соединений датчиков и модулей </a:t>
+            </a:r>
+            <a:r>
+              <a:rPr lang="en-US" dirty="0">
+                <a:latin typeface="Times New Roman" panose="02020603050405020304" pitchFamily="18" charset="0"/>
+                <a:ea typeface="Calibri" panose="020F0502020204030204" pitchFamily="34" charset="0"/>
+              </a:rPr>
+              <a:t>Arduino</a:t>
+            </a:r>
+            <a:r>
+              <a:rPr lang="ru-RU" dirty="0">
+                <a:latin typeface="Times New Roman" panose="02020603050405020304" pitchFamily="18" charset="0"/>
+                <a:ea typeface="Calibri" panose="020F0502020204030204" pitchFamily="34" charset="0"/>
+              </a:rPr>
+              <a:t> к </a:t>
+            </a:r>
+            <a:r>
+              <a:rPr lang="ru-RU" dirty="0" err="1">
+                <a:latin typeface="Times New Roman" panose="02020603050405020304" pitchFamily="18" charset="0"/>
+                <a:ea typeface="Calibri" panose="020F0502020204030204" pitchFamily="34" charset="0"/>
+              </a:rPr>
+              <a:t>Raspberry</a:t>
+            </a:r>
+            <a:r>
+              <a:rPr lang="ru-RU" dirty="0">
+                <a:latin typeface="Times New Roman" panose="02020603050405020304" pitchFamily="18" charset="0"/>
+                <a:ea typeface="Calibri" panose="020F0502020204030204" pitchFamily="34" charset="0"/>
+              </a:rPr>
+              <a:t> </a:t>
+            </a:r>
+            <a:r>
+              <a:rPr lang="ru-RU" dirty="0" err="1">
+                <a:latin typeface="Times New Roman" panose="02020603050405020304" pitchFamily="18" charset="0"/>
+                <a:ea typeface="Calibri" panose="020F0502020204030204" pitchFamily="34" charset="0"/>
+              </a:rPr>
+              <a:t>Pi</a:t>
+            </a:r>
+            <a:endParaRPr lang="ru-RU" dirty="0"/>
           </a:p>
         </p:txBody>
       </p:sp>
       <p:sp>
         <p:nvSpPr>
-          <p:cNvPr id="3" name="Объект 2"/>
-          <p:cNvSpPr>
-            <a:spLocks noGrp="1"/>
-          </p:cNvSpPr>
-          <p:nvPr>
-            <p:ph idx="1"/>
-          </p:nvPr>
+          <p:cNvPr id="6" name="Прямоугольник 5"/>
+          <p:cNvSpPr/>
+          <p:nvPr/>
         </p:nvSpPr>
-        <p:spPr/>
+        <p:spPr>
+          <a:xfrm>
+            <a:off x="-1" y="1281493"/>
+            <a:ext cx="5057775" cy="2771015"/>
+          </a:xfrm>
+          <a:prstGeom prst="rect">
+            <a:avLst/>
+          </a:prstGeom>
+        </p:spPr>
         <p:txBody>
-          <a:bodyPr/>
+          <a:bodyPr wrap="square">
+            <a:spAutoFit/>
+          </a:bodyPr>
           <a:lstStyle/>
           <a:p>
-            <a:endParaRPr lang="ru-RU"/>
+            <a:pPr marL="342900" lvl="0" indent="-342900" algn="just">
+              <a:lnSpc>
+                <a:spcPct val="107000"/>
+              </a:lnSpc>
+              <a:spcAft>
+                <a:spcPts val="800"/>
+              </a:spcAft>
+              <a:buFont typeface="+mj-lt"/>
+              <a:buAutoNum type="arabicPeriod"/>
+              <a:tabLst>
+                <a:tab pos="457200" algn="l"/>
+              </a:tabLst>
+            </a:pPr>
+            <a:r>
+              <a:rPr lang="ru-RU" dirty="0">
+                <a:latin typeface="Times New Roman" panose="02020603050405020304" pitchFamily="18" charset="0"/>
+                <a:ea typeface="Calibri" panose="020F0502020204030204" pitchFamily="34" charset="0"/>
+                <a:cs typeface="Times New Roman" panose="02020603050405020304" pitchFamily="18" charset="0"/>
+              </a:rPr>
+              <a:t>Используем </a:t>
+            </a:r>
+            <a:r>
+              <a:rPr lang="ru-RU" b="1" dirty="0">
+                <a:latin typeface="Times New Roman" panose="02020603050405020304" pitchFamily="18" charset="0"/>
+                <a:ea typeface="Calibri" panose="020F0502020204030204" pitchFamily="34" charset="0"/>
+                <a:cs typeface="Times New Roman" panose="02020603050405020304" pitchFamily="18" charset="0"/>
+              </a:rPr>
+              <a:t>I2C</a:t>
+            </a:r>
+            <a:r>
+              <a:rPr lang="ru-RU" dirty="0">
+                <a:latin typeface="Times New Roman" panose="02020603050405020304" pitchFamily="18" charset="0"/>
+                <a:ea typeface="Calibri" panose="020F0502020204030204" pitchFamily="34" charset="0"/>
+                <a:cs typeface="Times New Roman" panose="02020603050405020304" pitchFamily="18" charset="0"/>
+              </a:rPr>
+              <a:t> интерфейс для связи между </a:t>
+            </a:r>
+            <a:r>
+              <a:rPr lang="ru-RU" b="1" dirty="0" err="1">
+                <a:latin typeface="Times New Roman" panose="02020603050405020304" pitchFamily="18" charset="0"/>
+                <a:ea typeface="Calibri" panose="020F0502020204030204" pitchFamily="34" charset="0"/>
+                <a:cs typeface="Times New Roman" panose="02020603050405020304" pitchFamily="18" charset="0"/>
+              </a:rPr>
+              <a:t>Arduino</a:t>
+            </a:r>
+            <a:r>
+              <a:rPr lang="ru-RU" dirty="0">
+                <a:latin typeface="Times New Roman" panose="02020603050405020304" pitchFamily="18" charset="0"/>
+                <a:ea typeface="Calibri" panose="020F0502020204030204" pitchFamily="34" charset="0"/>
+                <a:cs typeface="Times New Roman" panose="02020603050405020304" pitchFamily="18" charset="0"/>
+              </a:rPr>
+              <a:t> и </a:t>
+            </a:r>
+            <a:r>
+              <a:rPr lang="ru-RU" b="1" dirty="0" err="1">
+                <a:latin typeface="Times New Roman" panose="02020603050405020304" pitchFamily="18" charset="0"/>
+                <a:ea typeface="Calibri" panose="020F0502020204030204" pitchFamily="34" charset="0"/>
+                <a:cs typeface="Times New Roman" panose="02020603050405020304" pitchFamily="18" charset="0"/>
+              </a:rPr>
+              <a:t>Raspberry</a:t>
+            </a:r>
+            <a:r>
+              <a:rPr lang="ru-RU" b="1" dirty="0">
+                <a:latin typeface="Times New Roman" panose="02020603050405020304" pitchFamily="18" charset="0"/>
+                <a:ea typeface="Calibri" panose="020F0502020204030204" pitchFamily="34" charset="0"/>
+                <a:cs typeface="Times New Roman" panose="02020603050405020304" pitchFamily="18" charset="0"/>
+              </a:rPr>
+              <a:t> </a:t>
+            </a:r>
+            <a:r>
+              <a:rPr lang="ru-RU" b="1" dirty="0" err="1">
+                <a:latin typeface="Times New Roman" panose="02020603050405020304" pitchFamily="18" charset="0"/>
+                <a:ea typeface="Calibri" panose="020F0502020204030204" pitchFamily="34" charset="0"/>
+                <a:cs typeface="Times New Roman" panose="02020603050405020304" pitchFamily="18" charset="0"/>
+              </a:rPr>
+              <a:t>Pi</a:t>
+            </a:r>
+            <a:r>
+              <a:rPr lang="ru-RU" dirty="0">
+                <a:latin typeface="Times New Roman" panose="02020603050405020304" pitchFamily="18" charset="0"/>
+                <a:ea typeface="Calibri" panose="020F0502020204030204" pitchFamily="34" charset="0"/>
+                <a:cs typeface="Times New Roman" panose="02020603050405020304" pitchFamily="18" charset="0"/>
+              </a:rPr>
+              <a:t>.</a:t>
+            </a:r>
+            <a:endParaRPr lang="ru-RU" sz="1400" dirty="0">
+              <a:latin typeface="Calibri" panose="020F0502020204030204" pitchFamily="34" charset="0"/>
+              <a:ea typeface="Calibri" panose="020F0502020204030204" pitchFamily="34" charset="0"/>
+              <a:cs typeface="Times New Roman" panose="02020603050405020304" pitchFamily="18" charset="0"/>
+            </a:endParaRPr>
+          </a:p>
+          <a:p>
+            <a:pPr marL="342900" lvl="0" indent="-342900" algn="just">
+              <a:lnSpc>
+                <a:spcPct val="107000"/>
+              </a:lnSpc>
+              <a:spcAft>
+                <a:spcPts val="800"/>
+              </a:spcAft>
+              <a:buFont typeface="+mj-lt"/>
+              <a:buAutoNum type="arabicPeriod"/>
+              <a:tabLst>
+                <a:tab pos="457200" algn="l"/>
+              </a:tabLst>
+            </a:pPr>
+            <a:r>
+              <a:rPr lang="ru-RU" b="1" dirty="0">
+                <a:latin typeface="Calibri" panose="020F0502020204030204" pitchFamily="34" charset="0"/>
+                <a:ea typeface="Calibri" panose="020F0502020204030204" pitchFamily="34" charset="0"/>
+                <a:cs typeface="Times New Roman" panose="02020603050405020304" pitchFamily="18" charset="0"/>
+              </a:rPr>
+              <a:t>SDA (A4)</a:t>
+            </a:r>
+            <a:r>
+              <a:rPr lang="ru-RU" dirty="0">
+                <a:latin typeface="Times New Roman" panose="02020603050405020304" pitchFamily="18" charset="0"/>
+                <a:ea typeface="Calibri" panose="020F0502020204030204" pitchFamily="34" charset="0"/>
+                <a:cs typeface="Times New Roman" panose="02020603050405020304" pitchFamily="18" charset="0"/>
+              </a:rPr>
+              <a:t> на </a:t>
+            </a:r>
+            <a:r>
+              <a:rPr lang="ru-RU" dirty="0" err="1">
+                <a:latin typeface="Times New Roman" panose="02020603050405020304" pitchFamily="18" charset="0"/>
+                <a:ea typeface="Calibri" panose="020F0502020204030204" pitchFamily="34" charset="0"/>
+                <a:cs typeface="Times New Roman" panose="02020603050405020304" pitchFamily="18" charset="0"/>
+              </a:rPr>
+              <a:t>Arduino</a:t>
+            </a:r>
+            <a:r>
+              <a:rPr lang="ru-RU" dirty="0">
+                <a:latin typeface="Times New Roman" panose="02020603050405020304" pitchFamily="18" charset="0"/>
+                <a:ea typeface="Calibri" panose="020F0502020204030204" pitchFamily="34" charset="0"/>
+                <a:cs typeface="Times New Roman" panose="02020603050405020304" pitchFamily="18" charset="0"/>
+              </a:rPr>
+              <a:t> подключаем к </a:t>
+            </a:r>
+            <a:r>
+              <a:rPr lang="ru-RU" b="1" dirty="0">
+                <a:latin typeface="Times New Roman" panose="02020603050405020304" pitchFamily="18" charset="0"/>
+                <a:ea typeface="Calibri" panose="020F0502020204030204" pitchFamily="34" charset="0"/>
+                <a:cs typeface="Times New Roman" panose="02020603050405020304" pitchFamily="18" charset="0"/>
+              </a:rPr>
+              <a:t>GPIO 2 (SDA)</a:t>
+            </a:r>
+            <a:r>
+              <a:rPr lang="ru-RU" dirty="0">
+                <a:latin typeface="Times New Roman" panose="02020603050405020304" pitchFamily="18" charset="0"/>
+                <a:ea typeface="Calibri" panose="020F0502020204030204" pitchFamily="34" charset="0"/>
+                <a:cs typeface="Times New Roman" panose="02020603050405020304" pitchFamily="18" charset="0"/>
+              </a:rPr>
+              <a:t> на </a:t>
+            </a:r>
+            <a:r>
+              <a:rPr lang="ru-RU" dirty="0" err="1">
+                <a:latin typeface="Times New Roman" panose="02020603050405020304" pitchFamily="18" charset="0"/>
+                <a:ea typeface="Calibri" panose="020F0502020204030204" pitchFamily="34" charset="0"/>
+                <a:cs typeface="Times New Roman" panose="02020603050405020304" pitchFamily="18" charset="0"/>
+              </a:rPr>
+              <a:t>Raspberry</a:t>
+            </a:r>
+            <a:r>
+              <a:rPr lang="ru-RU" dirty="0">
+                <a:latin typeface="Times New Roman" panose="02020603050405020304" pitchFamily="18" charset="0"/>
+                <a:ea typeface="Calibri" panose="020F0502020204030204" pitchFamily="34" charset="0"/>
+                <a:cs typeface="Times New Roman" panose="02020603050405020304" pitchFamily="18" charset="0"/>
+              </a:rPr>
+              <a:t> </a:t>
+            </a:r>
+            <a:r>
+              <a:rPr lang="ru-RU" dirty="0" err="1">
+                <a:latin typeface="Times New Roman" panose="02020603050405020304" pitchFamily="18" charset="0"/>
+                <a:ea typeface="Calibri" panose="020F0502020204030204" pitchFamily="34" charset="0"/>
+                <a:cs typeface="Times New Roman" panose="02020603050405020304" pitchFamily="18" charset="0"/>
+              </a:rPr>
+              <a:t>Pi</a:t>
+            </a:r>
+            <a:r>
+              <a:rPr lang="ru-RU" dirty="0">
+                <a:latin typeface="Times New Roman" panose="02020603050405020304" pitchFamily="18" charset="0"/>
+                <a:ea typeface="Calibri" panose="020F0502020204030204" pitchFamily="34" charset="0"/>
+                <a:cs typeface="Times New Roman" panose="02020603050405020304" pitchFamily="18" charset="0"/>
+              </a:rPr>
+              <a:t>.</a:t>
+            </a:r>
+            <a:endParaRPr lang="ru-RU" sz="1400" dirty="0">
+              <a:latin typeface="Calibri" panose="020F0502020204030204" pitchFamily="34" charset="0"/>
+              <a:ea typeface="Calibri" panose="020F0502020204030204" pitchFamily="34" charset="0"/>
+              <a:cs typeface="Times New Roman" panose="02020603050405020304" pitchFamily="18" charset="0"/>
+            </a:endParaRPr>
+          </a:p>
+          <a:p>
+            <a:pPr marL="342900" lvl="0" indent="-342900" algn="just">
+              <a:lnSpc>
+                <a:spcPct val="107000"/>
+              </a:lnSpc>
+              <a:spcAft>
+                <a:spcPts val="800"/>
+              </a:spcAft>
+              <a:buFont typeface="+mj-lt"/>
+              <a:buAutoNum type="arabicPeriod"/>
+              <a:tabLst>
+                <a:tab pos="457200" algn="l"/>
+              </a:tabLst>
+            </a:pPr>
+            <a:r>
+              <a:rPr lang="ru-RU" b="1" dirty="0">
+                <a:latin typeface="Calibri" panose="020F0502020204030204" pitchFamily="34" charset="0"/>
+                <a:ea typeface="Calibri" panose="020F0502020204030204" pitchFamily="34" charset="0"/>
+                <a:cs typeface="Times New Roman" panose="02020603050405020304" pitchFamily="18" charset="0"/>
+              </a:rPr>
+              <a:t>SCL (A5)</a:t>
+            </a:r>
+            <a:r>
+              <a:rPr lang="ru-RU" dirty="0">
+                <a:latin typeface="Times New Roman" panose="02020603050405020304" pitchFamily="18" charset="0"/>
+                <a:ea typeface="Calibri" panose="020F0502020204030204" pitchFamily="34" charset="0"/>
+                <a:cs typeface="Times New Roman" panose="02020603050405020304" pitchFamily="18" charset="0"/>
+              </a:rPr>
+              <a:t> на </a:t>
+            </a:r>
+            <a:r>
+              <a:rPr lang="ru-RU" dirty="0" err="1">
+                <a:latin typeface="Times New Roman" panose="02020603050405020304" pitchFamily="18" charset="0"/>
+                <a:ea typeface="Calibri" panose="020F0502020204030204" pitchFamily="34" charset="0"/>
+                <a:cs typeface="Times New Roman" panose="02020603050405020304" pitchFamily="18" charset="0"/>
+              </a:rPr>
+              <a:t>Arduino</a:t>
+            </a:r>
+            <a:r>
+              <a:rPr lang="ru-RU" dirty="0">
+                <a:latin typeface="Times New Roman" panose="02020603050405020304" pitchFamily="18" charset="0"/>
+                <a:ea typeface="Calibri" panose="020F0502020204030204" pitchFamily="34" charset="0"/>
+                <a:cs typeface="Times New Roman" panose="02020603050405020304" pitchFamily="18" charset="0"/>
+              </a:rPr>
+              <a:t> подключаем к </a:t>
+            </a:r>
+            <a:r>
+              <a:rPr lang="ru-RU" b="1" dirty="0">
+                <a:latin typeface="Times New Roman" panose="02020603050405020304" pitchFamily="18" charset="0"/>
+                <a:ea typeface="Calibri" panose="020F0502020204030204" pitchFamily="34" charset="0"/>
+                <a:cs typeface="Times New Roman" panose="02020603050405020304" pitchFamily="18" charset="0"/>
+              </a:rPr>
+              <a:t>GPIO 3 (SCL)</a:t>
+            </a:r>
+            <a:r>
+              <a:rPr lang="ru-RU" dirty="0">
+                <a:latin typeface="Times New Roman" panose="02020603050405020304" pitchFamily="18" charset="0"/>
+                <a:ea typeface="Calibri" panose="020F0502020204030204" pitchFamily="34" charset="0"/>
+                <a:cs typeface="Times New Roman" panose="02020603050405020304" pitchFamily="18" charset="0"/>
+              </a:rPr>
+              <a:t> на </a:t>
+            </a:r>
+            <a:r>
+              <a:rPr lang="ru-RU" dirty="0" err="1">
+                <a:latin typeface="Times New Roman" panose="02020603050405020304" pitchFamily="18" charset="0"/>
+                <a:ea typeface="Calibri" panose="020F0502020204030204" pitchFamily="34" charset="0"/>
+                <a:cs typeface="Times New Roman" panose="02020603050405020304" pitchFamily="18" charset="0"/>
+              </a:rPr>
+              <a:t>Raspberry</a:t>
+            </a:r>
+            <a:r>
+              <a:rPr lang="ru-RU" dirty="0">
+                <a:latin typeface="Times New Roman" panose="02020603050405020304" pitchFamily="18" charset="0"/>
+                <a:ea typeface="Calibri" panose="020F0502020204030204" pitchFamily="34" charset="0"/>
+                <a:cs typeface="Times New Roman" panose="02020603050405020304" pitchFamily="18" charset="0"/>
+              </a:rPr>
+              <a:t> </a:t>
+            </a:r>
+            <a:r>
+              <a:rPr lang="ru-RU" dirty="0" err="1">
+                <a:latin typeface="Times New Roman" panose="02020603050405020304" pitchFamily="18" charset="0"/>
+                <a:ea typeface="Calibri" panose="020F0502020204030204" pitchFamily="34" charset="0"/>
+                <a:cs typeface="Times New Roman" panose="02020603050405020304" pitchFamily="18" charset="0"/>
+              </a:rPr>
+              <a:t>Pi</a:t>
+            </a:r>
+            <a:r>
+              <a:rPr lang="ru-RU" dirty="0">
+                <a:latin typeface="Times New Roman" panose="02020603050405020304" pitchFamily="18" charset="0"/>
+                <a:ea typeface="Calibri" panose="020F0502020204030204" pitchFamily="34" charset="0"/>
+                <a:cs typeface="Times New Roman" panose="02020603050405020304" pitchFamily="18" charset="0"/>
+              </a:rPr>
+              <a:t>.</a:t>
+            </a:r>
+            <a:endParaRPr lang="ru-RU" sz="1400" dirty="0">
+              <a:latin typeface="Calibri" panose="020F0502020204030204" pitchFamily="34" charset="0"/>
+              <a:ea typeface="Calibri" panose="020F0502020204030204" pitchFamily="34" charset="0"/>
+              <a:cs typeface="Times New Roman" panose="02020603050405020304" pitchFamily="18" charset="0"/>
+            </a:endParaRPr>
+          </a:p>
+          <a:p>
+            <a:pPr marL="342900" lvl="0" indent="-342900" algn="just">
+              <a:lnSpc>
+                <a:spcPct val="107000"/>
+              </a:lnSpc>
+              <a:spcAft>
+                <a:spcPts val="800"/>
+              </a:spcAft>
+              <a:buFont typeface="+mj-lt"/>
+              <a:buAutoNum type="arabicPeriod"/>
+              <a:tabLst>
+                <a:tab pos="457200" algn="l"/>
+              </a:tabLst>
+            </a:pPr>
+            <a:r>
+              <a:rPr lang="ru-RU" dirty="0">
+                <a:latin typeface="Times New Roman" panose="02020603050405020304" pitchFamily="18" charset="0"/>
+                <a:ea typeface="Calibri" panose="020F0502020204030204" pitchFamily="34" charset="0"/>
+                <a:cs typeface="Times New Roman" panose="02020603050405020304" pitchFamily="18" charset="0"/>
+              </a:rPr>
+              <a:t>Общий </a:t>
+            </a:r>
+            <a:r>
+              <a:rPr lang="ru-RU" b="1" dirty="0">
+                <a:latin typeface="Times New Roman" panose="02020603050405020304" pitchFamily="18" charset="0"/>
+                <a:ea typeface="Calibri" panose="020F0502020204030204" pitchFamily="34" charset="0"/>
+                <a:cs typeface="Times New Roman" panose="02020603050405020304" pitchFamily="18" charset="0"/>
+              </a:rPr>
+              <a:t>GND</a:t>
+            </a:r>
+            <a:r>
+              <a:rPr lang="ru-RU" dirty="0">
+                <a:latin typeface="Times New Roman" panose="02020603050405020304" pitchFamily="18" charset="0"/>
+                <a:ea typeface="Calibri" panose="020F0502020204030204" pitchFamily="34" charset="0"/>
+                <a:cs typeface="Times New Roman" panose="02020603050405020304" pitchFamily="18" charset="0"/>
+              </a:rPr>
+              <a:t> между платами — подключаем </a:t>
+            </a:r>
+            <a:r>
+              <a:rPr lang="ru-RU" b="1" dirty="0">
+                <a:latin typeface="Times New Roman" panose="02020603050405020304" pitchFamily="18" charset="0"/>
+                <a:ea typeface="Calibri" panose="020F0502020204030204" pitchFamily="34" charset="0"/>
+                <a:cs typeface="Times New Roman" panose="02020603050405020304" pitchFamily="18" charset="0"/>
+              </a:rPr>
+              <a:t>GND</a:t>
+            </a:r>
+            <a:r>
+              <a:rPr lang="ru-RU" dirty="0">
+                <a:latin typeface="Times New Roman" panose="02020603050405020304" pitchFamily="18" charset="0"/>
+                <a:ea typeface="Calibri" panose="020F0502020204030204" pitchFamily="34" charset="0"/>
+                <a:cs typeface="Times New Roman" panose="02020603050405020304" pitchFamily="18" charset="0"/>
+              </a:rPr>
+              <a:t> на обеих платах.</a:t>
+            </a:r>
+            <a:endParaRPr lang="ru-RU" sz="1400" dirty="0">
+              <a:effectLst/>
+              <a:latin typeface="Calibri" panose="020F0502020204030204" pitchFamily="34" charset="0"/>
+              <a:ea typeface="Calibri" panose="020F0502020204030204" pitchFamily="34" charset="0"/>
+              <a:cs typeface="Times New Roman" panose="02020603050405020304" pitchFamily="18" charset="0"/>
+            </a:endParaRPr>
           </a:p>
         </p:txBody>
       </p:sp>
@@ -4113,12 +8886,51 @@
             <p:ph type="title"/>
           </p:nvPr>
         </p:nvSpPr>
-        <p:spPr/>
+        <p:spPr>
+          <a:xfrm>
+            <a:off x="730346" y="41568"/>
+            <a:ext cx="11030243" cy="1325563"/>
+          </a:xfrm>
+        </p:spPr>
         <p:txBody>
-          <a:bodyPr/>
+          <a:bodyPr>
+            <a:normAutofit/>
+          </a:bodyPr>
           <a:lstStyle/>
           <a:p>
-            <a:endParaRPr lang="ru-RU"/>
+            <a:r>
+              <a:rPr lang="ru-RU" b="1" dirty="0" smtClean="0"/>
+              <a:t>Шаги реализации </a:t>
+            </a:r>
+            <a:r>
+              <a:rPr lang="ru-RU" b="1" dirty="0"/>
+              <a:t>передачи данных с </a:t>
+            </a:r>
+            <a:r>
+              <a:rPr lang="ru-RU" b="1" dirty="0" err="1"/>
+              <a:t>Arduino</a:t>
+            </a:r>
+            <a:r>
+              <a:rPr lang="ru-RU" b="1" dirty="0"/>
+              <a:t> на </a:t>
+            </a:r>
+            <a:r>
+              <a:rPr lang="ru-RU" b="1" dirty="0" err="1"/>
+              <a:t>Raspberry</a:t>
+            </a:r>
+            <a:r>
+              <a:rPr lang="ru-RU" b="1" dirty="0"/>
+              <a:t> </a:t>
+            </a:r>
+            <a:r>
+              <a:rPr lang="ru-RU" b="1" dirty="0" err="1"/>
+              <a:t>Pi</a:t>
+            </a:r>
+            <a:r>
+              <a:rPr lang="ru-RU" b="1" dirty="0"/>
+              <a:t> и мониторинга через телефон</a:t>
+            </a:r>
+            <a:endParaRPr lang="ru-RU" b="1" dirty="0"/>
           </a:p>
         </p:txBody>
       </p:sp>
@@ -4132,12 +8944,182 @@
             <p:ph idx="1"/>
           </p:nvPr>
         </p:nvSpPr>
-        <p:spPr/>
+        <p:spPr>
+          <a:xfrm>
+            <a:off x="0" y="1891275"/>
+            <a:ext cx="10515600" cy="4351338"/>
+          </a:xfrm>
+        </p:spPr>
         <p:txBody>
-          <a:bodyPr/>
+          <a:bodyPr>
+            <a:normAutofit lnSpcReduction="10000"/>
+          </a:bodyPr>
           <a:lstStyle/>
           <a:p>
-            <a:endParaRPr lang="ru-RU"/>
+            <a:r>
+              <a:rPr lang="ru-RU" dirty="0"/>
+              <a:t>Настройка подключения I2C между </a:t>
+            </a:r>
+            <a:r>
+              <a:rPr lang="ru-RU" dirty="0" err="1"/>
+              <a:t>Arduino</a:t>
+            </a:r>
+            <a:r>
+              <a:rPr lang="ru-RU" dirty="0"/>
+              <a:t> и </a:t>
+            </a:r>
+            <a:r>
+              <a:rPr lang="ru-RU" dirty="0" err="1"/>
+              <a:t>Raspberry</a:t>
+            </a:r>
+            <a:r>
+              <a:rPr lang="ru-RU" dirty="0"/>
+              <a:t> </a:t>
+            </a:r>
+            <a:r>
+              <a:rPr lang="ru-RU" dirty="0" err="1" smtClean="0"/>
+              <a:t>Pi</a:t>
+            </a:r>
+            <a:endParaRPr lang="ru-RU" dirty="0" smtClean="0"/>
+          </a:p>
+          <a:p>
+            <a:r>
+              <a:rPr lang="ru-RU" dirty="0"/>
+              <a:t>Настройка I2C на </a:t>
+            </a:r>
+            <a:r>
+              <a:rPr lang="ru-RU" dirty="0" err="1" smtClean="0"/>
+              <a:t>Arduino</a:t>
+            </a:r>
+            <a:endParaRPr lang="ru-RU" dirty="0" smtClean="0"/>
+          </a:p>
+          <a:p>
+            <a:r>
+              <a:rPr lang="ru-RU" dirty="0"/>
+              <a:t>Настройка</a:t>
+            </a:r>
+            <a:r>
+              <a:rPr lang="en-US" dirty="0"/>
+              <a:t> I2C </a:t>
+            </a:r>
+            <a:r>
+              <a:rPr lang="ru-RU" dirty="0"/>
+              <a:t>на</a:t>
+            </a:r>
+            <a:r>
+              <a:rPr lang="en-US" dirty="0"/>
+              <a:t> Raspberry </a:t>
+            </a:r>
+            <a:r>
+              <a:rPr lang="en-US" dirty="0" smtClean="0"/>
+              <a:t>Pi</a:t>
+            </a:r>
+            <a:endParaRPr lang="ru-RU" dirty="0" smtClean="0"/>
+          </a:p>
+          <a:p>
+            <a:r>
+              <a:rPr lang="ru-RU" dirty="0"/>
+              <a:t>Установка </a:t>
+            </a:r>
+            <a:r>
+              <a:rPr lang="ru-RU" dirty="0" err="1"/>
+              <a:t>Blynk</a:t>
+            </a:r>
+            <a:r>
+              <a:rPr lang="ru-RU" dirty="0"/>
+              <a:t> на </a:t>
+            </a:r>
+            <a:r>
+              <a:rPr lang="ru-RU" dirty="0" err="1"/>
+              <a:t>Raspberry</a:t>
+            </a:r>
+            <a:r>
+              <a:rPr lang="ru-RU" dirty="0"/>
+              <a:t> </a:t>
+            </a:r>
+            <a:r>
+              <a:rPr lang="ru-RU" dirty="0" err="1" smtClean="0"/>
+              <a:t>Pi</a:t>
+            </a:r>
+            <a:endParaRPr lang="ru-RU" dirty="0" smtClean="0"/>
+          </a:p>
+          <a:p>
+            <a:r>
+              <a:rPr lang="ru-RU" dirty="0"/>
+              <a:t>Установка библиотеки </a:t>
+            </a:r>
+            <a:r>
+              <a:rPr lang="ru-RU" dirty="0" err="1"/>
+              <a:t>Blynk</a:t>
+            </a:r>
+            <a:r>
+              <a:rPr lang="ru-RU" dirty="0"/>
+              <a:t> на </a:t>
+            </a:r>
+            <a:r>
+              <a:rPr lang="ru-RU" dirty="0" err="1"/>
+              <a:t>Raspberry</a:t>
+            </a:r>
+            <a:r>
+              <a:rPr lang="ru-RU" dirty="0"/>
+              <a:t> </a:t>
+            </a:r>
+            <a:r>
+              <a:rPr lang="ru-RU" dirty="0" err="1" smtClean="0"/>
+              <a:t>Pi</a:t>
+            </a:r>
+            <a:endParaRPr lang="ru-RU" dirty="0" smtClean="0"/>
+          </a:p>
+          <a:p>
+            <a:r>
+              <a:rPr lang="ru-RU" dirty="0"/>
+              <a:t>Создание проекта в приложении </a:t>
+            </a:r>
+            <a:r>
+              <a:rPr lang="ru-RU" dirty="0" err="1" smtClean="0"/>
+              <a:t>Blynk</a:t>
+            </a:r>
+            <a:endParaRPr lang="ru-RU" dirty="0" smtClean="0"/>
+          </a:p>
+          <a:p>
+            <a:r>
+              <a:rPr lang="ru-RU" dirty="0"/>
+              <a:t>Отправка данных на </a:t>
+            </a:r>
+            <a:r>
+              <a:rPr lang="ru-RU" dirty="0" err="1"/>
+              <a:t>Blynk</a:t>
+            </a:r>
+            <a:r>
+              <a:rPr lang="ru-RU" dirty="0"/>
+              <a:t> с </a:t>
+            </a:r>
+            <a:r>
+              <a:rPr lang="ru-RU" dirty="0" err="1"/>
+              <a:t>Raspberry</a:t>
+            </a:r>
+            <a:r>
+              <a:rPr lang="ru-RU" dirty="0"/>
+              <a:t> </a:t>
+            </a:r>
+            <a:r>
+              <a:rPr lang="ru-RU" dirty="0" err="1" smtClean="0"/>
+              <a:t>Pi</a:t>
+            </a:r>
+            <a:endParaRPr lang="ru-RU" dirty="0" smtClean="0"/>
+          </a:p>
+          <a:p>
+            <a:r>
+              <a:rPr lang="ru-RU" dirty="0" smtClean="0"/>
+              <a:t>Телеграмм бот</a:t>
+            </a:r>
+          </a:p>
+          <a:p>
+            <a:r>
+              <a:rPr lang="ru-RU" dirty="0" smtClean="0"/>
+              <a:t>Мобильное приложение</a:t>
+            </a:r>
+            <a:endParaRPr lang="ru-RU" dirty="0"/>
           </a:p>
         </p:txBody>
       </p:sp>
@@ -4173,25 +9155,6 @@
       </p:grpSpPr>
       <p:sp>
         <p:nvSpPr>
-          <p:cNvPr id="2" name="Заголовок 1"/>
-          <p:cNvSpPr>
-            <a:spLocks noGrp="1"/>
-          </p:cNvSpPr>
-          <p:nvPr>
-            <p:ph type="title"/>
-          </p:nvPr>
-        </p:nvSpPr>
-        <p:spPr/>
-        <p:txBody>
-          <a:bodyPr/>
-          <a:lstStyle/>
-          <a:p>
-            <a:endParaRPr lang="ru-RU"/>
-          </a:p>
-        </p:txBody>
-      </p:sp>
-      <p:sp>
-        <p:nvSpPr>
           <p:cNvPr id="3" name="Объект 2"/>
           <p:cNvSpPr>
             <a:spLocks noGrp="1"/>
@@ -4200,25 +9163,46 @@
             <p:ph idx="1"/>
           </p:nvPr>
         </p:nvSpPr>
-        <p:spPr/>
+        <p:spPr>
+          <a:xfrm>
+            <a:off x="1227406" y="2566524"/>
+            <a:ext cx="9773530" cy="1227064"/>
+          </a:xfrm>
+        </p:spPr>
         <p:txBody>
-          <a:bodyPr/>
+          <a:bodyPr>
+            <a:normAutofit/>
+          </a:bodyPr>
           <a:lstStyle/>
           <a:p>
-            <a:endParaRPr lang="ru-RU"/>
+            <a:pPr marL="0" indent="0" algn="ctr">
+              <a:buNone/>
+            </a:pPr>
+            <a:r>
+              <a:rPr lang="ru-RU" sz="7200" dirty="0" smtClean="0"/>
+              <a:t>Спасибо за внимание!</a:t>
+            </a:r>
+            <a:endParaRPr lang="ru-RU" sz="7200" dirty="0"/>
           </a:p>
         </p:txBody>
       </p:sp>
     </p:spTree>
     <p:extLst>
       <p:ext uri="{BB962C8B-B14F-4D97-AF65-F5344CB8AC3E}">
-        <p14:creationId xmlns:p14="http://schemas.microsoft.com/office/powerpoint/2010/main" val="341910754"/>
+        <p14:creationId xmlns:p14="http://schemas.microsoft.com/office/powerpoint/2010/main" val="235049047"/>
       </p:ext>
     </p:extLst>
   </p:cSld>
   <p:clrMapOvr>
     <a:masterClrMapping/>
   </p:clrMapOvr>
+  <p:timing>
+    <p:tnLst>
+      <p:par>
+        <p:cTn id="1" dur="indefinite" restart="never" nodeType="tmRoot"/>
+      </p:par>
+    </p:tnLst>
+  </p:timing>
 </p:sld>
 </file>
 
